--- a/References/NoFreqTweedie_.pptx
+++ b/References/NoFreqTweedie_.pptx
@@ -12,9 +12,9 @@
     <p:sldId id="264" r:id="rId3"/>
     <p:sldId id="261" r:id="rId4"/>
     <p:sldId id="259" r:id="rId5"/>
-    <p:sldId id="256" r:id="rId6"/>
-    <p:sldId id="265" r:id="rId7"/>
-    <p:sldId id="263" r:id="rId8"/>
+    <p:sldId id="266" r:id="rId6"/>
+    <p:sldId id="256" r:id="rId7"/>
+    <p:sldId id="265" r:id="rId8"/>
   </p:sldIdLst>
   <p:sldSz cx="12192000" cy="6858000"/>
   <p:notesSz cx="6858000" cy="9144000"/>
@@ -114,8 +114,27 @@
     </a:lvl9pPr>
   </p:defaultTextStyle>
   <p:extLst>
+    <p:ext uri="{521415D9-36F7-43E2-AB2F-B90AF26B5E84}">
+      <p14:sectionLst xmlns:p14="http://schemas.microsoft.com/office/powerpoint/2010/main">
+        <p14:section name="Study" id="{CFC9D7C0-4FAA-4296-AF10-1DD67064C09B}">
+          <p14:sldIdLst>
+            <p14:sldId id="257"/>
+            <p14:sldId id="264"/>
+            <p14:sldId id="261"/>
+            <p14:sldId id="259"/>
+          </p14:sldIdLst>
+        </p14:section>
+        <p14:section name="Implementation" id="{1E3DA9C2-731A-4D89-80AC-EEB54A04CCC0}">
+          <p14:sldIdLst>
+            <p14:sldId id="266"/>
+            <p14:sldId id="256"/>
+            <p14:sldId id="265"/>
+          </p14:sldIdLst>
+        </p14:section>
+      </p14:sectionLst>
+    </p:ext>
     <p:ext uri="{EFAFB233-063F-42B5-8137-9DF3F51BA10A}">
-      <p15:sldGuideLst xmlns:p15="http://schemas.microsoft.com/office/powerpoint/2012/main" xmlns=""/>
+      <p15:sldGuideLst xmlns="" xmlns:p15="http://schemas.microsoft.com/office/powerpoint/2012/main"/>
     </p:ext>
   </p:extLst>
 </p:presentation>
@@ -1549,7 +1568,7 @@
           <a:bodyPr/>
           <a:lstStyle/>
           <a:p>
-            <a:endParaRPr kumimoji="1" lang="ja-JP" altLang="en-US"/>
+            <a:endParaRPr kumimoji="1" lang="ja-JP" altLang="en-US" dirty="0"/>
           </a:p>
         </p:txBody>
       </p:sp>
@@ -1570,7 +1589,7 @@
           <a:p>
             <a:fld id="{F57E653C-0487-5645-8803-FA5C6C0855E4}" type="slidenum">
               <a:rPr lang="en-US" altLang="ja-JP"/>
-              <a:t>5</a:t>
+              <a:t>6</a:t>
             </a:fld>
             <a:endParaRPr kumimoji="1" lang="ja-JP" altLang="en-US"/>
           </a:p>
@@ -1654,90 +1673,6 @@
           <a:p>
             <a:fld id="{F57E653C-0487-5645-8803-FA5C6C0855E4}" type="slidenum">
               <a:rPr lang="en-US" altLang="ja-JP"/>
-              <a:t>6</a:t>
-            </a:fld>
-            <a:endParaRPr kumimoji="1" lang="ja-JP" altLang="en-US"/>
-          </a:p>
-        </p:txBody>
-      </p:sp>
-    </p:spTree>
-    <p:extLst>
-      <p:ext uri="{BB962C8B-B14F-4D97-AF65-F5344CB8AC3E}">
-        <p14:creationId xmlns:p14="http://schemas.microsoft.com/office/powerpoint/2010/main" val="3003795211"/>
-      </p:ext>
-    </p:extLst>
-  </p:cSld>
-  <p:clrMapOvr>
-    <a:masterClrMapping/>
-  </p:clrMapOvr>
-</p:notes>
-</file>
-
-<file path=ppt/notesSlides/notesSlide6.xml><?xml version="1.0" encoding="utf-8"?>
-<p:notes xmlns:a="http://schemas.openxmlformats.org/drawingml/2006/main" xmlns:r="http://schemas.openxmlformats.org/officeDocument/2006/relationships" xmlns:p="http://schemas.openxmlformats.org/presentationml/2006/main">
-  <p:cSld>
-    <p:spTree>
-      <p:nvGrpSpPr>
-        <p:cNvPr id="1" name=""/>
-        <p:cNvGrpSpPr/>
-        <p:nvPr/>
-      </p:nvGrpSpPr>
-      <p:grpSpPr>
-        <a:xfrm>
-          <a:off x="0" y="0"/>
-          <a:ext cx="0" cy="0"/>
-          <a:chOff x="0" y="0"/>
-          <a:chExt cx="0" cy="0"/>
-        </a:xfrm>
-      </p:grpSpPr>
-      <p:sp>
-        <p:nvSpPr>
-          <p:cNvPr id="2" name="スライド イメージ プレースホルダー 1"/>
-          <p:cNvSpPr>
-            <a:spLocks noGrp="1" noRot="1" noChangeAspect="1"/>
-          </p:cNvSpPr>
-          <p:nvPr>
-            <p:ph type="sldImg"/>
-          </p:nvPr>
-        </p:nvSpPr>
-        <p:spPr/>
-      </p:sp>
-      <p:sp>
-        <p:nvSpPr>
-          <p:cNvPr id="3" name="ノート プレースホルダー 2"/>
-          <p:cNvSpPr>
-            <a:spLocks noGrp="1"/>
-          </p:cNvSpPr>
-          <p:nvPr>
-            <p:ph type="body" idx="1"/>
-          </p:nvPr>
-        </p:nvSpPr>
-        <p:spPr/>
-        <p:txBody>
-          <a:bodyPr/>
-          <a:lstStyle/>
-          <a:p>
-            <a:endParaRPr kumimoji="1" lang="ja-JP" altLang="en-US"/>
-          </a:p>
-        </p:txBody>
-      </p:sp>
-      <p:sp>
-        <p:nvSpPr>
-          <p:cNvPr id="4" name="スライド番号プレースホルダー 3"/>
-          <p:cNvSpPr>
-            <a:spLocks noGrp="1"/>
-          </p:cNvSpPr>
-          <p:nvPr>
-            <p:ph type="sldNum" sz="quarter" idx="5"/>
-          </p:nvPr>
-        </p:nvSpPr>
-        <p:spPr/>
-        <p:txBody>
-          <a:bodyPr/>
-          <a:lstStyle/>
-          <a:p>
-            <a:fld id="{F57E653C-0487-5645-8803-FA5C6C0855E4}" type="slidenum">
-              <a:rPr lang="en-US" altLang="ja-JP"/>
               <a:t>7</a:t>
             </a:fld>
             <a:endParaRPr kumimoji="1" lang="ja-JP" altLang="en-US"/>
@@ -1779,7 +1714,7 @@
           <p:cNvPr id="2" name="タイトル 1">
             <a:extLst>
               <a:ext uri="{FF2B5EF4-FFF2-40B4-BE49-F238E27FC236}">
-                <a16:creationId xmlns:a16="http://schemas.microsoft.com/office/drawing/2014/main" xmlns="" id="{D5344CD4-0CA6-3640-BCE3-34D3548C153D}"/>
+                <a16:creationId xmlns="" xmlns:a16="http://schemas.microsoft.com/office/drawing/2014/main" id="{D5344CD4-0CA6-3640-BCE3-34D3548C153D}"/>
               </a:ext>
             </a:extLst>
           </p:cNvPr>
@@ -1816,7 +1751,7 @@
           <p:cNvPr id="3" name="字幕 2">
             <a:extLst>
               <a:ext uri="{FF2B5EF4-FFF2-40B4-BE49-F238E27FC236}">
-                <a16:creationId xmlns:a16="http://schemas.microsoft.com/office/drawing/2014/main" xmlns="" id="{F3C432A9-AEB5-B641-8928-77417D232676}"/>
+                <a16:creationId xmlns="" xmlns:a16="http://schemas.microsoft.com/office/drawing/2014/main" id="{F3C432A9-AEB5-B641-8928-77417D232676}"/>
               </a:ext>
             </a:extLst>
           </p:cNvPr>
@@ -1886,7 +1821,7 @@
           <p:cNvPr id="4" name="日付プレースホルダー 3">
             <a:extLst>
               <a:ext uri="{FF2B5EF4-FFF2-40B4-BE49-F238E27FC236}">
-                <a16:creationId xmlns:a16="http://schemas.microsoft.com/office/drawing/2014/main" xmlns="" id="{5941BC15-0D25-C24E-9922-B867A8F52279}"/>
+                <a16:creationId xmlns="" xmlns:a16="http://schemas.microsoft.com/office/drawing/2014/main" id="{5941BC15-0D25-C24E-9922-B867A8F52279}"/>
               </a:ext>
             </a:extLst>
           </p:cNvPr>
@@ -1914,7 +1849,7 @@
           <p:cNvPr id="5" name="フッター プレースホルダー 4">
             <a:extLst>
               <a:ext uri="{FF2B5EF4-FFF2-40B4-BE49-F238E27FC236}">
-                <a16:creationId xmlns:a16="http://schemas.microsoft.com/office/drawing/2014/main" xmlns="" id="{789A95B5-E81F-4741-8B61-FC7A40C1A194}"/>
+                <a16:creationId xmlns="" xmlns:a16="http://schemas.microsoft.com/office/drawing/2014/main" id="{789A95B5-E81F-4741-8B61-FC7A40C1A194}"/>
               </a:ext>
             </a:extLst>
           </p:cNvPr>
@@ -1939,7 +1874,7 @@
           <p:cNvPr id="6" name="スライド番号プレースホルダー 5">
             <a:extLst>
               <a:ext uri="{FF2B5EF4-FFF2-40B4-BE49-F238E27FC236}">
-                <a16:creationId xmlns:a16="http://schemas.microsoft.com/office/drawing/2014/main" xmlns="" id="{0D0C8820-2EE1-B84D-A887-674EC373B829}"/>
+                <a16:creationId xmlns="" xmlns:a16="http://schemas.microsoft.com/office/drawing/2014/main" id="{0D0C8820-2EE1-B84D-A887-674EC373B829}"/>
               </a:ext>
             </a:extLst>
           </p:cNvPr>
@@ -1997,7 +1932,7 @@
           <p:cNvPr id="2" name="タイトル 1">
             <a:extLst>
               <a:ext uri="{FF2B5EF4-FFF2-40B4-BE49-F238E27FC236}">
-                <a16:creationId xmlns:a16="http://schemas.microsoft.com/office/drawing/2014/main" xmlns="" id="{866532C5-2AD6-5640-B758-344B91BCE7FB}"/>
+                <a16:creationId xmlns="" xmlns:a16="http://schemas.microsoft.com/office/drawing/2014/main" id="{866532C5-2AD6-5640-B758-344B91BCE7FB}"/>
               </a:ext>
             </a:extLst>
           </p:cNvPr>
@@ -2025,7 +1960,7 @@
           <p:cNvPr id="3" name="縦書きテキスト プレースホルダー 2">
             <a:extLst>
               <a:ext uri="{FF2B5EF4-FFF2-40B4-BE49-F238E27FC236}">
-                <a16:creationId xmlns:a16="http://schemas.microsoft.com/office/drawing/2014/main" xmlns="" id="{71D649A3-DF76-E545-9EF3-17A4DB5A0CBC}"/>
+                <a16:creationId xmlns="" xmlns:a16="http://schemas.microsoft.com/office/drawing/2014/main" id="{71D649A3-DF76-E545-9EF3-17A4DB5A0CBC}"/>
               </a:ext>
             </a:extLst>
           </p:cNvPr>
@@ -2089,7 +2024,7 @@
           <p:cNvPr id="4" name="日付プレースホルダー 3">
             <a:extLst>
               <a:ext uri="{FF2B5EF4-FFF2-40B4-BE49-F238E27FC236}">
-                <a16:creationId xmlns:a16="http://schemas.microsoft.com/office/drawing/2014/main" xmlns="" id="{94894163-4D04-2D4D-A875-EB8147DF247F}"/>
+                <a16:creationId xmlns="" xmlns:a16="http://schemas.microsoft.com/office/drawing/2014/main" id="{94894163-4D04-2D4D-A875-EB8147DF247F}"/>
               </a:ext>
             </a:extLst>
           </p:cNvPr>
@@ -2117,7 +2052,7 @@
           <p:cNvPr id="5" name="フッター プレースホルダー 4">
             <a:extLst>
               <a:ext uri="{FF2B5EF4-FFF2-40B4-BE49-F238E27FC236}">
-                <a16:creationId xmlns:a16="http://schemas.microsoft.com/office/drawing/2014/main" xmlns="" id="{9CD4F82E-B15D-F647-AA79-34F888370D07}"/>
+                <a16:creationId xmlns="" xmlns:a16="http://schemas.microsoft.com/office/drawing/2014/main" id="{9CD4F82E-B15D-F647-AA79-34F888370D07}"/>
               </a:ext>
             </a:extLst>
           </p:cNvPr>
@@ -2142,7 +2077,7 @@
           <p:cNvPr id="6" name="スライド番号プレースホルダー 5">
             <a:extLst>
               <a:ext uri="{FF2B5EF4-FFF2-40B4-BE49-F238E27FC236}">
-                <a16:creationId xmlns:a16="http://schemas.microsoft.com/office/drawing/2014/main" xmlns="" id="{A39BE8ED-50FD-584F-B4BE-C4CA4B56C38A}"/>
+                <a16:creationId xmlns="" xmlns:a16="http://schemas.microsoft.com/office/drawing/2014/main" id="{A39BE8ED-50FD-584F-B4BE-C4CA4B56C38A}"/>
               </a:ext>
             </a:extLst>
           </p:cNvPr>
@@ -2200,7 +2135,7 @@
           <p:cNvPr id="2" name="縦書きタイトル 1">
             <a:extLst>
               <a:ext uri="{FF2B5EF4-FFF2-40B4-BE49-F238E27FC236}">
-                <a16:creationId xmlns:a16="http://schemas.microsoft.com/office/drawing/2014/main" xmlns="" id="{917A59E0-6B60-AF47-942B-22EC890C95ED}"/>
+                <a16:creationId xmlns="" xmlns:a16="http://schemas.microsoft.com/office/drawing/2014/main" id="{917A59E0-6B60-AF47-942B-22EC890C95ED}"/>
               </a:ext>
             </a:extLst>
           </p:cNvPr>
@@ -2233,7 +2168,7 @@
           <p:cNvPr id="3" name="縦書きテキスト プレースホルダー 2">
             <a:extLst>
               <a:ext uri="{FF2B5EF4-FFF2-40B4-BE49-F238E27FC236}">
-                <a16:creationId xmlns:a16="http://schemas.microsoft.com/office/drawing/2014/main" xmlns="" id="{8500C77B-5D03-0844-BF19-78840A9FD866}"/>
+                <a16:creationId xmlns="" xmlns:a16="http://schemas.microsoft.com/office/drawing/2014/main" id="{8500C77B-5D03-0844-BF19-78840A9FD866}"/>
               </a:ext>
             </a:extLst>
           </p:cNvPr>
@@ -2302,7 +2237,7 @@
           <p:cNvPr id="4" name="日付プレースホルダー 3">
             <a:extLst>
               <a:ext uri="{FF2B5EF4-FFF2-40B4-BE49-F238E27FC236}">
-                <a16:creationId xmlns:a16="http://schemas.microsoft.com/office/drawing/2014/main" xmlns="" id="{4A29D650-AFBD-B145-91F9-D90E0A4474C9}"/>
+                <a16:creationId xmlns="" xmlns:a16="http://schemas.microsoft.com/office/drawing/2014/main" id="{4A29D650-AFBD-B145-91F9-D90E0A4474C9}"/>
               </a:ext>
             </a:extLst>
           </p:cNvPr>
@@ -2330,7 +2265,7 @@
           <p:cNvPr id="5" name="フッター プレースホルダー 4">
             <a:extLst>
               <a:ext uri="{FF2B5EF4-FFF2-40B4-BE49-F238E27FC236}">
-                <a16:creationId xmlns:a16="http://schemas.microsoft.com/office/drawing/2014/main" xmlns="" id="{03E189B1-A6E7-6444-893E-A8BABB4938B9}"/>
+                <a16:creationId xmlns="" xmlns:a16="http://schemas.microsoft.com/office/drawing/2014/main" id="{03E189B1-A6E7-6444-893E-A8BABB4938B9}"/>
               </a:ext>
             </a:extLst>
           </p:cNvPr>
@@ -2355,7 +2290,7 @@
           <p:cNvPr id="6" name="スライド番号プレースホルダー 5">
             <a:extLst>
               <a:ext uri="{FF2B5EF4-FFF2-40B4-BE49-F238E27FC236}">
-                <a16:creationId xmlns:a16="http://schemas.microsoft.com/office/drawing/2014/main" xmlns="" id="{779B6A7F-50C9-7246-BCAB-8862D201E086}"/>
+                <a16:creationId xmlns="" xmlns:a16="http://schemas.microsoft.com/office/drawing/2014/main" id="{779B6A7F-50C9-7246-BCAB-8862D201E086}"/>
               </a:ext>
             </a:extLst>
           </p:cNvPr>
@@ -2413,7 +2348,7 @@
           <p:cNvPr id="2" name="タイトル 1">
             <a:extLst>
               <a:ext uri="{FF2B5EF4-FFF2-40B4-BE49-F238E27FC236}">
-                <a16:creationId xmlns:a16="http://schemas.microsoft.com/office/drawing/2014/main" xmlns="" id="{C8B1EA48-C657-7041-8B30-70E4F3CC7861}"/>
+                <a16:creationId xmlns="" xmlns:a16="http://schemas.microsoft.com/office/drawing/2014/main" id="{C8B1EA48-C657-7041-8B30-70E4F3CC7861}"/>
               </a:ext>
             </a:extLst>
           </p:cNvPr>
@@ -2441,7 +2376,7 @@
           <p:cNvPr id="3" name="コンテンツ プレースホルダー 2">
             <a:extLst>
               <a:ext uri="{FF2B5EF4-FFF2-40B4-BE49-F238E27FC236}">
-                <a16:creationId xmlns:a16="http://schemas.microsoft.com/office/drawing/2014/main" xmlns="" id="{9F8236EA-ADE6-3143-84F0-4897FF107D20}"/>
+                <a16:creationId xmlns="" xmlns:a16="http://schemas.microsoft.com/office/drawing/2014/main" id="{9F8236EA-ADE6-3143-84F0-4897FF107D20}"/>
               </a:ext>
             </a:extLst>
           </p:cNvPr>
@@ -2505,7 +2440,7 @@
           <p:cNvPr id="4" name="日付プレースホルダー 3">
             <a:extLst>
               <a:ext uri="{FF2B5EF4-FFF2-40B4-BE49-F238E27FC236}">
-                <a16:creationId xmlns:a16="http://schemas.microsoft.com/office/drawing/2014/main" xmlns="" id="{540E1B36-D891-164A-BA4B-A4691A0AE1D5}"/>
+                <a16:creationId xmlns="" xmlns:a16="http://schemas.microsoft.com/office/drawing/2014/main" id="{540E1B36-D891-164A-BA4B-A4691A0AE1D5}"/>
               </a:ext>
             </a:extLst>
           </p:cNvPr>
@@ -2533,7 +2468,7 @@
           <p:cNvPr id="5" name="フッター プレースホルダー 4">
             <a:extLst>
               <a:ext uri="{FF2B5EF4-FFF2-40B4-BE49-F238E27FC236}">
-                <a16:creationId xmlns:a16="http://schemas.microsoft.com/office/drawing/2014/main" xmlns="" id="{A774EB9C-0DF3-2A44-B739-B955B79FCFED}"/>
+                <a16:creationId xmlns="" xmlns:a16="http://schemas.microsoft.com/office/drawing/2014/main" id="{A774EB9C-0DF3-2A44-B739-B955B79FCFED}"/>
               </a:ext>
             </a:extLst>
           </p:cNvPr>
@@ -2558,7 +2493,7 @@
           <p:cNvPr id="6" name="スライド番号プレースホルダー 5">
             <a:extLst>
               <a:ext uri="{FF2B5EF4-FFF2-40B4-BE49-F238E27FC236}">
-                <a16:creationId xmlns:a16="http://schemas.microsoft.com/office/drawing/2014/main" xmlns="" id="{F0BCB89B-03C6-B948-B598-A690FE76722C}"/>
+                <a16:creationId xmlns="" xmlns:a16="http://schemas.microsoft.com/office/drawing/2014/main" id="{F0BCB89B-03C6-B948-B598-A690FE76722C}"/>
               </a:ext>
             </a:extLst>
           </p:cNvPr>
@@ -2616,7 +2551,7 @@
           <p:cNvPr id="2" name="タイトル 1">
             <a:extLst>
               <a:ext uri="{FF2B5EF4-FFF2-40B4-BE49-F238E27FC236}">
-                <a16:creationId xmlns:a16="http://schemas.microsoft.com/office/drawing/2014/main" xmlns="" id="{31037A2A-472E-3C49-98D1-525A33550DAC}"/>
+                <a16:creationId xmlns="" xmlns:a16="http://schemas.microsoft.com/office/drawing/2014/main" id="{31037A2A-472E-3C49-98D1-525A33550DAC}"/>
               </a:ext>
             </a:extLst>
           </p:cNvPr>
@@ -2653,7 +2588,7 @@
           <p:cNvPr id="3" name="テキスト プレースホルダー 2">
             <a:extLst>
               <a:ext uri="{FF2B5EF4-FFF2-40B4-BE49-F238E27FC236}">
-                <a16:creationId xmlns:a16="http://schemas.microsoft.com/office/drawing/2014/main" xmlns="" id="{01A98809-FAD9-9944-AFE5-D1FBEDED25C6}"/>
+                <a16:creationId xmlns="" xmlns:a16="http://schemas.microsoft.com/office/drawing/2014/main" id="{01A98809-FAD9-9944-AFE5-D1FBEDED25C6}"/>
               </a:ext>
             </a:extLst>
           </p:cNvPr>
@@ -2813,7 +2748,7 @@
           <p:cNvPr id="4" name="日付プレースホルダー 3">
             <a:extLst>
               <a:ext uri="{FF2B5EF4-FFF2-40B4-BE49-F238E27FC236}">
-                <a16:creationId xmlns:a16="http://schemas.microsoft.com/office/drawing/2014/main" xmlns="" id="{B75F567D-C4CD-5C40-86D7-0ABCE714D9D3}"/>
+                <a16:creationId xmlns="" xmlns:a16="http://schemas.microsoft.com/office/drawing/2014/main" id="{B75F567D-C4CD-5C40-86D7-0ABCE714D9D3}"/>
               </a:ext>
             </a:extLst>
           </p:cNvPr>
@@ -2841,7 +2776,7 @@
           <p:cNvPr id="5" name="フッター プレースホルダー 4">
             <a:extLst>
               <a:ext uri="{FF2B5EF4-FFF2-40B4-BE49-F238E27FC236}">
-                <a16:creationId xmlns:a16="http://schemas.microsoft.com/office/drawing/2014/main" xmlns="" id="{75DBBF7F-22FB-C546-A538-AD7247BEB665}"/>
+                <a16:creationId xmlns="" xmlns:a16="http://schemas.microsoft.com/office/drawing/2014/main" id="{75DBBF7F-22FB-C546-A538-AD7247BEB665}"/>
               </a:ext>
             </a:extLst>
           </p:cNvPr>
@@ -2866,7 +2801,7 @@
           <p:cNvPr id="6" name="スライド番号プレースホルダー 5">
             <a:extLst>
               <a:ext uri="{FF2B5EF4-FFF2-40B4-BE49-F238E27FC236}">
-                <a16:creationId xmlns:a16="http://schemas.microsoft.com/office/drawing/2014/main" xmlns="" id="{FA3342C2-93D7-AD4E-A210-47E73FFC5A0B}"/>
+                <a16:creationId xmlns="" xmlns:a16="http://schemas.microsoft.com/office/drawing/2014/main" id="{FA3342C2-93D7-AD4E-A210-47E73FFC5A0B}"/>
               </a:ext>
             </a:extLst>
           </p:cNvPr>
@@ -2924,7 +2859,7 @@
           <p:cNvPr id="2" name="タイトル 1">
             <a:extLst>
               <a:ext uri="{FF2B5EF4-FFF2-40B4-BE49-F238E27FC236}">
-                <a16:creationId xmlns:a16="http://schemas.microsoft.com/office/drawing/2014/main" xmlns="" id="{4F77E69B-7F42-A54E-8AD0-3FC80947B779}"/>
+                <a16:creationId xmlns="" xmlns:a16="http://schemas.microsoft.com/office/drawing/2014/main" id="{4F77E69B-7F42-A54E-8AD0-3FC80947B779}"/>
               </a:ext>
             </a:extLst>
           </p:cNvPr>
@@ -2952,7 +2887,7 @@
           <p:cNvPr id="3" name="コンテンツ プレースホルダー 2">
             <a:extLst>
               <a:ext uri="{FF2B5EF4-FFF2-40B4-BE49-F238E27FC236}">
-                <a16:creationId xmlns:a16="http://schemas.microsoft.com/office/drawing/2014/main" xmlns="" id="{F8A80ED3-A8F2-B84B-914C-7AC70E7AE7EB}"/>
+                <a16:creationId xmlns="" xmlns:a16="http://schemas.microsoft.com/office/drawing/2014/main" id="{F8A80ED3-A8F2-B84B-914C-7AC70E7AE7EB}"/>
               </a:ext>
             </a:extLst>
           </p:cNvPr>
@@ -3021,7 +2956,7 @@
           <p:cNvPr id="4" name="コンテンツ プレースホルダー 3">
             <a:extLst>
               <a:ext uri="{FF2B5EF4-FFF2-40B4-BE49-F238E27FC236}">
-                <a16:creationId xmlns:a16="http://schemas.microsoft.com/office/drawing/2014/main" xmlns="" id="{05680A2F-78B7-3140-83C4-450FCED9A11B}"/>
+                <a16:creationId xmlns="" xmlns:a16="http://schemas.microsoft.com/office/drawing/2014/main" id="{05680A2F-78B7-3140-83C4-450FCED9A11B}"/>
               </a:ext>
             </a:extLst>
           </p:cNvPr>
@@ -3090,7 +3025,7 @@
           <p:cNvPr id="5" name="日付プレースホルダー 4">
             <a:extLst>
               <a:ext uri="{FF2B5EF4-FFF2-40B4-BE49-F238E27FC236}">
-                <a16:creationId xmlns:a16="http://schemas.microsoft.com/office/drawing/2014/main" xmlns="" id="{502E9CCE-9E4C-2648-A97A-4020A44FD43F}"/>
+                <a16:creationId xmlns="" xmlns:a16="http://schemas.microsoft.com/office/drawing/2014/main" id="{502E9CCE-9E4C-2648-A97A-4020A44FD43F}"/>
               </a:ext>
             </a:extLst>
           </p:cNvPr>
@@ -3118,7 +3053,7 @@
           <p:cNvPr id="6" name="フッター プレースホルダー 5">
             <a:extLst>
               <a:ext uri="{FF2B5EF4-FFF2-40B4-BE49-F238E27FC236}">
-                <a16:creationId xmlns:a16="http://schemas.microsoft.com/office/drawing/2014/main" xmlns="" id="{38A49A6B-FC35-0B4A-99C7-C34A43E0A27F}"/>
+                <a16:creationId xmlns="" xmlns:a16="http://schemas.microsoft.com/office/drawing/2014/main" id="{38A49A6B-FC35-0B4A-99C7-C34A43E0A27F}"/>
               </a:ext>
             </a:extLst>
           </p:cNvPr>
@@ -3143,7 +3078,7 @@
           <p:cNvPr id="7" name="スライド番号プレースホルダー 6">
             <a:extLst>
               <a:ext uri="{FF2B5EF4-FFF2-40B4-BE49-F238E27FC236}">
-                <a16:creationId xmlns:a16="http://schemas.microsoft.com/office/drawing/2014/main" xmlns="" id="{0E3C3F81-E3D7-4948-B9E3-B52663C2EFEE}"/>
+                <a16:creationId xmlns="" xmlns:a16="http://schemas.microsoft.com/office/drawing/2014/main" id="{0E3C3F81-E3D7-4948-B9E3-B52663C2EFEE}"/>
               </a:ext>
             </a:extLst>
           </p:cNvPr>
@@ -3201,7 +3136,7 @@
           <p:cNvPr id="2" name="タイトル 1">
             <a:extLst>
               <a:ext uri="{FF2B5EF4-FFF2-40B4-BE49-F238E27FC236}">
-                <a16:creationId xmlns:a16="http://schemas.microsoft.com/office/drawing/2014/main" xmlns="" id="{F477674C-B7B0-6E48-88C9-BEB23C20FE61}"/>
+                <a16:creationId xmlns="" xmlns:a16="http://schemas.microsoft.com/office/drawing/2014/main" id="{F477674C-B7B0-6E48-88C9-BEB23C20FE61}"/>
               </a:ext>
             </a:extLst>
           </p:cNvPr>
@@ -3234,7 +3169,7 @@
           <p:cNvPr id="3" name="テキスト プレースホルダー 2">
             <a:extLst>
               <a:ext uri="{FF2B5EF4-FFF2-40B4-BE49-F238E27FC236}">
-                <a16:creationId xmlns:a16="http://schemas.microsoft.com/office/drawing/2014/main" xmlns="" id="{E6DA9D08-24D4-FC46-84E9-F9E1A389B314}"/>
+                <a16:creationId xmlns="" xmlns:a16="http://schemas.microsoft.com/office/drawing/2014/main" id="{E6DA9D08-24D4-FC46-84E9-F9E1A389B314}"/>
               </a:ext>
             </a:extLst>
           </p:cNvPr>
@@ -3340,7 +3275,7 @@
           <p:cNvPr id="4" name="コンテンツ プレースホルダー 3">
             <a:extLst>
               <a:ext uri="{FF2B5EF4-FFF2-40B4-BE49-F238E27FC236}">
-                <a16:creationId xmlns:a16="http://schemas.microsoft.com/office/drawing/2014/main" xmlns="" id="{ABF2E1E7-804E-334F-82D8-48C1DF0623B6}"/>
+                <a16:creationId xmlns="" xmlns:a16="http://schemas.microsoft.com/office/drawing/2014/main" id="{ABF2E1E7-804E-334F-82D8-48C1DF0623B6}"/>
               </a:ext>
             </a:extLst>
           </p:cNvPr>
@@ -3409,7 +3344,7 @@
           <p:cNvPr id="5" name="テキスト プレースホルダー 4">
             <a:extLst>
               <a:ext uri="{FF2B5EF4-FFF2-40B4-BE49-F238E27FC236}">
-                <a16:creationId xmlns:a16="http://schemas.microsoft.com/office/drawing/2014/main" xmlns="" id="{F47F394B-3AB0-254D-9654-536E7084C6DC}"/>
+                <a16:creationId xmlns="" xmlns:a16="http://schemas.microsoft.com/office/drawing/2014/main" id="{F47F394B-3AB0-254D-9654-536E7084C6DC}"/>
               </a:ext>
             </a:extLst>
           </p:cNvPr>
@@ -3515,7 +3450,7 @@
           <p:cNvPr id="6" name="コンテンツ プレースホルダー 5">
             <a:extLst>
               <a:ext uri="{FF2B5EF4-FFF2-40B4-BE49-F238E27FC236}">
-                <a16:creationId xmlns:a16="http://schemas.microsoft.com/office/drawing/2014/main" xmlns="" id="{C244104D-8654-764D-9B56-4D6A30C5847F}"/>
+                <a16:creationId xmlns="" xmlns:a16="http://schemas.microsoft.com/office/drawing/2014/main" id="{C244104D-8654-764D-9B56-4D6A30C5847F}"/>
               </a:ext>
             </a:extLst>
           </p:cNvPr>
@@ -3584,7 +3519,7 @@
           <p:cNvPr id="7" name="日付プレースホルダー 6">
             <a:extLst>
               <a:ext uri="{FF2B5EF4-FFF2-40B4-BE49-F238E27FC236}">
-                <a16:creationId xmlns:a16="http://schemas.microsoft.com/office/drawing/2014/main" xmlns="" id="{1884915C-75BB-0440-8732-AB2BD202E519}"/>
+                <a16:creationId xmlns="" xmlns:a16="http://schemas.microsoft.com/office/drawing/2014/main" id="{1884915C-75BB-0440-8732-AB2BD202E519}"/>
               </a:ext>
             </a:extLst>
           </p:cNvPr>
@@ -3612,7 +3547,7 @@
           <p:cNvPr id="8" name="フッター プレースホルダー 7">
             <a:extLst>
               <a:ext uri="{FF2B5EF4-FFF2-40B4-BE49-F238E27FC236}">
-                <a16:creationId xmlns:a16="http://schemas.microsoft.com/office/drawing/2014/main" xmlns="" id="{51D277EB-63AE-9542-94D2-234BE0496D90}"/>
+                <a16:creationId xmlns="" xmlns:a16="http://schemas.microsoft.com/office/drawing/2014/main" id="{51D277EB-63AE-9542-94D2-234BE0496D90}"/>
               </a:ext>
             </a:extLst>
           </p:cNvPr>
@@ -3637,7 +3572,7 @@
           <p:cNvPr id="9" name="スライド番号プレースホルダー 8">
             <a:extLst>
               <a:ext uri="{FF2B5EF4-FFF2-40B4-BE49-F238E27FC236}">
-                <a16:creationId xmlns:a16="http://schemas.microsoft.com/office/drawing/2014/main" xmlns="" id="{A1F90F18-9A2E-D74A-90AC-8151EF656BD0}"/>
+                <a16:creationId xmlns="" xmlns:a16="http://schemas.microsoft.com/office/drawing/2014/main" id="{A1F90F18-9A2E-D74A-90AC-8151EF656BD0}"/>
               </a:ext>
             </a:extLst>
           </p:cNvPr>
@@ -3695,7 +3630,7 @@
           <p:cNvPr id="2" name="タイトル 1">
             <a:extLst>
               <a:ext uri="{FF2B5EF4-FFF2-40B4-BE49-F238E27FC236}">
-                <a16:creationId xmlns:a16="http://schemas.microsoft.com/office/drawing/2014/main" xmlns="" id="{F89A36DA-7C7E-DB4D-872E-A8B72E77B1ED}"/>
+                <a16:creationId xmlns="" xmlns:a16="http://schemas.microsoft.com/office/drawing/2014/main" id="{F89A36DA-7C7E-DB4D-872E-A8B72E77B1ED}"/>
               </a:ext>
             </a:extLst>
           </p:cNvPr>
@@ -3723,7 +3658,7 @@
           <p:cNvPr id="3" name="日付プレースホルダー 2">
             <a:extLst>
               <a:ext uri="{FF2B5EF4-FFF2-40B4-BE49-F238E27FC236}">
-                <a16:creationId xmlns:a16="http://schemas.microsoft.com/office/drawing/2014/main" xmlns="" id="{6D99933F-C094-934E-AC2A-CC3D0AB1C679}"/>
+                <a16:creationId xmlns="" xmlns:a16="http://schemas.microsoft.com/office/drawing/2014/main" id="{6D99933F-C094-934E-AC2A-CC3D0AB1C679}"/>
               </a:ext>
             </a:extLst>
           </p:cNvPr>
@@ -3751,7 +3686,7 @@
           <p:cNvPr id="4" name="フッター プレースホルダー 3">
             <a:extLst>
               <a:ext uri="{FF2B5EF4-FFF2-40B4-BE49-F238E27FC236}">
-                <a16:creationId xmlns:a16="http://schemas.microsoft.com/office/drawing/2014/main" xmlns="" id="{CBA48458-0912-154E-8A47-4FB5723703B4}"/>
+                <a16:creationId xmlns="" xmlns:a16="http://schemas.microsoft.com/office/drawing/2014/main" id="{CBA48458-0912-154E-8A47-4FB5723703B4}"/>
               </a:ext>
             </a:extLst>
           </p:cNvPr>
@@ -3776,7 +3711,7 @@
           <p:cNvPr id="5" name="スライド番号プレースホルダー 4">
             <a:extLst>
               <a:ext uri="{FF2B5EF4-FFF2-40B4-BE49-F238E27FC236}">
-                <a16:creationId xmlns:a16="http://schemas.microsoft.com/office/drawing/2014/main" xmlns="" id="{4B329045-9FBF-5B4F-B311-417ED7811597}"/>
+                <a16:creationId xmlns="" xmlns:a16="http://schemas.microsoft.com/office/drawing/2014/main" id="{4B329045-9FBF-5B4F-B311-417ED7811597}"/>
               </a:ext>
             </a:extLst>
           </p:cNvPr>
@@ -3834,7 +3769,7 @@
           <p:cNvPr id="2" name="日付プレースホルダー 1">
             <a:extLst>
               <a:ext uri="{FF2B5EF4-FFF2-40B4-BE49-F238E27FC236}">
-                <a16:creationId xmlns:a16="http://schemas.microsoft.com/office/drawing/2014/main" xmlns="" id="{7E4900EA-45EF-E442-ABCD-3E9E0868C000}"/>
+                <a16:creationId xmlns="" xmlns:a16="http://schemas.microsoft.com/office/drawing/2014/main" id="{7E4900EA-45EF-E442-ABCD-3E9E0868C000}"/>
               </a:ext>
             </a:extLst>
           </p:cNvPr>
@@ -3862,7 +3797,7 @@
           <p:cNvPr id="3" name="フッター プレースホルダー 2">
             <a:extLst>
               <a:ext uri="{FF2B5EF4-FFF2-40B4-BE49-F238E27FC236}">
-                <a16:creationId xmlns:a16="http://schemas.microsoft.com/office/drawing/2014/main" xmlns="" id="{E214E2FB-3B4D-E847-9BD4-EC4F10636173}"/>
+                <a16:creationId xmlns="" xmlns:a16="http://schemas.microsoft.com/office/drawing/2014/main" id="{E214E2FB-3B4D-E847-9BD4-EC4F10636173}"/>
               </a:ext>
             </a:extLst>
           </p:cNvPr>
@@ -3887,7 +3822,7 @@
           <p:cNvPr id="4" name="スライド番号プレースホルダー 3">
             <a:extLst>
               <a:ext uri="{FF2B5EF4-FFF2-40B4-BE49-F238E27FC236}">
-                <a16:creationId xmlns:a16="http://schemas.microsoft.com/office/drawing/2014/main" xmlns="" id="{39EB70B0-18F6-C041-AFD8-948CF8F7DE0D}"/>
+                <a16:creationId xmlns="" xmlns:a16="http://schemas.microsoft.com/office/drawing/2014/main" id="{39EB70B0-18F6-C041-AFD8-948CF8F7DE0D}"/>
               </a:ext>
             </a:extLst>
           </p:cNvPr>
@@ -3945,7 +3880,7 @@
           <p:cNvPr id="2" name="タイトル 1">
             <a:extLst>
               <a:ext uri="{FF2B5EF4-FFF2-40B4-BE49-F238E27FC236}">
-                <a16:creationId xmlns:a16="http://schemas.microsoft.com/office/drawing/2014/main" xmlns="" id="{01C9E173-96CF-F842-89E5-9B242A20A7C6}"/>
+                <a16:creationId xmlns="" xmlns:a16="http://schemas.microsoft.com/office/drawing/2014/main" id="{01C9E173-96CF-F842-89E5-9B242A20A7C6}"/>
               </a:ext>
             </a:extLst>
           </p:cNvPr>
@@ -3982,7 +3917,7 @@
           <p:cNvPr id="3" name="コンテンツ プレースホルダー 2">
             <a:extLst>
               <a:ext uri="{FF2B5EF4-FFF2-40B4-BE49-F238E27FC236}">
-                <a16:creationId xmlns:a16="http://schemas.microsoft.com/office/drawing/2014/main" xmlns="" id="{969BEB23-B44E-FA46-A2D0-4FCF85FD9113}"/>
+                <a16:creationId xmlns="" xmlns:a16="http://schemas.microsoft.com/office/drawing/2014/main" id="{969BEB23-B44E-FA46-A2D0-4FCF85FD9113}"/>
               </a:ext>
             </a:extLst>
           </p:cNvPr>
@@ -4079,7 +4014,7 @@
           <p:cNvPr id="4" name="テキスト プレースホルダー 3">
             <a:extLst>
               <a:ext uri="{FF2B5EF4-FFF2-40B4-BE49-F238E27FC236}">
-                <a16:creationId xmlns:a16="http://schemas.microsoft.com/office/drawing/2014/main" xmlns="" id="{9CE1CD04-EA5A-3049-9C76-8BC99124542C}"/>
+                <a16:creationId xmlns="" xmlns:a16="http://schemas.microsoft.com/office/drawing/2014/main" id="{9CE1CD04-EA5A-3049-9C76-8BC99124542C}"/>
               </a:ext>
             </a:extLst>
           </p:cNvPr>
@@ -4185,7 +4120,7 @@
           <p:cNvPr id="5" name="日付プレースホルダー 4">
             <a:extLst>
               <a:ext uri="{FF2B5EF4-FFF2-40B4-BE49-F238E27FC236}">
-                <a16:creationId xmlns:a16="http://schemas.microsoft.com/office/drawing/2014/main" xmlns="" id="{30FF8CDC-1430-E14F-964B-06B928EEEE81}"/>
+                <a16:creationId xmlns="" xmlns:a16="http://schemas.microsoft.com/office/drawing/2014/main" id="{30FF8CDC-1430-E14F-964B-06B928EEEE81}"/>
               </a:ext>
             </a:extLst>
           </p:cNvPr>
@@ -4213,7 +4148,7 @@
           <p:cNvPr id="6" name="フッター プレースホルダー 5">
             <a:extLst>
               <a:ext uri="{FF2B5EF4-FFF2-40B4-BE49-F238E27FC236}">
-                <a16:creationId xmlns:a16="http://schemas.microsoft.com/office/drawing/2014/main" xmlns="" id="{1CD76D26-DE27-4B47-A445-1957CDE1D8E8}"/>
+                <a16:creationId xmlns="" xmlns:a16="http://schemas.microsoft.com/office/drawing/2014/main" id="{1CD76D26-DE27-4B47-A445-1957CDE1D8E8}"/>
               </a:ext>
             </a:extLst>
           </p:cNvPr>
@@ -4238,7 +4173,7 @@
           <p:cNvPr id="7" name="スライド番号プレースホルダー 6">
             <a:extLst>
               <a:ext uri="{FF2B5EF4-FFF2-40B4-BE49-F238E27FC236}">
-                <a16:creationId xmlns:a16="http://schemas.microsoft.com/office/drawing/2014/main" xmlns="" id="{70109692-B055-1240-A7F0-A11790685C43}"/>
+                <a16:creationId xmlns="" xmlns:a16="http://schemas.microsoft.com/office/drawing/2014/main" id="{70109692-B055-1240-A7F0-A11790685C43}"/>
               </a:ext>
             </a:extLst>
           </p:cNvPr>
@@ -4296,7 +4231,7 @@
           <p:cNvPr id="2" name="タイトル 1">
             <a:extLst>
               <a:ext uri="{FF2B5EF4-FFF2-40B4-BE49-F238E27FC236}">
-                <a16:creationId xmlns:a16="http://schemas.microsoft.com/office/drawing/2014/main" xmlns="" id="{C11C8FF5-C637-F54B-A5E7-9B073F287BFB}"/>
+                <a16:creationId xmlns="" xmlns:a16="http://schemas.microsoft.com/office/drawing/2014/main" id="{C11C8FF5-C637-F54B-A5E7-9B073F287BFB}"/>
               </a:ext>
             </a:extLst>
           </p:cNvPr>
@@ -4333,7 +4268,7 @@
           <p:cNvPr id="3" name="図プレースホルダー 2">
             <a:extLst>
               <a:ext uri="{FF2B5EF4-FFF2-40B4-BE49-F238E27FC236}">
-                <a16:creationId xmlns:a16="http://schemas.microsoft.com/office/drawing/2014/main" xmlns="" id="{AC1B2EC4-08B9-BC4B-9F22-E08ACF779E4B}"/>
+                <a16:creationId xmlns="" xmlns:a16="http://schemas.microsoft.com/office/drawing/2014/main" id="{AC1B2EC4-08B9-BC4B-9F22-E08ACF779E4B}"/>
               </a:ext>
             </a:extLst>
           </p:cNvPr>
@@ -4400,7 +4335,7 @@
           <p:cNvPr id="4" name="テキスト プレースホルダー 3">
             <a:extLst>
               <a:ext uri="{FF2B5EF4-FFF2-40B4-BE49-F238E27FC236}">
-                <a16:creationId xmlns:a16="http://schemas.microsoft.com/office/drawing/2014/main" xmlns="" id="{26FAE6BA-2D4D-E846-939E-227B1D2D300C}"/>
+                <a16:creationId xmlns="" xmlns:a16="http://schemas.microsoft.com/office/drawing/2014/main" id="{26FAE6BA-2D4D-E846-939E-227B1D2D300C}"/>
               </a:ext>
             </a:extLst>
           </p:cNvPr>
@@ -4506,7 +4441,7 @@
           <p:cNvPr id="5" name="日付プレースホルダー 4">
             <a:extLst>
               <a:ext uri="{FF2B5EF4-FFF2-40B4-BE49-F238E27FC236}">
-                <a16:creationId xmlns:a16="http://schemas.microsoft.com/office/drawing/2014/main" xmlns="" id="{2B7EC486-D2DE-4D4E-A813-1978437E4C30}"/>
+                <a16:creationId xmlns="" xmlns:a16="http://schemas.microsoft.com/office/drawing/2014/main" id="{2B7EC486-D2DE-4D4E-A813-1978437E4C30}"/>
               </a:ext>
             </a:extLst>
           </p:cNvPr>
@@ -4534,7 +4469,7 @@
           <p:cNvPr id="6" name="フッター プレースホルダー 5">
             <a:extLst>
               <a:ext uri="{FF2B5EF4-FFF2-40B4-BE49-F238E27FC236}">
-                <a16:creationId xmlns:a16="http://schemas.microsoft.com/office/drawing/2014/main" xmlns="" id="{4E819B40-17CC-E941-A578-519399B9DF65}"/>
+                <a16:creationId xmlns="" xmlns:a16="http://schemas.microsoft.com/office/drawing/2014/main" id="{4E819B40-17CC-E941-A578-519399B9DF65}"/>
               </a:ext>
             </a:extLst>
           </p:cNvPr>
@@ -4559,7 +4494,7 @@
           <p:cNvPr id="7" name="スライド番号プレースホルダー 6">
             <a:extLst>
               <a:ext uri="{FF2B5EF4-FFF2-40B4-BE49-F238E27FC236}">
-                <a16:creationId xmlns:a16="http://schemas.microsoft.com/office/drawing/2014/main" xmlns="" id="{4357E496-75DD-A745-81E2-99A78AC84D9C}"/>
+                <a16:creationId xmlns="" xmlns:a16="http://schemas.microsoft.com/office/drawing/2014/main" id="{4357E496-75DD-A745-81E2-99A78AC84D9C}"/>
               </a:ext>
             </a:extLst>
           </p:cNvPr>
@@ -4622,7 +4557,7 @@
           <p:cNvPr id="2" name="タイトル プレースホルダー 1">
             <a:extLst>
               <a:ext uri="{FF2B5EF4-FFF2-40B4-BE49-F238E27FC236}">
-                <a16:creationId xmlns:a16="http://schemas.microsoft.com/office/drawing/2014/main" xmlns="" id="{1EBA927E-3372-6A4E-BBB4-41264D872E98}"/>
+                <a16:creationId xmlns="" xmlns:a16="http://schemas.microsoft.com/office/drawing/2014/main" id="{1EBA927E-3372-6A4E-BBB4-41264D872E98}"/>
               </a:ext>
             </a:extLst>
           </p:cNvPr>
@@ -4660,7 +4595,7 @@
           <p:cNvPr id="3" name="テキスト プレースホルダー 2">
             <a:extLst>
               <a:ext uri="{FF2B5EF4-FFF2-40B4-BE49-F238E27FC236}">
-                <a16:creationId xmlns:a16="http://schemas.microsoft.com/office/drawing/2014/main" xmlns="" id="{DBE93D90-E78C-F84F-AA29-DD5CADC152CD}"/>
+                <a16:creationId xmlns="" xmlns:a16="http://schemas.microsoft.com/office/drawing/2014/main" id="{DBE93D90-E78C-F84F-AA29-DD5CADC152CD}"/>
               </a:ext>
             </a:extLst>
           </p:cNvPr>
@@ -4734,7 +4669,7 @@
           <p:cNvPr id="4" name="日付プレースホルダー 3">
             <a:extLst>
               <a:ext uri="{FF2B5EF4-FFF2-40B4-BE49-F238E27FC236}">
-                <a16:creationId xmlns:a16="http://schemas.microsoft.com/office/drawing/2014/main" xmlns="" id="{55FF26DE-254F-A443-A1F1-F52667CB0B16}"/>
+                <a16:creationId xmlns="" xmlns:a16="http://schemas.microsoft.com/office/drawing/2014/main" id="{55FF26DE-254F-A443-A1F1-F52667CB0B16}"/>
               </a:ext>
             </a:extLst>
           </p:cNvPr>
@@ -4780,7 +4715,7 @@
           <p:cNvPr id="5" name="フッター プレースホルダー 4">
             <a:extLst>
               <a:ext uri="{FF2B5EF4-FFF2-40B4-BE49-F238E27FC236}">
-                <a16:creationId xmlns:a16="http://schemas.microsoft.com/office/drawing/2014/main" xmlns="" id="{4C0A40DD-CA07-1341-AB7A-01ACAD9C9684}"/>
+                <a16:creationId xmlns="" xmlns:a16="http://schemas.microsoft.com/office/drawing/2014/main" id="{4C0A40DD-CA07-1341-AB7A-01ACAD9C9684}"/>
               </a:ext>
             </a:extLst>
           </p:cNvPr>
@@ -4823,7 +4758,7 @@
           <p:cNvPr id="6" name="スライド番号プレースホルダー 5">
             <a:extLst>
               <a:ext uri="{FF2B5EF4-FFF2-40B4-BE49-F238E27FC236}">
-                <a16:creationId xmlns:a16="http://schemas.microsoft.com/office/drawing/2014/main" xmlns="" id="{A45AFD0B-7B72-8C42-9516-F4610F6B35FA}"/>
+                <a16:creationId xmlns="" xmlns:a16="http://schemas.microsoft.com/office/drawing/2014/main" id="{A45AFD0B-7B72-8C42-9516-F4610F6B35FA}"/>
               </a:ext>
             </a:extLst>
           </p:cNvPr>
@@ -5198,7 +5133,7 @@
           <p:cNvPr id="4" name="テキスト ボックス 3">
             <a:extLst>
               <a:ext uri="{FF2B5EF4-FFF2-40B4-BE49-F238E27FC236}">
-                <a16:creationId xmlns:a16="http://schemas.microsoft.com/office/drawing/2014/main" xmlns="" id="{FED745BF-CF2E-B045-BDD6-95158A9019AC}"/>
+                <a16:creationId xmlns="" xmlns:a16="http://schemas.microsoft.com/office/drawing/2014/main" id="{FED745BF-CF2E-B045-BDD6-95158A9019AC}"/>
               </a:ext>
             </a:extLst>
           </p:cNvPr>
@@ -5235,7 +5170,7 @@
           <p:cNvPr id="5" name="テキスト ボックス 4">
             <a:extLst>
               <a:ext uri="{FF2B5EF4-FFF2-40B4-BE49-F238E27FC236}">
-                <a16:creationId xmlns:a16="http://schemas.microsoft.com/office/drawing/2014/main" xmlns="" id="{F4C01748-F16B-3F47-8F41-51E5E80D2B34}"/>
+                <a16:creationId xmlns="" xmlns:a16="http://schemas.microsoft.com/office/drawing/2014/main" id="{F4C01748-F16B-3F47-8F41-51E5E80D2B34}"/>
               </a:ext>
             </a:extLst>
           </p:cNvPr>
@@ -5283,7 +5218,7 @@
           <p:cNvPr id="6" name="テキスト ボックス 5">
             <a:extLst>
               <a:ext uri="{FF2B5EF4-FFF2-40B4-BE49-F238E27FC236}">
-                <a16:creationId xmlns:a16="http://schemas.microsoft.com/office/drawing/2014/main" xmlns="" id="{16869C39-29EF-9F42-9155-CD4FD7CBE33E}"/>
+                <a16:creationId xmlns="" xmlns:a16="http://schemas.microsoft.com/office/drawing/2014/main" id="{16869C39-29EF-9F42-9155-CD4FD7CBE33E}"/>
               </a:ext>
             </a:extLst>
           </p:cNvPr>
@@ -5349,7 +5284,7 @@
           <p:cNvPr id="7" name="三角形 6">
             <a:extLst>
               <a:ext uri="{FF2B5EF4-FFF2-40B4-BE49-F238E27FC236}">
-                <a16:creationId xmlns:a16="http://schemas.microsoft.com/office/drawing/2014/main" xmlns="" id="{AA3FC4BC-3C35-084F-8F85-BA20987D965F}"/>
+                <a16:creationId xmlns="" xmlns:a16="http://schemas.microsoft.com/office/drawing/2014/main" id="{AA3FC4BC-3C35-084F-8F85-BA20987D965F}"/>
               </a:ext>
             </a:extLst>
           </p:cNvPr>
@@ -5395,7 +5330,7 @@
           <p:cNvPr id="8" name="三角形 7">
             <a:extLst>
               <a:ext uri="{FF2B5EF4-FFF2-40B4-BE49-F238E27FC236}">
-                <a16:creationId xmlns:a16="http://schemas.microsoft.com/office/drawing/2014/main" xmlns="" id="{02A21837-37C0-5A4B-A289-BB66B5D6EEC0}"/>
+                <a16:creationId xmlns="" xmlns:a16="http://schemas.microsoft.com/office/drawing/2014/main" id="{02A21837-37C0-5A4B-A289-BB66B5D6EEC0}"/>
               </a:ext>
             </a:extLst>
           </p:cNvPr>
@@ -5441,7 +5376,7 @@
           <p:cNvPr id="9" name="テキスト ボックス 8">
             <a:extLst>
               <a:ext uri="{FF2B5EF4-FFF2-40B4-BE49-F238E27FC236}">
-                <a16:creationId xmlns:a16="http://schemas.microsoft.com/office/drawing/2014/main" xmlns="" id="{09B03846-25C1-4149-B7C0-ABE5F2C76E79}"/>
+                <a16:creationId xmlns="" xmlns:a16="http://schemas.microsoft.com/office/drawing/2014/main" id="{09B03846-25C1-4149-B7C0-ABE5F2C76E79}"/>
               </a:ext>
             </a:extLst>
           </p:cNvPr>
@@ -5515,7 +5450,7 @@
           <p:cNvPr id="4" name="テキスト ボックス 3">
             <a:extLst>
               <a:ext uri="{FF2B5EF4-FFF2-40B4-BE49-F238E27FC236}">
-                <a16:creationId xmlns:a16="http://schemas.microsoft.com/office/drawing/2014/main" xmlns="" id="{FED745BF-CF2E-B045-BDD6-95158A9019AC}"/>
+                <a16:creationId xmlns="" xmlns:a16="http://schemas.microsoft.com/office/drawing/2014/main" id="{FED745BF-CF2E-B045-BDD6-95158A9019AC}"/>
               </a:ext>
             </a:extLst>
           </p:cNvPr>
@@ -5551,7 +5486,7 @@
           <p:cNvPr id="2" name="テキスト ボックス 1">
             <a:extLst>
               <a:ext uri="{FF2B5EF4-FFF2-40B4-BE49-F238E27FC236}">
-                <a16:creationId xmlns:a16="http://schemas.microsoft.com/office/drawing/2014/main" xmlns="" id="{0BD331EF-506F-5A4F-AB8D-6F1212CACE96}"/>
+                <a16:creationId xmlns="" xmlns:a16="http://schemas.microsoft.com/office/drawing/2014/main" id="{0BD331EF-506F-5A4F-AB8D-6F1212CACE96}"/>
               </a:ext>
             </a:extLst>
           </p:cNvPr>
@@ -5589,7 +5524,7 @@
               <p:cNvPr id="6" name="テキスト ボックス 5">
                 <a:extLst>
                   <a:ext uri="{FF2B5EF4-FFF2-40B4-BE49-F238E27FC236}">
-                    <a16:creationId xmlns:a16="http://schemas.microsoft.com/office/drawing/2014/main" xmlns="" id="{AF873754-5165-CD45-9F97-8970C00D70E2}"/>
+                    <a16:creationId xmlns="" xmlns:a16="http://schemas.microsoft.com/office/drawing/2014/main" id="{AF873754-5165-CD45-9F97-8970C00D70E2}"/>
                   </a:ext>
                 </a:extLst>
               </p:cNvPr>
@@ -5838,7 +5773,7 @@
               <p:cNvPr id="9" name="テキスト ボックス 8">
                 <a:extLst>
                   <a:ext uri="{FF2B5EF4-FFF2-40B4-BE49-F238E27FC236}">
-                    <a16:creationId xmlns:a16="http://schemas.microsoft.com/office/drawing/2014/main" xmlns="" id="{BDD580C7-495D-6D4C-9F6E-FA5EF003B316}"/>
+                    <a16:creationId xmlns="" xmlns:a16="http://schemas.microsoft.com/office/drawing/2014/main" id="{BDD580C7-495D-6D4C-9F6E-FA5EF003B316}"/>
                   </a:ext>
                 </a:extLst>
               </p:cNvPr>
@@ -6289,7 +6224,7 @@
           <p:cNvPr id="12" name="図 11">
             <a:extLst>
               <a:ext uri="{FF2B5EF4-FFF2-40B4-BE49-F238E27FC236}">
-                <a16:creationId xmlns:a16="http://schemas.microsoft.com/office/drawing/2014/main" xmlns="" id="{8ABD8D81-2E3C-3D45-83DA-F133A0E3195D}"/>
+                <a16:creationId xmlns="" xmlns:a16="http://schemas.microsoft.com/office/drawing/2014/main" id="{8ABD8D81-2E3C-3D45-83DA-F133A0E3195D}"/>
               </a:ext>
             </a:extLst>
           </p:cNvPr>
@@ -6319,7 +6254,7 @@
           <p:cNvPr id="17" name="右矢印 16">
             <a:extLst>
               <a:ext uri="{FF2B5EF4-FFF2-40B4-BE49-F238E27FC236}">
-                <a16:creationId xmlns:a16="http://schemas.microsoft.com/office/drawing/2014/main" xmlns="" id="{20804E2C-37FA-EF46-A588-89F0C9E806B6}"/>
+                <a16:creationId xmlns="" xmlns:a16="http://schemas.microsoft.com/office/drawing/2014/main" id="{20804E2C-37FA-EF46-A588-89F0C9E806B6}"/>
               </a:ext>
             </a:extLst>
           </p:cNvPr>
@@ -6367,7 +6302,7 @@
               <p:cNvPr id="40" name="テキスト ボックス 39">
                 <a:extLst>
                   <a:ext uri="{FF2B5EF4-FFF2-40B4-BE49-F238E27FC236}">
-                    <a16:creationId xmlns:a16="http://schemas.microsoft.com/office/drawing/2014/main" xmlns="" id="{2DB8CFD2-BE1C-7E4C-9891-7D020B0184E6}"/>
+                    <a16:creationId xmlns="" xmlns:a16="http://schemas.microsoft.com/office/drawing/2014/main" id="{2DB8CFD2-BE1C-7E4C-9891-7D020B0184E6}"/>
                   </a:ext>
                 </a:extLst>
               </p:cNvPr>
@@ -6717,7 +6652,7 @@
           <p:cNvPr id="21" name="テキスト ボックス 20">
             <a:extLst>
               <a:ext uri="{FF2B5EF4-FFF2-40B4-BE49-F238E27FC236}">
-                <a16:creationId xmlns:a16="http://schemas.microsoft.com/office/drawing/2014/main" xmlns="" id="{949C88FF-9B7F-6545-942E-19EB1A3CDD69}"/>
+                <a16:creationId xmlns="" xmlns:a16="http://schemas.microsoft.com/office/drawing/2014/main" id="{949C88FF-9B7F-6545-942E-19EB1A3CDD69}"/>
               </a:ext>
             </a:extLst>
           </p:cNvPr>
@@ -6753,7 +6688,7 @@
           <p:cNvPr id="43" name="テキスト ボックス 42">
             <a:extLst>
               <a:ext uri="{FF2B5EF4-FFF2-40B4-BE49-F238E27FC236}">
-                <a16:creationId xmlns:a16="http://schemas.microsoft.com/office/drawing/2014/main" xmlns="" id="{EB6AEE12-E6E2-5046-BC7A-8912FC44F879}"/>
+                <a16:creationId xmlns="" xmlns:a16="http://schemas.microsoft.com/office/drawing/2014/main" id="{EB6AEE12-E6E2-5046-BC7A-8912FC44F879}"/>
               </a:ext>
             </a:extLst>
           </p:cNvPr>
@@ -6789,7 +6724,7 @@
           <p:cNvPr id="46" name="図 45">
             <a:extLst>
               <a:ext uri="{FF2B5EF4-FFF2-40B4-BE49-F238E27FC236}">
-                <a16:creationId xmlns:a16="http://schemas.microsoft.com/office/drawing/2014/main" xmlns="" id="{87E629A3-ED37-E945-80DB-56DA0F148E2E}"/>
+                <a16:creationId xmlns="" xmlns:a16="http://schemas.microsoft.com/office/drawing/2014/main" id="{87E629A3-ED37-E945-80DB-56DA0F148E2E}"/>
               </a:ext>
             </a:extLst>
           </p:cNvPr>
@@ -6819,7 +6754,7 @@
           <p:cNvPr id="47" name="テキスト ボックス 46">
             <a:extLst>
               <a:ext uri="{FF2B5EF4-FFF2-40B4-BE49-F238E27FC236}">
-                <a16:creationId xmlns:a16="http://schemas.microsoft.com/office/drawing/2014/main" xmlns="" id="{D4AC54CA-47B2-EC4F-84DD-2F22EA394A29}"/>
+                <a16:creationId xmlns="" xmlns:a16="http://schemas.microsoft.com/office/drawing/2014/main" id="{D4AC54CA-47B2-EC4F-84DD-2F22EA394A29}"/>
               </a:ext>
             </a:extLst>
           </p:cNvPr>
@@ -6867,7 +6802,7 @@
               <p:cNvPr id="48" name="正方形/長方形 47">
                 <a:extLst>
                   <a:ext uri="{FF2B5EF4-FFF2-40B4-BE49-F238E27FC236}">
-                    <a16:creationId xmlns:a16="http://schemas.microsoft.com/office/drawing/2014/main" xmlns="" id="{D441449A-2C02-4149-9EFA-7067DFFB400E}"/>
+                    <a16:creationId xmlns="" xmlns:a16="http://schemas.microsoft.com/office/drawing/2014/main" id="{D441449A-2C02-4149-9EFA-7067DFFB400E}"/>
                   </a:ext>
                 </a:extLst>
               </p:cNvPr>
@@ -7060,7 +6995,7 @@
               <p:cNvPr id="49" name="テキスト ボックス 48">
                 <a:extLst>
                   <a:ext uri="{FF2B5EF4-FFF2-40B4-BE49-F238E27FC236}">
-                    <a16:creationId xmlns:a16="http://schemas.microsoft.com/office/drawing/2014/main" xmlns="" id="{1D195855-A79C-AE4C-ACA2-9E64F05C805E}"/>
+                    <a16:creationId xmlns="" xmlns:a16="http://schemas.microsoft.com/office/drawing/2014/main" id="{1D195855-A79C-AE4C-ACA2-9E64F05C805E}"/>
                   </a:ext>
                 </a:extLst>
               </p:cNvPr>
@@ -7543,7 +7478,7 @@
               <p:cNvPr id="50" name="正方形/長方形 49">
                 <a:extLst>
                   <a:ext uri="{FF2B5EF4-FFF2-40B4-BE49-F238E27FC236}">
-                    <a16:creationId xmlns:a16="http://schemas.microsoft.com/office/drawing/2014/main" xmlns="" id="{739E7781-893B-124B-B063-694BC683DBD5}"/>
+                    <a16:creationId xmlns="" xmlns:a16="http://schemas.microsoft.com/office/drawing/2014/main" id="{739E7781-893B-124B-B063-694BC683DBD5}"/>
                   </a:ext>
                 </a:extLst>
               </p:cNvPr>
@@ -7663,7 +7598,7 @@
           <p:cNvPr id="5" name="テキスト ボックス 4">
             <a:extLst>
               <a:ext uri="{FF2B5EF4-FFF2-40B4-BE49-F238E27FC236}">
-                <a16:creationId xmlns:a16="http://schemas.microsoft.com/office/drawing/2014/main" xmlns="" id="{C2213FC6-AEC7-E14D-A883-4AE84CE42FA3}"/>
+                <a16:creationId xmlns="" xmlns:a16="http://schemas.microsoft.com/office/drawing/2014/main" id="{C2213FC6-AEC7-E14D-A883-4AE84CE42FA3}"/>
               </a:ext>
             </a:extLst>
           </p:cNvPr>
@@ -7699,7 +7634,7 @@
           <p:cNvPr id="8" name="図 7">
             <a:extLst>
               <a:ext uri="{FF2B5EF4-FFF2-40B4-BE49-F238E27FC236}">
-                <a16:creationId xmlns:a16="http://schemas.microsoft.com/office/drawing/2014/main" xmlns="" id="{DBD9C919-AE1D-2346-B116-A880D96B4AEE}"/>
+                <a16:creationId xmlns="" xmlns:a16="http://schemas.microsoft.com/office/drawing/2014/main" id="{DBD9C919-AE1D-2346-B116-A880D96B4AEE}"/>
               </a:ext>
             </a:extLst>
           </p:cNvPr>
@@ -7767,7 +7702,7 @@
           <p:cNvPr id="4" name="テキスト ボックス 3">
             <a:extLst>
               <a:ext uri="{FF2B5EF4-FFF2-40B4-BE49-F238E27FC236}">
-                <a16:creationId xmlns:a16="http://schemas.microsoft.com/office/drawing/2014/main" xmlns="" id="{FED745BF-CF2E-B045-BDD6-95158A9019AC}"/>
+                <a16:creationId xmlns="" xmlns:a16="http://schemas.microsoft.com/office/drawing/2014/main" id="{FED745BF-CF2E-B045-BDD6-95158A9019AC}"/>
               </a:ext>
             </a:extLst>
           </p:cNvPr>
@@ -7803,7 +7738,7 @@
           <p:cNvPr id="2" name="テキスト ボックス 1">
             <a:extLst>
               <a:ext uri="{FF2B5EF4-FFF2-40B4-BE49-F238E27FC236}">
-                <a16:creationId xmlns:a16="http://schemas.microsoft.com/office/drawing/2014/main" xmlns="" id="{0BD331EF-506F-5A4F-AB8D-6F1212CACE96}"/>
+                <a16:creationId xmlns="" xmlns:a16="http://schemas.microsoft.com/office/drawing/2014/main" id="{0BD331EF-506F-5A4F-AB8D-6F1212CACE96}"/>
               </a:ext>
             </a:extLst>
           </p:cNvPr>
@@ -7839,7 +7774,7 @@
           <p:cNvPr id="11" name="テキスト ボックス 10">
             <a:extLst>
               <a:ext uri="{FF2B5EF4-FFF2-40B4-BE49-F238E27FC236}">
-                <a16:creationId xmlns:a16="http://schemas.microsoft.com/office/drawing/2014/main" xmlns="" id="{93D5B3A2-D593-7D48-8BB3-A590A37024E2}"/>
+                <a16:creationId xmlns="" xmlns:a16="http://schemas.microsoft.com/office/drawing/2014/main" id="{93D5B3A2-D593-7D48-8BB3-A590A37024E2}"/>
               </a:ext>
             </a:extLst>
           </p:cNvPr>
@@ -7881,7 +7816,7 @@
               <p:cNvPr id="3" name="テキスト ボックス 2">
                 <a:extLst>
                   <a:ext uri="{FF2B5EF4-FFF2-40B4-BE49-F238E27FC236}">
-                    <a16:creationId xmlns:a16="http://schemas.microsoft.com/office/drawing/2014/main" xmlns="" id="{200EDB97-AF8B-4844-AD3D-1A7FAD809198}"/>
+                    <a16:creationId xmlns="" xmlns:a16="http://schemas.microsoft.com/office/drawing/2014/main" id="{200EDB97-AF8B-4844-AD3D-1A7FAD809198}"/>
                   </a:ext>
                 </a:extLst>
               </p:cNvPr>
@@ -8067,7 +8002,7 @@
           <p:cNvPr id="13" name="正方形/長方形 12">
             <a:extLst>
               <a:ext uri="{FF2B5EF4-FFF2-40B4-BE49-F238E27FC236}">
-                <a16:creationId xmlns:a16="http://schemas.microsoft.com/office/drawing/2014/main" xmlns="" id="{CF352AFB-19B9-E642-A6E1-620EF3227DC1}"/>
+                <a16:creationId xmlns="" xmlns:a16="http://schemas.microsoft.com/office/drawing/2014/main" id="{CF352AFB-19B9-E642-A6E1-620EF3227DC1}"/>
               </a:ext>
             </a:extLst>
           </p:cNvPr>
@@ -8103,7 +8038,7 @@
           <p:cNvPr id="16" name="直線コネクタ 15">
             <a:extLst>
               <a:ext uri="{FF2B5EF4-FFF2-40B4-BE49-F238E27FC236}">
-                <a16:creationId xmlns:a16="http://schemas.microsoft.com/office/drawing/2014/main" xmlns="" id="{F9EFAC7A-3295-914E-B560-E1EE815070A7}"/>
+                <a16:creationId xmlns="" xmlns:a16="http://schemas.microsoft.com/office/drawing/2014/main" id="{F9EFAC7A-3295-914E-B560-E1EE815070A7}"/>
               </a:ext>
             </a:extLst>
           </p:cNvPr>
@@ -8149,7 +8084,7 @@
           <p:cNvPr id="15" name="テキスト ボックス 14">
             <a:extLst>
               <a:ext uri="{FF2B5EF4-FFF2-40B4-BE49-F238E27FC236}">
-                <a16:creationId xmlns:a16="http://schemas.microsoft.com/office/drawing/2014/main" xmlns="" id="{D570869E-DD0E-CC42-8756-4571FF81D805}"/>
+                <a16:creationId xmlns="" xmlns:a16="http://schemas.microsoft.com/office/drawing/2014/main" id="{D570869E-DD0E-CC42-8756-4571FF81D805}"/>
               </a:ext>
             </a:extLst>
           </p:cNvPr>
@@ -8197,7 +8132,7 @@
           <p:cNvPr id="19" name="テキスト ボックス 18">
             <a:extLst>
               <a:ext uri="{FF2B5EF4-FFF2-40B4-BE49-F238E27FC236}">
-                <a16:creationId xmlns:a16="http://schemas.microsoft.com/office/drawing/2014/main" xmlns="" id="{694D751D-2608-6B41-A15B-99B3861CF586}"/>
+                <a16:creationId xmlns="" xmlns:a16="http://schemas.microsoft.com/office/drawing/2014/main" id="{694D751D-2608-6B41-A15B-99B3861CF586}"/>
               </a:ext>
             </a:extLst>
           </p:cNvPr>
@@ -8245,7 +8180,7 @@
           <p:cNvPr id="20" name="図 19">
             <a:extLst>
               <a:ext uri="{FF2B5EF4-FFF2-40B4-BE49-F238E27FC236}">
-                <a16:creationId xmlns:a16="http://schemas.microsoft.com/office/drawing/2014/main" xmlns="" id="{1CC17680-1EF9-AA4D-B527-938799F0E728}"/>
+                <a16:creationId xmlns="" xmlns:a16="http://schemas.microsoft.com/office/drawing/2014/main" id="{1CC17680-1EF9-AA4D-B527-938799F0E728}"/>
               </a:ext>
             </a:extLst>
           </p:cNvPr>
@@ -8283,7 +8218,7 @@
           <p:cNvPr id="23" name="図 22">
             <a:extLst>
               <a:ext uri="{FF2B5EF4-FFF2-40B4-BE49-F238E27FC236}">
-                <a16:creationId xmlns:a16="http://schemas.microsoft.com/office/drawing/2014/main" xmlns="" id="{EB4257A2-A1D3-2040-BB73-13E25CCFC3C3}"/>
+                <a16:creationId xmlns="" xmlns:a16="http://schemas.microsoft.com/office/drawing/2014/main" id="{EB4257A2-A1D3-2040-BB73-13E25CCFC3C3}"/>
               </a:ext>
             </a:extLst>
           </p:cNvPr>
@@ -8313,7 +8248,7 @@
           <p:cNvPr id="24" name="テキスト ボックス 23">
             <a:extLst>
               <a:ext uri="{FF2B5EF4-FFF2-40B4-BE49-F238E27FC236}">
-                <a16:creationId xmlns:a16="http://schemas.microsoft.com/office/drawing/2014/main" xmlns="" id="{E3F4E88B-5B74-AF4F-8B7A-A6623FE16D14}"/>
+                <a16:creationId xmlns="" xmlns:a16="http://schemas.microsoft.com/office/drawing/2014/main" id="{E3F4E88B-5B74-AF4F-8B7A-A6623FE16D14}"/>
               </a:ext>
             </a:extLst>
           </p:cNvPr>
@@ -8349,7 +8284,7 @@
           <p:cNvPr id="26" name="図 25">
             <a:extLst>
               <a:ext uri="{FF2B5EF4-FFF2-40B4-BE49-F238E27FC236}">
-                <a16:creationId xmlns:a16="http://schemas.microsoft.com/office/drawing/2014/main" xmlns="" id="{07AD7F71-405F-B341-981E-9DF33FB9E34F}"/>
+                <a16:creationId xmlns="" xmlns:a16="http://schemas.microsoft.com/office/drawing/2014/main" id="{07AD7F71-405F-B341-981E-9DF33FB9E34F}"/>
               </a:ext>
             </a:extLst>
           </p:cNvPr>
@@ -8381,7 +8316,7 @@
               <p:cNvPr id="28" name="テキスト ボックス 27">
                 <a:extLst>
                   <a:ext uri="{FF2B5EF4-FFF2-40B4-BE49-F238E27FC236}">
-                    <a16:creationId xmlns:a16="http://schemas.microsoft.com/office/drawing/2014/main" xmlns="" id="{E10688E6-85F8-CB4B-AFEF-BF07A060E33B}"/>
+                    <a16:creationId xmlns="" xmlns:a16="http://schemas.microsoft.com/office/drawing/2014/main" id="{E10688E6-85F8-CB4B-AFEF-BF07A060E33B}"/>
                   </a:ext>
                 </a:extLst>
               </p:cNvPr>
@@ -8609,7 +8544,7 @@
           <p:cNvPr id="30" name="図 29">
             <a:extLst>
               <a:ext uri="{FF2B5EF4-FFF2-40B4-BE49-F238E27FC236}">
-                <a16:creationId xmlns:a16="http://schemas.microsoft.com/office/drawing/2014/main" xmlns="" id="{5A57D5AD-8EC9-644C-98A9-D847928566D3}"/>
+                <a16:creationId xmlns="" xmlns:a16="http://schemas.microsoft.com/office/drawing/2014/main" id="{5A57D5AD-8EC9-644C-98A9-D847928566D3}"/>
               </a:ext>
             </a:extLst>
           </p:cNvPr>
@@ -8639,7 +8574,7 @@
           <p:cNvPr id="32" name="図 31">
             <a:extLst>
               <a:ext uri="{FF2B5EF4-FFF2-40B4-BE49-F238E27FC236}">
-                <a16:creationId xmlns:a16="http://schemas.microsoft.com/office/drawing/2014/main" xmlns="" id="{FBE8E8C4-0D45-8E48-8567-E34FC466886F}"/>
+                <a16:creationId xmlns="" xmlns:a16="http://schemas.microsoft.com/office/drawing/2014/main" id="{FBE8E8C4-0D45-8E48-8567-E34FC466886F}"/>
               </a:ext>
             </a:extLst>
           </p:cNvPr>
@@ -8677,7 +8612,7 @@
           <p:cNvPr id="34" name="図 33">
             <a:extLst>
               <a:ext uri="{FF2B5EF4-FFF2-40B4-BE49-F238E27FC236}">
-                <a16:creationId xmlns:a16="http://schemas.microsoft.com/office/drawing/2014/main" xmlns="" id="{BF07F699-9978-FC4B-A606-BB0E95122873}"/>
+                <a16:creationId xmlns="" xmlns:a16="http://schemas.microsoft.com/office/drawing/2014/main" id="{BF07F699-9978-FC4B-A606-BB0E95122873}"/>
               </a:ext>
             </a:extLst>
           </p:cNvPr>
@@ -8707,7 +8642,7 @@
           <p:cNvPr id="35" name="テキスト ボックス 34">
             <a:extLst>
               <a:ext uri="{FF2B5EF4-FFF2-40B4-BE49-F238E27FC236}">
-                <a16:creationId xmlns:a16="http://schemas.microsoft.com/office/drawing/2014/main" xmlns="" id="{B3E9285D-5B59-F74B-ADD2-7739648EC5CF}"/>
+                <a16:creationId xmlns="" xmlns:a16="http://schemas.microsoft.com/office/drawing/2014/main" id="{B3E9285D-5B59-F74B-ADD2-7739648EC5CF}"/>
               </a:ext>
             </a:extLst>
           </p:cNvPr>
@@ -8745,7 +8680,7 @@
               <p:cNvPr id="36" name="テキスト ボックス 35">
                 <a:extLst>
                   <a:ext uri="{FF2B5EF4-FFF2-40B4-BE49-F238E27FC236}">
-                    <a16:creationId xmlns:a16="http://schemas.microsoft.com/office/drawing/2014/main" xmlns="" id="{3E9E090A-84D3-AB44-8326-CD9F4C8C02FA}"/>
+                    <a16:creationId xmlns="" xmlns:a16="http://schemas.microsoft.com/office/drawing/2014/main" id="{3E9E090A-84D3-AB44-8326-CD9F4C8C02FA}"/>
                   </a:ext>
                 </a:extLst>
               </p:cNvPr>
@@ -8860,7 +8795,7 @@
           <p:cNvPr id="38" name="図 37">
             <a:extLst>
               <a:ext uri="{FF2B5EF4-FFF2-40B4-BE49-F238E27FC236}">
-                <a16:creationId xmlns:a16="http://schemas.microsoft.com/office/drawing/2014/main" xmlns="" id="{695D08E0-2A9B-F143-9A03-BCCF83F87D18}"/>
+                <a16:creationId xmlns="" xmlns:a16="http://schemas.microsoft.com/office/drawing/2014/main" id="{695D08E0-2A9B-F143-9A03-BCCF83F87D18}"/>
               </a:ext>
             </a:extLst>
           </p:cNvPr>
@@ -8890,7 +8825,7 @@
           <p:cNvPr id="39" name="テキスト ボックス 38">
             <a:extLst>
               <a:ext uri="{FF2B5EF4-FFF2-40B4-BE49-F238E27FC236}">
-                <a16:creationId xmlns:a16="http://schemas.microsoft.com/office/drawing/2014/main" xmlns="" id="{7D01091F-38BA-AD41-BA96-0CBEE17ACE2A}"/>
+                <a16:creationId xmlns="" xmlns:a16="http://schemas.microsoft.com/office/drawing/2014/main" id="{7D01091F-38BA-AD41-BA96-0CBEE17ACE2A}"/>
               </a:ext>
             </a:extLst>
           </p:cNvPr>
@@ -8930,7 +8865,7 @@
           <p:cNvPr id="41" name="図 40">
             <a:extLst>
               <a:ext uri="{FF2B5EF4-FFF2-40B4-BE49-F238E27FC236}">
-                <a16:creationId xmlns:a16="http://schemas.microsoft.com/office/drawing/2014/main" xmlns="" id="{2056AB85-9E14-3243-B64F-83DBCFF1B392}"/>
+                <a16:creationId xmlns="" xmlns:a16="http://schemas.microsoft.com/office/drawing/2014/main" id="{2056AB85-9E14-3243-B64F-83DBCFF1B392}"/>
               </a:ext>
             </a:extLst>
           </p:cNvPr>
@@ -8970,7 +8905,7 @@
               <p:cNvPr id="42" name="テキスト ボックス 41">
                 <a:extLst>
                   <a:ext uri="{FF2B5EF4-FFF2-40B4-BE49-F238E27FC236}">
-                    <a16:creationId xmlns:a16="http://schemas.microsoft.com/office/drawing/2014/main" xmlns="" id="{D706F953-C318-9649-8FF7-CC80804531A3}"/>
+                    <a16:creationId xmlns="" xmlns:a16="http://schemas.microsoft.com/office/drawing/2014/main" id="{D706F953-C318-9649-8FF7-CC80804531A3}"/>
                   </a:ext>
                 </a:extLst>
               </p:cNvPr>
@@ -9089,7 +9024,7 @@
           <p:cNvPr id="44" name="図 43">
             <a:extLst>
               <a:ext uri="{FF2B5EF4-FFF2-40B4-BE49-F238E27FC236}">
-                <a16:creationId xmlns:a16="http://schemas.microsoft.com/office/drawing/2014/main" xmlns="" id="{B0AED77F-923F-2545-9561-FCFA76B6A3B3}"/>
+                <a16:creationId xmlns="" xmlns:a16="http://schemas.microsoft.com/office/drawing/2014/main" id="{B0AED77F-923F-2545-9561-FCFA76B6A3B3}"/>
               </a:ext>
             </a:extLst>
           </p:cNvPr>
@@ -9121,7 +9056,7 @@
               <p:cNvPr id="45" name="正方形/長方形 44">
                 <a:extLst>
                   <a:ext uri="{FF2B5EF4-FFF2-40B4-BE49-F238E27FC236}">
-                    <a16:creationId xmlns:a16="http://schemas.microsoft.com/office/drawing/2014/main" xmlns="" id="{2357E293-E47E-0849-91D1-198F40BC31FF}"/>
+                    <a16:creationId xmlns="" xmlns:a16="http://schemas.microsoft.com/office/drawing/2014/main" id="{2357E293-E47E-0849-91D1-198F40BC31FF}"/>
                   </a:ext>
                 </a:extLst>
               </p:cNvPr>
@@ -9231,7 +9166,7 @@
           <p:cNvPr id="27" name="直線コネクタ 26">
             <a:extLst>
               <a:ext uri="{FF2B5EF4-FFF2-40B4-BE49-F238E27FC236}">
-                <a16:creationId xmlns:a16="http://schemas.microsoft.com/office/drawing/2014/main" xmlns="" id="{79EE9991-3472-6E4A-8DEF-7B6868956A16}"/>
+                <a16:creationId xmlns="" xmlns:a16="http://schemas.microsoft.com/office/drawing/2014/main" id="{79EE9991-3472-6E4A-8DEF-7B6868956A16}"/>
               </a:ext>
             </a:extLst>
           </p:cNvPr>
@@ -9279,7 +9214,7 @@
               <p:cNvPr id="29" name="テキスト ボックス 28">
                 <a:extLst>
                   <a:ext uri="{FF2B5EF4-FFF2-40B4-BE49-F238E27FC236}">
-                    <a16:creationId xmlns:a16="http://schemas.microsoft.com/office/drawing/2014/main" xmlns="" id="{9F0D1356-F353-4C44-88F5-B630BDB0EF7A}"/>
+                    <a16:creationId xmlns="" xmlns:a16="http://schemas.microsoft.com/office/drawing/2014/main" id="{9F0D1356-F353-4C44-88F5-B630BDB0EF7A}"/>
                   </a:ext>
                 </a:extLst>
               </p:cNvPr>
@@ -9648,7 +9583,7 @@
           <p:cNvPr id="7" name="図 6">
             <a:extLst>
               <a:ext uri="{FF2B5EF4-FFF2-40B4-BE49-F238E27FC236}">
-                <a16:creationId xmlns:a16="http://schemas.microsoft.com/office/drawing/2014/main" xmlns="" id="{6CDBA738-00FC-C140-8FDD-0C23710E914A}"/>
+                <a16:creationId xmlns="" xmlns:a16="http://schemas.microsoft.com/office/drawing/2014/main" id="{6CDBA738-00FC-C140-8FDD-0C23710E914A}"/>
               </a:ext>
             </a:extLst>
           </p:cNvPr>
@@ -9678,7 +9613,7 @@
           <p:cNvPr id="8" name="テキスト ボックス 7">
             <a:extLst>
               <a:ext uri="{FF2B5EF4-FFF2-40B4-BE49-F238E27FC236}">
-                <a16:creationId xmlns:a16="http://schemas.microsoft.com/office/drawing/2014/main" xmlns="" id="{9B966E3A-6613-264A-8D93-2EEA633A0954}"/>
+                <a16:creationId xmlns="" xmlns:a16="http://schemas.microsoft.com/office/drawing/2014/main" id="{9B966E3A-6613-264A-8D93-2EEA633A0954}"/>
               </a:ext>
             </a:extLst>
           </p:cNvPr>
@@ -9752,7 +9687,7 @@
           <p:cNvPr id="4" name="テキスト ボックス 3">
             <a:extLst>
               <a:ext uri="{FF2B5EF4-FFF2-40B4-BE49-F238E27FC236}">
-                <a16:creationId xmlns:a16="http://schemas.microsoft.com/office/drawing/2014/main" xmlns="" id="{FED745BF-CF2E-B045-BDD6-95158A9019AC}"/>
+                <a16:creationId xmlns="" xmlns:a16="http://schemas.microsoft.com/office/drawing/2014/main" id="{FED745BF-CF2E-B045-BDD6-95158A9019AC}"/>
               </a:ext>
             </a:extLst>
           </p:cNvPr>
@@ -9777,10 +9712,14 @@
           <a:p>
             <a:pPr algn="ctr"/>
             <a:r>
-              <a:rPr lang="en-US" altLang="ja-JP" sz="2800" b="1" u="sng"/>
-              <a:t>Appendix: Review of Tweedie Model [2]</a:t>
-            </a:r>
-            <a:endParaRPr kumimoji="1" lang="en-US" altLang="ja-JP" sz="2800" b="1" u="sng"/>
+              <a:rPr lang="en-US" altLang="ja-JP" sz="2800" b="1" u="sng" dirty="0" smtClean="0"/>
+              <a:t>*Review </a:t>
+            </a:r>
+            <a:r>
+              <a:rPr lang="en-US" altLang="ja-JP" sz="2800" b="1" u="sng" dirty="0"/>
+              <a:t>of Tweedie Model [2]</a:t>
+            </a:r>
+            <a:endParaRPr kumimoji="1" lang="en-US" altLang="ja-JP" sz="2800" b="1" u="sng" dirty="0"/>
           </a:p>
         </p:txBody>
       </p:sp>
@@ -9789,7 +9728,7 @@
           <p:cNvPr id="3" name="図 2">
             <a:extLst>
               <a:ext uri="{FF2B5EF4-FFF2-40B4-BE49-F238E27FC236}">
-                <a16:creationId xmlns:a16="http://schemas.microsoft.com/office/drawing/2014/main" xmlns="" id="{DE4A66A5-D34E-0640-8A83-FEBA465DBA1E}"/>
+                <a16:creationId xmlns="" xmlns:a16="http://schemas.microsoft.com/office/drawing/2014/main" id="{DE4A66A5-D34E-0640-8A83-FEBA465DBA1E}"/>
               </a:ext>
             </a:extLst>
           </p:cNvPr>
@@ -9819,7 +9758,7 @@
           <p:cNvPr id="7" name="テキスト ボックス 6">
             <a:extLst>
               <a:ext uri="{FF2B5EF4-FFF2-40B4-BE49-F238E27FC236}">
-                <a16:creationId xmlns:a16="http://schemas.microsoft.com/office/drawing/2014/main" xmlns="" id="{1010A2E4-4642-7F49-8D53-ADE45F9648D6}"/>
+                <a16:creationId xmlns="" xmlns:a16="http://schemas.microsoft.com/office/drawing/2014/main" id="{1010A2E4-4642-7F49-8D53-ADE45F9648D6}"/>
               </a:ext>
             </a:extLst>
           </p:cNvPr>
@@ -9855,7 +9794,7 @@
           <p:cNvPr id="9" name="図 8">
             <a:extLst>
               <a:ext uri="{FF2B5EF4-FFF2-40B4-BE49-F238E27FC236}">
-                <a16:creationId xmlns:a16="http://schemas.microsoft.com/office/drawing/2014/main" xmlns="" id="{EED4F954-4342-2F45-92D6-983234E95FB5}"/>
+                <a16:creationId xmlns="" xmlns:a16="http://schemas.microsoft.com/office/drawing/2014/main" id="{EED4F954-4342-2F45-92D6-983234E95FB5}"/>
               </a:ext>
             </a:extLst>
           </p:cNvPr>
@@ -9885,7 +9824,7 @@
           <p:cNvPr id="10" name="左中かっこ 9">
             <a:extLst>
               <a:ext uri="{FF2B5EF4-FFF2-40B4-BE49-F238E27FC236}">
-                <a16:creationId xmlns:a16="http://schemas.microsoft.com/office/drawing/2014/main" xmlns="" id="{B097496E-8C7D-AC43-93B0-80F0F4513A93}"/>
+                <a16:creationId xmlns="" xmlns:a16="http://schemas.microsoft.com/office/drawing/2014/main" id="{B097496E-8C7D-AC43-93B0-80F0F4513A93}"/>
               </a:ext>
             </a:extLst>
           </p:cNvPr>
@@ -9937,7 +9876,7 @@
           <p:cNvPr id="11" name="テキスト ボックス 10">
             <a:extLst>
               <a:ext uri="{FF2B5EF4-FFF2-40B4-BE49-F238E27FC236}">
-                <a16:creationId xmlns:a16="http://schemas.microsoft.com/office/drawing/2014/main" xmlns="" id="{37DEF3FA-1F6E-2147-875E-6A69364115AA}"/>
+                <a16:creationId xmlns="" xmlns:a16="http://schemas.microsoft.com/office/drawing/2014/main" id="{37DEF3FA-1F6E-2147-875E-6A69364115AA}"/>
               </a:ext>
             </a:extLst>
           </p:cNvPr>
@@ -9973,7 +9912,7 @@
           <p:cNvPr id="13" name="直線矢印コネクタ 12">
             <a:extLst>
               <a:ext uri="{FF2B5EF4-FFF2-40B4-BE49-F238E27FC236}">
-                <a16:creationId xmlns:a16="http://schemas.microsoft.com/office/drawing/2014/main" xmlns="" id="{F6D4367E-6C91-8A48-8B78-F7E9BBD79475}"/>
+                <a16:creationId xmlns="" xmlns:a16="http://schemas.microsoft.com/office/drawing/2014/main" id="{F6D4367E-6C91-8A48-8B78-F7E9BBD79475}"/>
               </a:ext>
             </a:extLst>
           </p:cNvPr>
@@ -10016,7 +9955,7 @@
               <p:cNvPr id="15" name="テキスト ボックス 14">
                 <a:extLst>
                   <a:ext uri="{FF2B5EF4-FFF2-40B4-BE49-F238E27FC236}">
-                    <a16:creationId xmlns:a16="http://schemas.microsoft.com/office/drawing/2014/main" xmlns="" id="{9EBE566D-6460-2846-BB8F-C8C2D3D83B95}"/>
+                    <a16:creationId xmlns="" xmlns:a16="http://schemas.microsoft.com/office/drawing/2014/main" id="{9EBE566D-6460-2846-BB8F-C8C2D3D83B95}"/>
                   </a:ext>
                 </a:extLst>
               </p:cNvPr>
@@ -10279,7 +10218,7 @@
           <p:cNvPr id="18" name="図 17">
             <a:extLst>
               <a:ext uri="{FF2B5EF4-FFF2-40B4-BE49-F238E27FC236}">
-                <a16:creationId xmlns:a16="http://schemas.microsoft.com/office/drawing/2014/main" xmlns="" id="{5D26A43E-6661-DB4A-ADD8-68E2CFF48427}"/>
+                <a16:creationId xmlns="" xmlns:a16="http://schemas.microsoft.com/office/drawing/2014/main" id="{5D26A43E-6661-DB4A-ADD8-68E2CFF48427}"/>
               </a:ext>
             </a:extLst>
           </p:cNvPr>
@@ -10311,7 +10250,7 @@
               <p:cNvPr id="19" name="正方形/長方形 18">
                 <a:extLst>
                   <a:ext uri="{FF2B5EF4-FFF2-40B4-BE49-F238E27FC236}">
-                    <a16:creationId xmlns:a16="http://schemas.microsoft.com/office/drawing/2014/main" xmlns="" id="{331D608E-2198-E642-A486-88934BF7E504}"/>
+                    <a16:creationId xmlns="" xmlns:a16="http://schemas.microsoft.com/office/drawing/2014/main" id="{331D608E-2198-E642-A486-88934BF7E504}"/>
                   </a:ext>
                 </a:extLst>
               </p:cNvPr>
@@ -10444,7 +10383,7 @@
           <p:cNvPr id="21" name="直線コネクタ 20">
             <a:extLst>
               <a:ext uri="{FF2B5EF4-FFF2-40B4-BE49-F238E27FC236}">
-                <a16:creationId xmlns:a16="http://schemas.microsoft.com/office/drawing/2014/main" xmlns="" id="{37B1ACDF-F1E0-4F4C-BB21-055AC902026C}"/>
+                <a16:creationId xmlns="" xmlns:a16="http://schemas.microsoft.com/office/drawing/2014/main" id="{37B1ACDF-F1E0-4F4C-BB21-055AC902026C}"/>
               </a:ext>
             </a:extLst>
           </p:cNvPr>
@@ -10490,7 +10429,7 @@
           <p:cNvPr id="23" name="図 22">
             <a:extLst>
               <a:ext uri="{FF2B5EF4-FFF2-40B4-BE49-F238E27FC236}">
-                <a16:creationId xmlns:a16="http://schemas.microsoft.com/office/drawing/2014/main" xmlns="" id="{DBC1EE2E-D007-9346-96CC-C1765A691C80}"/>
+                <a16:creationId xmlns="" xmlns:a16="http://schemas.microsoft.com/office/drawing/2014/main" id="{DBC1EE2E-D007-9346-96CC-C1765A691C80}"/>
               </a:ext>
             </a:extLst>
           </p:cNvPr>
@@ -10520,7 +10459,7 @@
           <p:cNvPr id="32" name="左中かっこ 31">
             <a:extLst>
               <a:ext uri="{FF2B5EF4-FFF2-40B4-BE49-F238E27FC236}">
-                <a16:creationId xmlns:a16="http://schemas.microsoft.com/office/drawing/2014/main" xmlns="" id="{301BB967-2A51-1A47-97DD-3DDA606160C0}"/>
+                <a16:creationId xmlns="" xmlns:a16="http://schemas.microsoft.com/office/drawing/2014/main" id="{301BB967-2A51-1A47-97DD-3DDA606160C0}"/>
               </a:ext>
             </a:extLst>
           </p:cNvPr>
@@ -10574,7 +10513,7 @@
               <p:cNvPr id="33" name="正方形/長方形 32">
                 <a:extLst>
                   <a:ext uri="{FF2B5EF4-FFF2-40B4-BE49-F238E27FC236}">
-                    <a16:creationId xmlns:a16="http://schemas.microsoft.com/office/drawing/2014/main" xmlns="" id="{464667A9-4E03-5344-90C7-D41E493D3520}"/>
+                    <a16:creationId xmlns="" xmlns:a16="http://schemas.microsoft.com/office/drawing/2014/main" id="{464667A9-4E03-5344-90C7-D41E493D3520}"/>
                   </a:ext>
                 </a:extLst>
               </p:cNvPr>
@@ -10722,7 +10661,7 @@
               <p:cNvPr id="34" name="正方形/長方形 33">
                 <a:extLst>
                   <a:ext uri="{FF2B5EF4-FFF2-40B4-BE49-F238E27FC236}">
-                    <a16:creationId xmlns:a16="http://schemas.microsoft.com/office/drawing/2014/main" xmlns="" id="{E337E9DF-BC35-0B4D-B797-9C23C26E1576}"/>
+                    <a16:creationId xmlns="" xmlns:a16="http://schemas.microsoft.com/office/drawing/2014/main" id="{E337E9DF-BC35-0B4D-B797-9C23C26E1576}"/>
                   </a:ext>
                 </a:extLst>
               </p:cNvPr>
@@ -10885,7 +10824,7 @@
               <p:cNvPr id="35" name="正方形/長方形 34">
                 <a:extLst>
                   <a:ext uri="{FF2B5EF4-FFF2-40B4-BE49-F238E27FC236}">
-                    <a16:creationId xmlns:a16="http://schemas.microsoft.com/office/drawing/2014/main" xmlns="" id="{BC038E95-D67A-E74A-B4C1-47BE2C7CE3F1}"/>
+                    <a16:creationId xmlns="" xmlns:a16="http://schemas.microsoft.com/office/drawing/2014/main" id="{BC038E95-D67A-E74A-B4C1-47BE2C7CE3F1}"/>
                   </a:ext>
                 </a:extLst>
               </p:cNvPr>
@@ -11057,7 +10996,7 @@
           <p:cNvPr id="36" name="直線矢印コネクタ 35">
             <a:extLst>
               <a:ext uri="{FF2B5EF4-FFF2-40B4-BE49-F238E27FC236}">
-                <a16:creationId xmlns:a16="http://schemas.microsoft.com/office/drawing/2014/main" xmlns="" id="{F5211B0A-B164-0B4C-8A05-D4E5567771C7}"/>
+                <a16:creationId xmlns="" xmlns:a16="http://schemas.microsoft.com/office/drawing/2014/main" id="{F5211B0A-B164-0B4C-8A05-D4E5567771C7}"/>
               </a:ext>
             </a:extLst>
           </p:cNvPr>
@@ -11098,7 +11037,7 @@
           <p:cNvPr id="37" name="テキスト ボックス 36">
             <a:extLst>
               <a:ext uri="{FF2B5EF4-FFF2-40B4-BE49-F238E27FC236}">
-                <a16:creationId xmlns:a16="http://schemas.microsoft.com/office/drawing/2014/main" xmlns="" id="{A98B9EDD-DCD7-4B4E-8DC7-0618B6294E2F}"/>
+                <a16:creationId xmlns="" xmlns:a16="http://schemas.microsoft.com/office/drawing/2014/main" id="{A98B9EDD-DCD7-4B4E-8DC7-0618B6294E2F}"/>
               </a:ext>
             </a:extLst>
           </p:cNvPr>
@@ -11163,7 +11102,7 @@
           <p:cNvPr id="39" name="テキスト ボックス 38">
             <a:extLst>
               <a:ext uri="{FF2B5EF4-FFF2-40B4-BE49-F238E27FC236}">
-                <a16:creationId xmlns:a16="http://schemas.microsoft.com/office/drawing/2014/main" xmlns="" id="{4A020964-C606-4B4F-99E9-A117341B5AD9}"/>
+                <a16:creationId xmlns="" xmlns:a16="http://schemas.microsoft.com/office/drawing/2014/main" id="{4A020964-C606-4B4F-99E9-A117341B5AD9}"/>
               </a:ext>
             </a:extLst>
           </p:cNvPr>
@@ -11199,7 +11138,7 @@
           <p:cNvPr id="40" name="直線コネクタ 39">
             <a:extLst>
               <a:ext uri="{FF2B5EF4-FFF2-40B4-BE49-F238E27FC236}">
-                <a16:creationId xmlns:a16="http://schemas.microsoft.com/office/drawing/2014/main" xmlns="" id="{41603B24-54FF-C440-8D2D-A1E2254F82F5}"/>
+                <a16:creationId xmlns="" xmlns:a16="http://schemas.microsoft.com/office/drawing/2014/main" id="{41603B24-54FF-C440-8D2D-A1E2254F82F5}"/>
               </a:ext>
             </a:extLst>
           </p:cNvPr>
@@ -11245,7 +11184,7 @@
           <p:cNvPr id="44" name="図 43">
             <a:extLst>
               <a:ext uri="{FF2B5EF4-FFF2-40B4-BE49-F238E27FC236}">
-                <a16:creationId xmlns:a16="http://schemas.microsoft.com/office/drawing/2014/main" xmlns="" id="{FAC5F722-C3F5-A145-9B89-625243128374}"/>
+                <a16:creationId xmlns="" xmlns:a16="http://schemas.microsoft.com/office/drawing/2014/main" id="{FAC5F722-C3F5-A145-9B89-625243128374}"/>
               </a:ext>
             </a:extLst>
           </p:cNvPr>
@@ -11280,7 +11219,7 @@
           <p:cNvPr id="45" name="テキスト ボックス 44">
             <a:extLst>
               <a:ext uri="{FF2B5EF4-FFF2-40B4-BE49-F238E27FC236}">
-                <a16:creationId xmlns:a16="http://schemas.microsoft.com/office/drawing/2014/main" xmlns="" id="{B0DC7061-8CB9-B945-AE5E-DB229A483E0D}"/>
+                <a16:creationId xmlns="" xmlns:a16="http://schemas.microsoft.com/office/drawing/2014/main" id="{B0DC7061-8CB9-B945-AE5E-DB229A483E0D}"/>
               </a:ext>
             </a:extLst>
           </p:cNvPr>
@@ -11329,7 +11268,7 @@
           <p:cNvPr id="48" name="直線矢印コネクタ 47">
             <a:extLst>
               <a:ext uri="{FF2B5EF4-FFF2-40B4-BE49-F238E27FC236}">
-                <a16:creationId xmlns:a16="http://schemas.microsoft.com/office/drawing/2014/main" xmlns="" id="{112383BB-0B54-D949-94E8-9C48B937C082}"/>
+                <a16:creationId xmlns="" xmlns:a16="http://schemas.microsoft.com/office/drawing/2014/main" id="{112383BB-0B54-D949-94E8-9C48B937C082}"/>
               </a:ext>
             </a:extLst>
           </p:cNvPr>
@@ -11371,7 +11310,7 @@
           <p:cNvPr id="55" name="テキスト ボックス 54">
             <a:extLst>
               <a:ext uri="{FF2B5EF4-FFF2-40B4-BE49-F238E27FC236}">
-                <a16:creationId xmlns:a16="http://schemas.microsoft.com/office/drawing/2014/main" xmlns="" id="{DC63D43F-7719-0245-A17C-06F1B40C9E24}"/>
+                <a16:creationId xmlns="" xmlns:a16="http://schemas.microsoft.com/office/drawing/2014/main" id="{DC63D43F-7719-0245-A17C-06F1B40C9E24}"/>
               </a:ext>
             </a:extLst>
           </p:cNvPr>
@@ -11407,7 +11346,7 @@
           <p:cNvPr id="57" name="テキスト ボックス 56">
             <a:extLst>
               <a:ext uri="{FF2B5EF4-FFF2-40B4-BE49-F238E27FC236}">
-                <a16:creationId xmlns:a16="http://schemas.microsoft.com/office/drawing/2014/main" xmlns="" id="{4FC6BC16-F528-B54B-AB12-6F18DC932528}"/>
+                <a16:creationId xmlns="" xmlns:a16="http://schemas.microsoft.com/office/drawing/2014/main" id="{4FC6BC16-F528-B54B-AB12-6F18DC932528}"/>
               </a:ext>
             </a:extLst>
           </p:cNvPr>
@@ -11416,7 +11355,7 @@
         </p:nvSpPr>
         <p:spPr>
           <a:xfrm>
-            <a:off x="-20725" y="5288088"/>
+            <a:off x="80092" y="5267666"/>
             <a:ext cx="6268063" cy="584775"/>
           </a:xfrm>
           <a:prstGeom prst="rect">
@@ -11449,7 +11388,7 @@
           <p:cNvPr id="2" name="テキスト ボックス 1">
             <a:extLst>
               <a:ext uri="{FF2B5EF4-FFF2-40B4-BE49-F238E27FC236}">
-                <a16:creationId xmlns:a16="http://schemas.microsoft.com/office/drawing/2014/main" xmlns="" id="{D6152000-E928-F04C-9ABE-A0D7C0482AC4}"/>
+                <a16:creationId xmlns="" xmlns:a16="http://schemas.microsoft.com/office/drawing/2014/main" id="{D6152000-E928-F04C-9ABE-A0D7C0482AC4}"/>
               </a:ext>
             </a:extLst>
           </p:cNvPr>
@@ -11485,7 +11424,7 @@
           <p:cNvPr id="28" name="テキスト ボックス 27">
             <a:extLst>
               <a:ext uri="{FF2B5EF4-FFF2-40B4-BE49-F238E27FC236}">
-                <a16:creationId xmlns:a16="http://schemas.microsoft.com/office/drawing/2014/main" xmlns="" id="{25A526AF-7A71-E140-A44A-3EA9251CADDA}"/>
+                <a16:creationId xmlns="" xmlns:a16="http://schemas.microsoft.com/office/drawing/2014/main" id="{25A526AF-7A71-E140-A44A-3EA9251CADDA}"/>
               </a:ext>
             </a:extLst>
           </p:cNvPr>
@@ -11548,10 +11487,450 @@
       </p:grpSpPr>
       <p:sp>
         <p:nvSpPr>
+          <p:cNvPr id="2" name="タイトル 1"/>
+          <p:cNvSpPr>
+            <a:spLocks noGrp="1"/>
+          </p:cNvSpPr>
+          <p:nvPr>
+            <p:ph type="title"/>
+          </p:nvPr>
+        </p:nvSpPr>
+        <p:spPr>
+          <a:xfrm>
+            <a:off x="838200" y="147842"/>
+            <a:ext cx="10515600" cy="1325563"/>
+          </a:xfrm>
+        </p:spPr>
+        <p:txBody>
+          <a:bodyPr/>
+          <a:lstStyle/>
+          <a:p>
+            <a:r>
+              <a:rPr kumimoji="1" lang="en-US" altLang="ja-JP" dirty="0" smtClean="0"/>
+              <a:t>R-package: </a:t>
+            </a:r>
+            <a:r>
+              <a:rPr kumimoji="1" lang="en-US" altLang="ja-JP" b="1" dirty="0" err="1" smtClean="0"/>
+              <a:t>cplm</a:t>
+            </a:r>
+            <a:r>
+              <a:rPr kumimoji="1" lang="en-US" altLang="ja-JP" b="1" dirty="0" smtClean="0"/>
+              <a:t> </a:t>
+            </a:r>
+            <a:r>
+              <a:rPr kumimoji="1" lang="en-US" altLang="ja-JP" sz="3200" dirty="0" smtClean="0"/>
+              <a:t>(by </a:t>
+            </a:r>
+            <a:r>
+              <a:rPr lang="en-US" altLang="ja-JP" sz="3200" dirty="0" err="1"/>
+              <a:t>Yanwei</a:t>
+            </a:r>
+            <a:r>
+              <a:rPr lang="en-US" altLang="ja-JP" sz="3200" dirty="0"/>
+              <a:t> </a:t>
+            </a:r>
+            <a:r>
+              <a:rPr lang="en-US" altLang="ja-JP" sz="3200" dirty="0" smtClean="0"/>
+              <a:t>Zhang 2018 [6,7])</a:t>
+            </a:r>
+            <a:endParaRPr kumimoji="1" lang="ja-JP" altLang="en-US" sz="3200" dirty="0"/>
+          </a:p>
+        </p:txBody>
+      </p:sp>
+      <p:sp>
+        <p:nvSpPr>
+          <p:cNvPr id="4" name="テキスト ボックス 3"/>
+          <p:cNvSpPr txBox="1"/>
+          <p:nvPr/>
+        </p:nvSpPr>
+        <p:spPr>
+          <a:xfrm>
+            <a:off x="1123383" y="1181017"/>
+            <a:ext cx="9949759" cy="584775"/>
+          </a:xfrm>
+          <a:prstGeom prst="rect">
+            <a:avLst/>
+          </a:prstGeom>
+          <a:noFill/>
+        </p:spPr>
+        <p:txBody>
+          <a:bodyPr wrap="square" rtlCol="0">
+            <a:spAutoFit/>
+          </a:bodyPr>
+          <a:lstStyle/>
+          <a:p>
+            <a:pPr algn="ctr"/>
+            <a:r>
+              <a:rPr kumimoji="1" lang="ja-JP" altLang="en-US" sz="1600" dirty="0" smtClean="0"/>
+              <a:t>どうにも実装がうまくいかないのでパッケージを再度探し</a:t>
+            </a:r>
+            <a:r>
+              <a:rPr lang="ja-JP" altLang="en-US" sz="1600" dirty="0"/>
+              <a:t>直した</a:t>
+            </a:r>
+            <a:r>
+              <a:rPr kumimoji="1" lang="ja-JP" altLang="en-US" sz="1600" dirty="0" smtClean="0"/>
+              <a:t>ところ運良く見つけた</a:t>
+            </a:r>
+            <a:r>
+              <a:rPr kumimoji="1" lang="en-US" altLang="ja-JP" sz="1600" dirty="0" smtClean="0"/>
+              <a:t>.</a:t>
+            </a:r>
+          </a:p>
+          <a:p>
+            <a:pPr algn="ctr"/>
+            <a:r>
+              <a:rPr lang="en-US" altLang="ja-JP" sz="1600" dirty="0" smtClean="0"/>
+              <a:t>(Document</a:t>
+            </a:r>
+            <a:r>
+              <a:rPr lang="ja-JP" altLang="en-US" sz="1600" dirty="0" smtClean="0"/>
+              <a:t>を精査できていないがおそらくほぼ</a:t>
+            </a:r>
+            <a:r>
+              <a:rPr lang="en-US" altLang="ja-JP" sz="1600" dirty="0" smtClean="0"/>
+              <a:t>)</a:t>
+            </a:r>
+            <a:r>
+              <a:rPr lang="ja-JP" altLang="en-US" sz="1600" dirty="0"/>
+              <a:t>同じ</a:t>
+            </a:r>
+            <a:r>
+              <a:rPr lang="ja-JP" altLang="en-US" sz="1600" dirty="0" smtClean="0"/>
+              <a:t>ことをしている</a:t>
+            </a:r>
+            <a:r>
+              <a:rPr lang="en-US" altLang="ja-JP" sz="1600" dirty="0" smtClean="0"/>
+              <a:t>. </a:t>
+            </a:r>
+            <a:r>
+              <a:rPr lang="ja-JP" altLang="en-US" sz="1600" dirty="0" smtClean="0"/>
+              <a:t>詳細は</a:t>
+            </a:r>
+            <a:r>
+              <a:rPr lang="en-US" altLang="ja-JP" sz="1600" dirty="0" smtClean="0"/>
+              <a:t>[7].</a:t>
+            </a:r>
+            <a:endParaRPr kumimoji="1" lang="ja-JP" altLang="en-US" sz="1600" dirty="0"/>
+          </a:p>
+        </p:txBody>
+      </p:sp>
+      <p:pic>
+        <p:nvPicPr>
+          <p:cNvPr id="1026" name="Picture 2" descr="C:\Users\tak.arai\Desktop\a.png"/>
+          <p:cNvPicPr>
+            <a:picLocks noChangeAspect="1" noChangeArrowheads="1"/>
+          </p:cNvPicPr>
+          <p:nvPr/>
+        </p:nvPicPr>
+        <p:blipFill>
+          <a:blip r:embed="rId2">
+            <a:extLst>
+              <a:ext uri="{28A0092B-C50C-407E-A947-70E740481C1C}">
+                <a14:useLocalDpi xmlns:a14="http://schemas.microsoft.com/office/drawing/2010/main" val="0"/>
+              </a:ext>
+            </a:extLst>
+          </a:blip>
+          <a:srcRect/>
+          <a:stretch>
+            <a:fillRect/>
+          </a:stretch>
+        </p:blipFill>
+        <p:spPr bwMode="auto">
+          <a:xfrm>
+            <a:off x="6098262" y="2608777"/>
+            <a:ext cx="5133392" cy="4034899"/>
+          </a:xfrm>
+          <a:prstGeom prst="rect">
+            <a:avLst/>
+          </a:prstGeom>
+          <a:noFill/>
+          <a:extLst>
+            <a:ext uri="{909E8E84-426E-40DD-AFC4-6F175D3DCCD1}">
+              <a14:hiddenFill xmlns:a14="http://schemas.microsoft.com/office/drawing/2010/main">
+                <a:solidFill>
+                  <a:srgbClr val="FFFFFF"/>
+                </a:solidFill>
+              </a14:hiddenFill>
+            </a:ext>
+          </a:extLst>
+        </p:spPr>
+      </p:pic>
+      <p:pic>
+        <p:nvPicPr>
+          <p:cNvPr id="1027" name="Picture 3" descr="C:\Users\tak.arai\Desktop\b.png"/>
+          <p:cNvPicPr>
+            <a:picLocks noChangeAspect="1" noChangeArrowheads="1"/>
+          </p:cNvPicPr>
+          <p:nvPr/>
+        </p:nvPicPr>
+        <p:blipFill>
+          <a:blip r:embed="rId3">
+            <a:extLst>
+              <a:ext uri="{28A0092B-C50C-407E-A947-70E740481C1C}">
+                <a14:useLocalDpi xmlns:a14="http://schemas.microsoft.com/office/drawing/2010/main" val="0"/>
+              </a:ext>
+            </a:extLst>
+          </a:blip>
+          <a:srcRect/>
+          <a:stretch>
+            <a:fillRect/>
+          </a:stretch>
+        </p:blipFill>
+        <p:spPr bwMode="auto">
+          <a:xfrm>
+            <a:off x="1021895" y="2630481"/>
+            <a:ext cx="4656138" cy="1774825"/>
+          </a:xfrm>
+          <a:prstGeom prst="rect">
+            <a:avLst/>
+          </a:prstGeom>
+          <a:noFill/>
+          <a:extLst>
+            <a:ext uri="{909E8E84-426E-40DD-AFC4-6F175D3DCCD1}">
+              <a14:hiddenFill xmlns:a14="http://schemas.microsoft.com/office/drawing/2010/main">
+                <a:solidFill>
+                  <a:srgbClr val="FFFFFF"/>
+                </a:solidFill>
+              </a14:hiddenFill>
+            </a:ext>
+          </a:extLst>
+        </p:spPr>
+      </p:pic>
+      <p:sp>
+        <p:nvSpPr>
+          <p:cNvPr id="5" name="テキスト ボックス 4"/>
+          <p:cNvSpPr txBox="1"/>
+          <p:nvPr/>
+        </p:nvSpPr>
+        <p:spPr>
+          <a:xfrm>
+            <a:off x="1647730" y="2239186"/>
+            <a:ext cx="3241140" cy="369332"/>
+          </a:xfrm>
+          <a:prstGeom prst="rect">
+            <a:avLst/>
+          </a:prstGeom>
+          <a:noFill/>
+        </p:spPr>
+        <p:txBody>
+          <a:bodyPr wrap="square" rtlCol="0">
+            <a:spAutoFit/>
+          </a:bodyPr>
+          <a:lstStyle/>
+          <a:p>
+            <a:pPr algn="ctr"/>
+            <a:r>
+              <a:rPr lang="ja-JP" altLang="en-US" dirty="0" smtClean="0"/>
+              <a:t>使い方は</a:t>
+            </a:r>
+            <a:r>
+              <a:rPr lang="en-US" altLang="ja-JP" dirty="0" err="1" smtClean="0"/>
+              <a:t>glm</a:t>
+            </a:r>
+            <a:r>
+              <a:rPr lang="ja-JP" altLang="en-US" dirty="0" smtClean="0"/>
+              <a:t>と同じ</a:t>
+            </a:r>
+            <a:endParaRPr kumimoji="1" lang="ja-JP" altLang="en-US" dirty="0"/>
+          </a:p>
+        </p:txBody>
+      </p:sp>
+      <p:sp>
+        <p:nvSpPr>
+          <p:cNvPr id="6" name="正方形/長方形 5"/>
+          <p:cNvSpPr/>
+          <p:nvPr/>
+        </p:nvSpPr>
+        <p:spPr>
+          <a:xfrm>
+            <a:off x="6011501" y="5975287"/>
+            <a:ext cx="3123445" cy="307818"/>
+          </a:xfrm>
+          <a:prstGeom prst="rect">
+            <a:avLst/>
+          </a:prstGeom>
+          <a:noFill/>
+          <a:ln w="25400">
+            <a:solidFill>
+              <a:srgbClr val="FF0000"/>
+            </a:solidFill>
+          </a:ln>
+        </p:spPr>
+        <p:style>
+          <a:lnRef idx="2">
+            <a:schemeClr val="accent1">
+              <a:shade val="50000"/>
+            </a:schemeClr>
+          </a:lnRef>
+          <a:fillRef idx="1">
+            <a:schemeClr val="accent1"/>
+          </a:fillRef>
+          <a:effectRef idx="0">
+            <a:schemeClr val="accent1"/>
+          </a:effectRef>
+          <a:fontRef idx="minor">
+            <a:schemeClr val="lt1"/>
+          </a:fontRef>
+        </p:style>
+        <p:txBody>
+          <a:bodyPr rtlCol="0" anchor="ctr"/>
+          <a:lstStyle/>
+          <a:p>
+            <a:pPr algn="ctr"/>
+            <a:endParaRPr kumimoji="1" lang="ja-JP" altLang="en-US"/>
+          </a:p>
+        </p:txBody>
+      </p:sp>
+      <p:sp>
+        <p:nvSpPr>
+          <p:cNvPr id="9" name="テキスト ボックス 8"/>
+          <p:cNvSpPr txBox="1"/>
+          <p:nvPr/>
+        </p:nvSpPr>
+        <p:spPr>
+          <a:xfrm>
+            <a:off x="6924392" y="2214243"/>
+            <a:ext cx="3241140" cy="369332"/>
+          </a:xfrm>
+          <a:prstGeom prst="rect">
+            <a:avLst/>
+          </a:prstGeom>
+          <a:noFill/>
+        </p:spPr>
+        <p:txBody>
+          <a:bodyPr wrap="square" rtlCol="0">
+            <a:spAutoFit/>
+          </a:bodyPr>
+          <a:lstStyle/>
+          <a:p>
+            <a:pPr algn="ctr"/>
+            <a:r>
+              <a:rPr lang="en-US" altLang="ja-JP" dirty="0"/>
+              <a:t>i</a:t>
+            </a:r>
+            <a:r>
+              <a:rPr lang="en-US" altLang="ja-JP" dirty="0" smtClean="0"/>
+              <a:t>ndex parameter</a:t>
+            </a:r>
+            <a:r>
+              <a:rPr lang="ja-JP" altLang="en-US" dirty="0" smtClean="0"/>
+              <a:t>が</a:t>
+            </a:r>
+            <a:r>
+              <a:rPr lang="en-US" altLang="ja-JP" dirty="0" smtClean="0"/>
+              <a:t>p</a:t>
+            </a:r>
+            <a:r>
+              <a:rPr lang="ja-JP" altLang="en-US" dirty="0" smtClean="0"/>
+              <a:t>を表す</a:t>
+            </a:r>
+            <a:r>
+              <a:rPr lang="en-US" altLang="ja-JP" dirty="0" smtClean="0"/>
+              <a:t>.</a:t>
+            </a:r>
+            <a:endParaRPr kumimoji="1" lang="ja-JP" altLang="en-US" dirty="0"/>
+          </a:p>
+        </p:txBody>
+      </p:sp>
+      <p:sp>
+        <p:nvSpPr>
+          <p:cNvPr id="10" name="テキスト ボックス 9"/>
+          <p:cNvSpPr txBox="1"/>
+          <p:nvPr/>
+        </p:nvSpPr>
+        <p:spPr>
+          <a:xfrm>
+            <a:off x="1280492" y="4423317"/>
+            <a:ext cx="4138944" cy="584775"/>
+          </a:xfrm>
+          <a:prstGeom prst="rect">
+            <a:avLst/>
+          </a:prstGeom>
+          <a:noFill/>
+        </p:spPr>
+        <p:txBody>
+          <a:bodyPr wrap="square" rtlCol="0">
+            <a:spAutoFit/>
+          </a:bodyPr>
+          <a:lstStyle/>
+          <a:p>
+            <a:pPr algn="ctr"/>
+            <a:r>
+              <a:rPr lang="ja-JP" altLang="en-US" sz="1600" dirty="0"/>
+              <a:t>試用</a:t>
+            </a:r>
+            <a:r>
+              <a:rPr lang="ja-JP" altLang="en-US" sz="1600" dirty="0" smtClean="0"/>
+              <a:t>した</a:t>
+            </a:r>
+            <a:r>
+              <a:rPr kumimoji="1" lang="ja-JP" altLang="en-US" sz="1600" dirty="0" smtClean="0"/>
+              <a:t>ところ</a:t>
+            </a:r>
+            <a:endParaRPr kumimoji="1" lang="en-US" altLang="ja-JP" sz="1600" dirty="0" smtClean="0"/>
+          </a:p>
+          <a:p>
+            <a:pPr algn="ctr"/>
+            <a:r>
+              <a:rPr kumimoji="1" lang="en-US" altLang="ja-JP" sz="1600" dirty="0" smtClean="0"/>
+              <a:t>10000x30</a:t>
+            </a:r>
+            <a:r>
+              <a:rPr lang="ja-JP" altLang="en-US" sz="1600" dirty="0" smtClean="0"/>
+              <a:t>の</a:t>
+            </a:r>
+            <a:r>
+              <a:rPr lang="en-US" altLang="ja-JP" sz="1600" dirty="0" smtClean="0"/>
+              <a:t>table</a:t>
+            </a:r>
+            <a:r>
+              <a:rPr lang="ja-JP" altLang="en-US" sz="1600" dirty="0" smtClean="0"/>
+              <a:t>で数秒の計算時間</a:t>
+            </a:r>
+            <a:r>
+              <a:rPr lang="en-US" altLang="ja-JP" sz="1600" dirty="0" smtClean="0"/>
+              <a:t>.</a:t>
+            </a:r>
+          </a:p>
+        </p:txBody>
+      </p:sp>
+    </p:spTree>
+    <p:extLst>
+      <p:ext uri="{BB962C8B-B14F-4D97-AF65-F5344CB8AC3E}">
+        <p14:creationId xmlns:p14="http://schemas.microsoft.com/office/powerpoint/2010/main" val="3986193853"/>
+      </p:ext>
+    </p:extLst>
+  </p:cSld>
+  <p:clrMapOvr>
+    <a:masterClrMapping/>
+  </p:clrMapOvr>
+</p:sld>
+</file>
+
+<file path=ppt/slides/slide6.xml><?xml version="1.0" encoding="utf-8"?>
+<p:sld xmlns:a="http://schemas.openxmlformats.org/drawingml/2006/main" xmlns:r="http://schemas.openxmlformats.org/officeDocument/2006/relationships" xmlns:p="http://schemas.openxmlformats.org/presentationml/2006/main">
+  <p:cSld>
+    <p:spTree>
+      <p:nvGrpSpPr>
+        <p:cNvPr id="1" name=""/>
+        <p:cNvGrpSpPr/>
+        <p:nvPr/>
+      </p:nvGrpSpPr>
+      <p:grpSpPr>
+        <a:xfrm>
+          <a:off x="0" y="0"/>
+          <a:ext cx="0" cy="0"/>
+          <a:chOff x="0" y="0"/>
+          <a:chExt cx="0" cy="0"/>
+        </a:xfrm>
+      </p:grpSpPr>
+      <p:sp>
+        <p:nvSpPr>
           <p:cNvPr id="5" name="テキスト ボックス 4">
             <a:extLst>
               <a:ext uri="{FF2B5EF4-FFF2-40B4-BE49-F238E27FC236}">
-                <a16:creationId xmlns:a16="http://schemas.microsoft.com/office/drawing/2014/main" xmlns="" id="{83EAA486-0B31-BF40-BC86-0808F94F09EC}"/>
+                <a16:creationId xmlns="" xmlns:a16="http://schemas.microsoft.com/office/drawing/2014/main" id="{83EAA486-0B31-BF40-BC86-0808F94F09EC}"/>
               </a:ext>
             </a:extLst>
           </p:cNvPr>
@@ -11587,7 +11966,7 @@
           <p:cNvPr id="7" name="テキスト ボックス 6">
             <a:extLst>
               <a:ext uri="{FF2B5EF4-FFF2-40B4-BE49-F238E27FC236}">
-                <a16:creationId xmlns:a16="http://schemas.microsoft.com/office/drawing/2014/main" xmlns="" id="{764402AE-EC46-C74A-ACBE-924EB6304B39}"/>
+                <a16:creationId xmlns="" xmlns:a16="http://schemas.microsoft.com/office/drawing/2014/main" id="{764402AE-EC46-C74A-ACBE-924EB6304B39}"/>
               </a:ext>
             </a:extLst>
           </p:cNvPr>
@@ -11597,7 +11976,7 @@
         <p:spPr>
           <a:xfrm>
             <a:off x="766119" y="1396314"/>
-            <a:ext cx="10705175" cy="2585323"/>
+            <a:ext cx="11195694" cy="4247317"/>
           </a:xfrm>
           <a:prstGeom prst="rect">
             <a:avLst/>
@@ -11611,61 +11990,159 @@
           <a:lstStyle/>
           <a:p>
             <a:r>
-              <a:rPr lang="en" altLang="ja-JP"/>
+              <a:rPr lang="en" altLang="ja-JP" dirty="0"/>
               <a:t>[1] Fitting Tweedie’s compound Poisson model</a:t>
             </a:r>
             <a:r>
-              <a:rPr lang="en-US" altLang="ja-JP"/>
+              <a:rPr lang="en-US" altLang="ja-JP" dirty="0"/>
               <a:t> to insurance claims data</a:t>
             </a:r>
             <a:r>
-              <a:rPr lang="en" altLang="ja-JP"/>
+              <a:rPr lang="en" altLang="ja-JP" dirty="0"/>
               <a:t>(Gordon&amp;Jorgensen, 2002)</a:t>
             </a:r>
           </a:p>
           <a:p>
-            <a:endParaRPr lang="en" altLang="ja-JP"/>
-          </a:p>
-          <a:p>
-            <a:r>
-              <a:rPr lang="en" altLang="ja-JP"/>
+            <a:endParaRPr lang="en" altLang="ja-JP" dirty="0"/>
+          </a:p>
+          <a:p>
+            <a:r>
+              <a:rPr lang="en" altLang="ja-JP" dirty="0"/>
               <a:t>[2] Regression Analysis of Quantity Data with Exact Zeroes(Gordon, 1996)</a:t>
             </a:r>
           </a:p>
           <a:p>
-            <a:endParaRPr lang="en" altLang="ja-JP"/>
-          </a:p>
-          <a:p>
-            <a:r>
-              <a:rPr lang="en" altLang="ja-JP"/>
+            <a:endParaRPr lang="en" altLang="ja-JP" dirty="0"/>
+          </a:p>
+          <a:p>
+            <a:r>
+              <a:rPr lang="en" altLang="ja-JP" dirty="0"/>
               <a:t>[3] Introduction to GLM’s (Claudia Czado, TU Munchen)</a:t>
             </a:r>
           </a:p>
           <a:p>
-            <a:endParaRPr lang="en" altLang="ja-JP"/>
-          </a:p>
-          <a:p>
-            <a:r>
-              <a:rPr lang="en" altLang="ja-JP"/>
+            <a:endParaRPr lang="en" altLang="ja-JP" dirty="0"/>
+          </a:p>
+          <a:p>
+            <a:r>
+              <a:rPr lang="en" altLang="ja-JP" dirty="0"/>
               <a:t>[4] </a:t>
             </a:r>
             <a:r>
-              <a:rPr lang="ja-JP" altLang="en-US"/>
+              <a:rPr lang="ja-JP" altLang="en-US" dirty="0"/>
               <a:t>最尤法とその計算アルゴリズム</a:t>
             </a:r>
             <a:r>
-              <a:rPr lang="en-US" altLang="ja-JP"/>
-              <a:t> (Yoshihiko Imano, JWU)</a:t>
-            </a:r>
-          </a:p>
-          <a:p>
-            <a:endParaRPr lang="en-US" altLang="ja-JP"/>
-          </a:p>
-          <a:p>
-            <a:r>
-              <a:rPr lang="en" altLang="ja-JP"/>
-              <a:t>[5] Generalized Linear Models (P.McCullagh and J.A. Nelder, Chapman and Hall)</a:t>
-            </a:r>
+              <a:rPr lang="en-US" altLang="ja-JP" dirty="0"/>
+              <a:t> (Yoshihiko </a:t>
+            </a:r>
+            <a:r>
+              <a:rPr lang="en-US" altLang="ja-JP" dirty="0" err="1"/>
+              <a:t>Imano</a:t>
+            </a:r>
+            <a:r>
+              <a:rPr lang="en-US" altLang="ja-JP" dirty="0"/>
+              <a:t>, JWU)</a:t>
+            </a:r>
+          </a:p>
+          <a:p>
+            <a:endParaRPr lang="en-US" altLang="ja-JP" dirty="0"/>
+          </a:p>
+          <a:p>
+            <a:r>
+              <a:rPr lang="en" altLang="ja-JP" dirty="0"/>
+              <a:t>[5] Generalized Linear Models (P.McCullagh and J.A. Nelder, Chapman and Hall</a:t>
+            </a:r>
+            <a:r>
+              <a:rPr lang="en" altLang="ja-JP" dirty="0" smtClean="0"/>
+              <a:t>)</a:t>
+            </a:r>
+          </a:p>
+          <a:p>
+            <a:endParaRPr lang="en" altLang="ja-JP" dirty="0" smtClean="0"/>
+          </a:p>
+          <a:p>
+            <a:endParaRPr lang="en" altLang="ja-JP" dirty="0"/>
+          </a:p>
+          <a:p>
+            <a:r>
+              <a:rPr lang="en" altLang="ja-JP" dirty="0" smtClean="0"/>
+              <a:t>[6] </a:t>
+            </a:r>
+            <a:r>
+              <a:rPr lang="en-US" altLang="ja-JP" dirty="0"/>
+              <a:t>Package ‘</a:t>
+            </a:r>
+            <a:r>
+              <a:rPr lang="en-US" altLang="ja-JP" dirty="0" err="1"/>
+              <a:t>cplm</a:t>
+            </a:r>
+            <a:r>
+              <a:rPr lang="en-US" altLang="ja-JP" dirty="0"/>
+              <a:t>’ </a:t>
+            </a:r>
+            <a:r>
+              <a:rPr lang="en-US" altLang="ja-JP" dirty="0" smtClean="0"/>
+              <a:t>(</a:t>
+            </a:r>
+            <a:r>
+              <a:rPr lang="en-US" altLang="ja-JP" dirty="0" smtClean="0">
+                <a:hlinkClick r:id="rId3"/>
+              </a:rPr>
+              <a:t>https</a:t>
+            </a:r>
+            <a:r>
+              <a:rPr lang="en-US" altLang="ja-JP" dirty="0">
+                <a:hlinkClick r:id="rId3"/>
+              </a:rPr>
+              <a:t>://</a:t>
+            </a:r>
+            <a:r>
+              <a:rPr lang="en-US" altLang="ja-JP" dirty="0" smtClean="0">
+                <a:hlinkClick r:id="rId3"/>
+              </a:rPr>
+              <a:t>cran.r-project.org/web/packages/cplm/cplm.pdf</a:t>
+            </a:r>
+            <a:r>
+              <a:rPr lang="en-US" altLang="ja-JP" dirty="0" smtClean="0"/>
+              <a:t>)</a:t>
+            </a:r>
+          </a:p>
+          <a:p>
+            <a:endParaRPr lang="en-US" altLang="ja-JP" dirty="0"/>
+          </a:p>
+          <a:p>
+            <a:r>
+              <a:rPr lang="en-US" altLang="ja-JP" b="1" dirty="0" smtClean="0"/>
+              <a:t>[7</a:t>
+            </a:r>
+            <a:r>
+              <a:rPr lang="en-US" altLang="ja-JP" b="1" dirty="0"/>
+              <a:t>] Likelihood-based and Bayesian Methods for Tweedie Compound Poisson Linear Mixed </a:t>
+            </a:r>
+            <a:r>
+              <a:rPr lang="en-US" altLang="ja-JP" b="1" dirty="0" smtClean="0"/>
+              <a:t>Models</a:t>
+            </a:r>
+          </a:p>
+          <a:p>
+            <a:r>
+              <a:rPr lang="ja-JP" altLang="en-US" b="1" dirty="0" smtClean="0"/>
+              <a:t>　  </a:t>
+            </a:r>
+            <a:r>
+              <a:rPr lang="en-US" altLang="ja-JP" b="1" dirty="0" smtClean="0"/>
+              <a:t>(Zhang </a:t>
+            </a:r>
+            <a:r>
+              <a:rPr lang="en-US" altLang="ja-JP" b="1" dirty="0" err="1" smtClean="0"/>
+              <a:t>Yanwei</a:t>
+            </a:r>
+            <a:r>
+              <a:rPr lang="en-US" altLang="ja-JP" b="1" dirty="0" smtClean="0"/>
+              <a:t>, 2013)</a:t>
+            </a:r>
+            <a:endParaRPr lang="en" altLang="ja-JP" b="1" dirty="0"/>
           </a:p>
         </p:txBody>
       </p:sp>
@@ -11674,7 +12151,7 @@
           <p:cNvPr id="1025" name="Picture 1" descr="page1image1818624">
             <a:extLst>
               <a:ext uri="{FF2B5EF4-FFF2-40B4-BE49-F238E27FC236}">
-                <a16:creationId xmlns:a16="http://schemas.microsoft.com/office/drawing/2014/main" xmlns="" id="{2DCCD100-FE49-AD4A-A863-EEBF3310A5D8}"/>
+                <a16:creationId xmlns="" xmlns:a16="http://schemas.microsoft.com/office/drawing/2014/main" id="{2DCCD100-FE49-AD4A-A863-EEBF3310A5D8}"/>
               </a:ext>
             </a:extLst>
           </p:cNvPr>
@@ -11684,7 +12161,7 @@
           <p:nvPr/>
         </p:nvPicPr>
         <p:blipFill>
-          <a:blip r:embed="rId3">
+          <a:blip r:embed="rId4">
             <a:extLst>
               <a:ext uri="{28A0092B-C50C-407E-A947-70E740481C1C}">
                 <a14:useLocalDpi xmlns:a14="http://schemas.microsoft.com/office/drawing/2010/main" val="0"/>
@@ -11716,52 +12193,16 @@
           </a:extLst>
         </p:spPr>
       </p:pic>
-    </p:spTree>
-    <p:extLst>
-      <p:ext uri="{BB962C8B-B14F-4D97-AF65-F5344CB8AC3E}">
-        <p14:creationId xmlns:p14="http://schemas.microsoft.com/office/powerpoint/2010/main" val="2498150906"/>
-      </p:ext>
-    </p:extLst>
-  </p:cSld>
-  <p:clrMapOvr>
-    <a:masterClrMapping/>
-  </p:clrMapOvr>
-</p:sld>
-</file>
-
-<file path=ppt/slides/slide6.xml><?xml version="1.0" encoding="utf-8"?>
-<p:sld xmlns:a="http://schemas.openxmlformats.org/drawingml/2006/main" xmlns:r="http://schemas.openxmlformats.org/officeDocument/2006/relationships" xmlns:p="http://schemas.openxmlformats.org/presentationml/2006/main" show="0">
-  <p:cSld>
-    <p:spTree>
-      <p:nvGrpSpPr>
-        <p:cNvPr id="1" name=""/>
-        <p:cNvGrpSpPr/>
-        <p:nvPr/>
-      </p:nvGrpSpPr>
-      <p:grpSpPr>
-        <a:xfrm>
-          <a:off x="0" y="0"/>
-          <a:ext cx="0" cy="0"/>
-          <a:chOff x="0" y="0"/>
-          <a:chExt cx="0" cy="0"/>
-        </a:xfrm>
-      </p:grpSpPr>
       <p:sp>
         <p:nvSpPr>
-          <p:cNvPr id="4" name="テキスト ボックス 3">
-            <a:extLst>
-              <a:ext uri="{FF2B5EF4-FFF2-40B4-BE49-F238E27FC236}">
-                <a16:creationId xmlns:a16="http://schemas.microsoft.com/office/drawing/2014/main" xmlns="" id="{4ED92A3C-739C-7643-AB14-7BFA5282AA95}"/>
-              </a:ext>
-            </a:extLst>
-          </p:cNvPr>
+          <p:cNvPr id="2" name="テキスト ボックス 1"/>
           <p:cNvSpPr txBox="1"/>
           <p:nvPr/>
         </p:nvSpPr>
         <p:spPr>
           <a:xfrm>
-            <a:off x="0" y="210066"/>
-            <a:ext cx="12191999" cy="523220"/>
+            <a:off x="1403286" y="6027748"/>
+            <a:ext cx="2788468" cy="369332"/>
           </a:xfrm>
           <a:prstGeom prst="rect">
             <a:avLst/>
@@ -11774,558 +12215,28 @@
           </a:bodyPr>
           <a:lstStyle/>
           <a:p>
-            <a:pPr algn="ctr"/>
-            <a:r>
-              <a:rPr kumimoji="1" lang="en-US" altLang="ja-JP" sz="2800" b="1" u="sng" dirty="0" smtClean="0"/>
-              <a:t>Issue</a:t>
-            </a:r>
-            <a:endParaRPr kumimoji="1" lang="en-US" altLang="ja-JP" sz="2800" b="1" u="sng" dirty="0"/>
-          </a:p>
-        </p:txBody>
-      </p:sp>
-      <p:sp>
-        <p:nvSpPr>
-          <p:cNvPr id="2" name="テキスト ボックス 1">
-            <a:extLst>
-              <a:ext uri="{FF2B5EF4-FFF2-40B4-BE49-F238E27FC236}">
-                <a16:creationId xmlns:a16="http://schemas.microsoft.com/office/drawing/2014/main" xmlns="" id="{B8A9D090-0D1A-5641-90A8-161F1761A6AB}"/>
-              </a:ext>
-            </a:extLst>
-          </p:cNvPr>
-          <p:cNvSpPr txBox="1"/>
-          <p:nvPr/>
-        </p:nvSpPr>
-        <p:spPr>
-          <a:xfrm>
-            <a:off x="396573" y="947809"/>
-            <a:ext cx="11327665" cy="5047536"/>
-          </a:xfrm>
-          <a:prstGeom prst="rect">
-            <a:avLst/>
-          </a:prstGeom>
-          <a:noFill/>
-        </p:spPr>
-        <p:txBody>
-          <a:bodyPr wrap="square" rtlCol="0">
-            <a:spAutoFit/>
-          </a:bodyPr>
-          <a:lstStyle/>
-          <a:p>
-            <a:r>
-              <a:rPr kumimoji="1" lang="en-US" altLang="ja-JP" sz="1400" b="1" dirty="0" smtClean="0"/>
-              <a:t>1.1 phi^2</a:t>
-            </a:r>
-            <a:r>
-              <a:rPr kumimoji="1" lang="ja-JP" altLang="en-US" sz="1400" b="1" dirty="0" err="1" smtClean="0"/>
-              <a:t>での</a:t>
-            </a:r>
-            <a:r>
-              <a:rPr kumimoji="1" lang="en-US" altLang="ja-JP" sz="1400" b="1" dirty="0" smtClean="0"/>
-              <a:t>overflow.</a:t>
-            </a:r>
-            <a:r>
-              <a:rPr lang="en-US" altLang="ja-JP" sz="1400" dirty="0" smtClean="0"/>
-              <a:t>(</a:t>
-            </a:r>
-            <a:r>
-              <a:rPr lang="en-US" altLang="ja-JP" sz="1400" dirty="0"/>
-              <a:t>phi</a:t>
-            </a:r>
-            <a:r>
-              <a:rPr lang="ja-JP" altLang="en-US" sz="1400" dirty="0"/>
-              <a:t>＝</a:t>
-            </a:r>
-            <a:r>
-              <a:rPr lang="en-US" altLang="ja-JP" sz="1400" dirty="0" err="1"/>
-              <a:t>exp</a:t>
-            </a:r>
-            <a:r>
-              <a:rPr lang="en-US" altLang="ja-JP" sz="1400" dirty="0"/>
-              <a:t>(</a:t>
-            </a:r>
-            <a:r>
-              <a:rPr lang="en-US" altLang="ja-JP" sz="1400" dirty="0" err="1"/>
-              <a:t>Zγ</a:t>
-            </a:r>
-            <a:r>
-              <a:rPr lang="en-US" altLang="ja-JP" sz="1400" dirty="0"/>
-              <a:t>)</a:t>
-            </a:r>
-            <a:r>
-              <a:rPr lang="ja-JP" altLang="en-US" sz="1400" dirty="0"/>
-              <a:t>で限界まで大きくなっているため</a:t>
-            </a:r>
-            <a:r>
-              <a:rPr lang="en-US" altLang="ja-JP" sz="1400" dirty="0"/>
-              <a:t>)</a:t>
-            </a:r>
-          </a:p>
-          <a:p>
-            <a:pPr lvl="1"/>
-            <a:r>
-              <a:rPr lang="en-US" altLang="ja-JP" sz="1400" dirty="0" smtClean="0"/>
-              <a:t>	A. </a:t>
-            </a:r>
-            <a:r>
-              <a:rPr lang="en-US" altLang="ja-JP" sz="1400" dirty="0" err="1" smtClean="0"/>
-              <a:t>logPhi</a:t>
-            </a:r>
-            <a:r>
-              <a:rPr lang="ja-JP" altLang="en-US" sz="1400" dirty="0"/>
-              <a:t>を計算</a:t>
-            </a:r>
-            <a:r>
-              <a:rPr lang="ja-JP" altLang="en-US" sz="1400" dirty="0" smtClean="0"/>
-              <a:t>する</a:t>
-            </a:r>
-            <a:r>
-              <a:rPr lang="en-US" altLang="ja-JP" sz="1400" dirty="0" smtClean="0"/>
-              <a:t/>
-            </a:r>
-            <a:br>
-              <a:rPr lang="en-US" altLang="ja-JP" sz="1400" dirty="0" smtClean="0"/>
-            </a:br>
-            <a:r>
-              <a:rPr lang="en-US" altLang="ja-JP" sz="1400" dirty="0" smtClean="0"/>
-              <a:t>	=&gt; </a:t>
-            </a:r>
-            <a:r>
-              <a:rPr lang="ja-JP" altLang="en-US" sz="1400" dirty="0" smtClean="0"/>
-              <a:t>解決</a:t>
-            </a:r>
-            <a:r>
-              <a:rPr lang="en-US" altLang="ja-JP" sz="1400" dirty="0" smtClean="0"/>
-              <a:t>(?)</a:t>
-            </a:r>
-            <a:br>
-              <a:rPr lang="en-US" altLang="ja-JP" sz="1400" dirty="0" smtClean="0"/>
-            </a:br>
-            <a:r>
-              <a:rPr lang="en-US" altLang="ja-JP" sz="1400" dirty="0" smtClean="0"/>
-              <a:t>	=&gt; Feature(</a:t>
-            </a:r>
-            <a:r>
-              <a:rPr lang="en-US" altLang="ja-JP" sz="1400" dirty="0" err="1" smtClean="0"/>
-              <a:t>x,z</a:t>
-            </a:r>
-            <a:r>
-              <a:rPr lang="en-US" altLang="ja-JP" sz="1400" dirty="0" smtClean="0"/>
-              <a:t>)</a:t>
-            </a:r>
-            <a:r>
-              <a:rPr lang="ja-JP" altLang="en-US" sz="1400" dirty="0" smtClean="0"/>
-              <a:t>の値が大きい場合またしても</a:t>
-            </a:r>
-            <a:r>
-              <a:rPr lang="en-US" altLang="ja-JP" sz="1400" dirty="0" smtClean="0"/>
-              <a:t>overflow.</a:t>
-            </a:r>
-            <a:br>
-              <a:rPr lang="en-US" altLang="ja-JP" sz="1400" dirty="0" smtClean="0"/>
-            </a:br>
-            <a:r>
-              <a:rPr lang="en-US" altLang="ja-JP" sz="1400" dirty="0"/>
-              <a:t>	</a:t>
-            </a:r>
-            <a:r>
-              <a:rPr lang="en-US" altLang="ja-JP" sz="1400" dirty="0" smtClean="0"/>
-              <a:t>	A. </a:t>
-            </a:r>
-            <a:r>
-              <a:rPr lang="en-US" altLang="ja-JP" sz="1400" dirty="0" err="1" smtClean="0"/>
-              <a:t>x,z</a:t>
-            </a:r>
-            <a:r>
-              <a:rPr lang="ja-JP" altLang="en-US" sz="1400" dirty="0" smtClean="0"/>
-              <a:t>の値は標準化すべき</a:t>
-            </a:r>
-            <a:r>
-              <a:rPr lang="en-US" altLang="ja-JP" sz="1400" dirty="0" smtClean="0"/>
-              <a:t>.</a:t>
-            </a:r>
-            <a:br>
-              <a:rPr lang="en-US" altLang="ja-JP" sz="1400" dirty="0" smtClean="0"/>
-            </a:br>
-            <a:endParaRPr kumimoji="1" lang="en-US" altLang="ja-JP" sz="1400" dirty="0" smtClean="0"/>
-          </a:p>
-          <a:p>
-            <a:r>
-              <a:rPr kumimoji="1" lang="en-US" altLang="ja-JP" sz="1400" b="1" dirty="0" smtClean="0"/>
-              <a:t>1.2 mu</a:t>
-            </a:r>
-            <a:r>
-              <a:rPr kumimoji="1" lang="ja-JP" altLang="en-US" sz="1400" b="1" dirty="0" smtClean="0"/>
-              <a:t>に関する</a:t>
-            </a:r>
-            <a:r>
-              <a:rPr kumimoji="1" lang="en-US" altLang="ja-JP" sz="1400" b="1" dirty="0" smtClean="0"/>
-              <a:t>overflow</a:t>
-            </a:r>
-          </a:p>
-          <a:p>
-            <a:r>
-              <a:rPr kumimoji="1" lang="en-US" altLang="ja-JP" sz="1400" dirty="0" smtClean="0"/>
-              <a:t>	A. </a:t>
-            </a:r>
-            <a:r>
-              <a:rPr kumimoji="1" lang="ja-JP" altLang="en-US" sz="1400" dirty="0" smtClean="0"/>
-              <a:t>これも</a:t>
-            </a:r>
-            <a:r>
-              <a:rPr kumimoji="1" lang="en-US" altLang="ja-JP" sz="1400" dirty="0" err="1" smtClean="0"/>
-              <a:t>logMu</a:t>
-            </a:r>
-            <a:r>
-              <a:rPr kumimoji="1" lang="ja-JP" altLang="en-US" sz="1400" dirty="0" smtClean="0"/>
-              <a:t>にする</a:t>
-            </a:r>
-            <a:r>
-              <a:rPr lang="en-US" altLang="ja-JP" sz="1400" dirty="0"/>
-              <a:t/>
-            </a:r>
-            <a:br>
-              <a:rPr lang="en-US" altLang="ja-JP" sz="1400" dirty="0"/>
-            </a:br>
-            <a:endParaRPr kumimoji="1" lang="en-US" altLang="ja-JP" sz="1400" dirty="0" smtClean="0"/>
-          </a:p>
-          <a:p>
-            <a:endParaRPr kumimoji="1" lang="en-US" altLang="ja-JP" sz="1400" dirty="0"/>
-          </a:p>
-          <a:p>
-            <a:r>
-              <a:rPr lang="en-US" altLang="ja-JP" sz="1400" b="1" dirty="0"/>
-              <a:t>2. </a:t>
-            </a:r>
-            <a:r>
-              <a:rPr lang="en-US" altLang="ja-JP" sz="1400" b="1" dirty="0" err="1" smtClean="0"/>
-              <a:t>Nsample</a:t>
-            </a:r>
-            <a:r>
-              <a:rPr lang="en-US" altLang="ja-JP" sz="1400" b="1" dirty="0" smtClean="0"/>
-              <a:t> &gt; </a:t>
-            </a:r>
-            <a:r>
-              <a:rPr lang="ja-JP" altLang="en-US" sz="1400" b="1" dirty="0" smtClean="0"/>
-              <a:t>数万 程度</a:t>
-            </a:r>
-            <a:r>
-              <a:rPr lang="ja-JP" altLang="en-US" sz="1400" b="1" dirty="0"/>
-              <a:t>で</a:t>
-            </a:r>
-            <a:r>
-              <a:rPr lang="en-US" altLang="ja-JP" sz="1400" b="1" dirty="0" err="1"/>
-              <a:t>MemoryError</a:t>
-            </a:r>
-            <a:r>
-              <a:rPr lang="en-US" altLang="ja-JP" sz="1400" b="1" dirty="0"/>
-              <a:t>.</a:t>
-            </a:r>
-          </a:p>
-          <a:p>
-            <a:r>
-              <a:rPr kumimoji="1" lang="en-US" altLang="ja-JP" sz="1400" dirty="0" smtClean="0"/>
-              <a:t>(N x N</a:t>
-            </a:r>
-            <a:r>
-              <a:rPr kumimoji="1" lang="ja-JP" altLang="en-US" sz="1400" dirty="0" smtClean="0"/>
-              <a:t>の</a:t>
-            </a:r>
-            <a:r>
-              <a:rPr kumimoji="1" lang="en-US" altLang="ja-JP" sz="1400" dirty="0" err="1" smtClean="0"/>
-              <a:t>hatMatrix</a:t>
-            </a:r>
-            <a:r>
-              <a:rPr kumimoji="1" lang="ja-JP" altLang="en-US" sz="1400" dirty="0"/>
-              <a:t>の計算時</a:t>
-            </a:r>
-            <a:r>
-              <a:rPr kumimoji="1" lang="en-US" altLang="ja-JP" sz="1400" dirty="0"/>
-              <a:t>)</a:t>
-            </a:r>
-          </a:p>
-          <a:p>
-            <a:r>
-              <a:rPr lang="ja-JP" altLang="en-US" sz="1400" dirty="0"/>
-              <a:t>流石に使え無さすぎる</a:t>
-            </a:r>
-            <a:r>
-              <a:rPr lang="ja-JP" altLang="en-US" sz="1400" dirty="0" smtClean="0"/>
-              <a:t>ので</a:t>
-            </a:r>
-            <a:r>
-              <a:rPr lang="en-US" altLang="ja-JP" sz="1400" dirty="0"/>
-              <a:t>10</a:t>
-            </a:r>
-            <a:r>
-              <a:rPr lang="ja-JP" altLang="en-US" sz="1400" dirty="0" smtClean="0"/>
-              <a:t>万以上の</a:t>
-            </a:r>
-            <a:r>
-              <a:rPr lang="ja-JP" altLang="en-US" sz="1400" dirty="0" smtClean="0"/>
-              <a:t>エントリ</a:t>
-            </a:r>
-            <a:r>
-              <a:rPr lang="ja-JP" altLang="en-US" sz="1400" dirty="0"/>
-              <a:t>に対して</a:t>
-            </a:r>
-            <a:endParaRPr lang="en-US" altLang="ja-JP" sz="1400" dirty="0"/>
-          </a:p>
-          <a:p>
-            <a:r>
-              <a:rPr kumimoji="1" lang="ja-JP" altLang="en-US" sz="1400" dirty="0"/>
-              <a:t>計算</a:t>
-            </a:r>
-            <a:r>
-              <a:rPr kumimoji="1" lang="ja-JP" altLang="en-US" sz="1400" dirty="0" smtClean="0"/>
-              <a:t>でき</a:t>
-            </a:r>
-            <a:r>
-              <a:rPr lang="ja-JP" altLang="en-US" sz="1400" dirty="0"/>
-              <a:t>て欲しい</a:t>
-            </a:r>
-            <a:r>
-              <a:rPr kumimoji="1" lang="en-US" altLang="ja-JP" sz="1400" dirty="0" smtClean="0"/>
-              <a:t>.</a:t>
-            </a:r>
-            <a:endParaRPr kumimoji="1" lang="en-US" altLang="ja-JP" sz="1400" dirty="0"/>
-          </a:p>
-          <a:p>
-            <a:r>
-              <a:rPr kumimoji="1" lang="en-US" altLang="ja-JP" sz="1400" dirty="0" err="1"/>
-              <a:t>diagMat</a:t>
-            </a:r>
-            <a:r>
-              <a:rPr kumimoji="1" lang="ja-JP" altLang="en-US" sz="1400" dirty="0"/>
-              <a:t>が多い</a:t>
-            </a:r>
-            <a:r>
-              <a:rPr kumimoji="1" lang="ja-JP" altLang="en-US" sz="1400" dirty="0" smtClean="0"/>
-              <a:t>ので</a:t>
-            </a:r>
-            <a:r>
-              <a:rPr kumimoji="1" lang="en-US" altLang="ja-JP" sz="1400" dirty="0" smtClean="0"/>
-              <a:t>sparse</a:t>
-            </a:r>
-            <a:r>
-              <a:rPr kumimoji="1" lang="ja-JP" altLang="en-US" sz="1400" dirty="0"/>
-              <a:t>な</a:t>
-            </a:r>
-            <a:r>
-              <a:rPr lang="ja-JP" altLang="en-US" sz="1400" dirty="0"/>
-              <a:t>領域を</a:t>
-            </a:r>
-            <a:r>
-              <a:rPr kumimoji="1" lang="ja-JP" altLang="en-US" sz="1400" dirty="0"/>
-              <a:t>うまく節約できないか</a:t>
-            </a:r>
-            <a:r>
-              <a:rPr kumimoji="1" lang="en-US" altLang="ja-JP" sz="1400" dirty="0" smtClean="0"/>
-              <a:t>?</a:t>
-            </a:r>
-          </a:p>
-          <a:p>
-            <a:endParaRPr lang="en-US" altLang="ja-JP" sz="1400" dirty="0" smtClean="0"/>
-          </a:p>
-          <a:p>
-            <a:endParaRPr lang="en-US" altLang="ja-JP" sz="1400" dirty="0"/>
-          </a:p>
-          <a:p>
-            <a:r>
-              <a:rPr lang="en-US" altLang="ja-JP" sz="1400" b="1" dirty="0" smtClean="0"/>
-              <a:t>3. Gamma</a:t>
-            </a:r>
-            <a:r>
-              <a:rPr lang="ja-JP" altLang="en-US" sz="1400" b="1" dirty="0" smtClean="0"/>
-              <a:t>の発散</a:t>
-            </a:r>
-            <a:r>
-              <a:rPr lang="en-US" altLang="ja-JP" sz="1400" b="1" dirty="0" smtClean="0"/>
-              <a:t>.</a:t>
-            </a:r>
-            <a:br>
-              <a:rPr lang="en-US" altLang="ja-JP" sz="1400" b="1" dirty="0" smtClean="0"/>
-            </a:br>
-            <a:r>
-              <a:rPr lang="en-US" altLang="ja-JP" sz="1400" dirty="0" smtClean="0"/>
-              <a:t>gamma</a:t>
-            </a:r>
-            <a:r>
-              <a:rPr lang="ja-JP" altLang="en-US" sz="1400" dirty="0" smtClean="0"/>
-              <a:t>の</a:t>
-            </a:r>
-            <a:r>
-              <a:rPr lang="en-US" altLang="ja-JP" sz="1400" dirty="0" smtClean="0"/>
-              <a:t>update iteration(2</a:t>
-            </a:r>
-            <a:r>
-              <a:rPr lang="ja-JP" altLang="en-US" sz="1400" dirty="0" smtClean="0"/>
-              <a:t>回目</a:t>
-            </a:r>
-            <a:r>
-              <a:rPr lang="en-US" altLang="ja-JP" sz="1400" dirty="0" smtClean="0"/>
-              <a:t>)</a:t>
-            </a:r>
-            <a:r>
-              <a:rPr lang="ja-JP" altLang="en-US" sz="1400" dirty="0" err="1" smtClean="0"/>
-              <a:t>にて</a:t>
-            </a:r>
-            <a:r>
-              <a:rPr lang="en-US" altLang="ja-JP" sz="1400" dirty="0" smtClean="0"/>
-              <a:t>gamma</a:t>
-            </a:r>
-            <a:r>
-              <a:rPr lang="ja-JP" altLang="en-US" sz="1400" dirty="0" smtClean="0"/>
-              <a:t>は発散する</a:t>
-            </a:r>
-            <a:r>
-              <a:rPr lang="en-US" altLang="ja-JP" sz="1400" dirty="0" smtClean="0"/>
-              <a:t>.</a:t>
-            </a:r>
-            <a:br>
-              <a:rPr lang="en-US" altLang="ja-JP" sz="1400" dirty="0" smtClean="0"/>
-            </a:br>
-            <a:r>
-              <a:rPr lang="en-US" altLang="ja-JP" sz="1400" dirty="0" smtClean="0"/>
-              <a:t>=&gt; phi</a:t>
-            </a:r>
-            <a:r>
-              <a:rPr lang="ja-JP" altLang="en-US" sz="1400" dirty="0" smtClean="0"/>
-              <a:t>が発散している</a:t>
-            </a:r>
-            <a:r>
-              <a:rPr lang="ja-JP" altLang="en-US" sz="1400" dirty="0"/>
-              <a:t>の</a:t>
-            </a:r>
-            <a:r>
-              <a:rPr lang="ja-JP" altLang="en-US" sz="1400" dirty="0" smtClean="0"/>
-              <a:t>が原因</a:t>
-            </a:r>
-            <a:r>
-              <a:rPr lang="en-US" altLang="ja-JP" sz="1400" dirty="0" smtClean="0"/>
-              <a:t>.</a:t>
-            </a:r>
-          </a:p>
-          <a:p>
-            <a:r>
-              <a:rPr lang="en-US" altLang="ja-JP" sz="1400" b="1" dirty="0" smtClean="0"/>
-              <a:t>=&gt; </a:t>
-            </a:r>
-            <a:r>
-              <a:rPr lang="en-US" altLang="ja-JP" sz="1400" dirty="0" smtClean="0"/>
-              <a:t>Phi = </a:t>
-            </a:r>
-            <a:r>
-              <a:rPr lang="en-US" altLang="ja-JP" sz="1400" dirty="0" err="1" smtClean="0"/>
-              <a:t>Zγ</a:t>
-            </a:r>
-            <a:r>
-              <a:rPr lang="ja-JP" altLang="en-US" sz="1400" dirty="0" err="1" smtClean="0"/>
-              <a:t>なの</a:t>
-            </a:r>
-            <a:r>
-              <a:rPr lang="ja-JP" altLang="en-US" sz="1400" dirty="0" smtClean="0"/>
-              <a:t>で</a:t>
-            </a:r>
-            <a:r>
-              <a:rPr lang="en-US" altLang="ja-JP" sz="1400" dirty="0" smtClean="0"/>
-              <a:t>phi</a:t>
-            </a:r>
-            <a:r>
-              <a:rPr lang="ja-JP" altLang="en-US" sz="1400" dirty="0" smtClean="0"/>
-              <a:t>の発散は</a:t>
-            </a:r>
-            <a:r>
-              <a:rPr lang="en-US" altLang="ja-JP" sz="1400" dirty="0" smtClean="0"/>
-              <a:t>gamma</a:t>
-            </a:r>
-            <a:r>
-              <a:rPr lang="ja-JP" altLang="en-US" sz="1400" dirty="0" smtClean="0"/>
-              <a:t>が原因</a:t>
-            </a:r>
-            <a:r>
-              <a:rPr lang="en-US" altLang="ja-JP" sz="1400" dirty="0" smtClean="0"/>
-              <a:t>.</a:t>
-            </a:r>
-            <a:r>
-              <a:rPr lang="en-US" altLang="ja-JP" sz="1400" b="1" dirty="0" smtClean="0"/>
-              <a:t/>
-            </a:r>
-            <a:br>
-              <a:rPr lang="en-US" altLang="ja-JP" sz="1400" b="1" dirty="0" smtClean="0"/>
-            </a:br>
-            <a:r>
-              <a:rPr lang="en-US" altLang="ja-JP" sz="1400" b="1" dirty="0" smtClean="0"/>
-              <a:t>=&gt; </a:t>
-            </a:r>
-            <a:r>
-              <a:rPr lang="en-US" altLang="ja-JP" sz="1400" dirty="0" smtClean="0"/>
-              <a:t>…</a:t>
-            </a:r>
-            <a:r>
-              <a:rPr lang="ja-JP" altLang="en-US" sz="1400" dirty="0"/>
-              <a:t>以上を</a:t>
-            </a:r>
-            <a:r>
-              <a:rPr lang="ja-JP" altLang="en-US" sz="1400" dirty="0" smtClean="0"/>
-              <a:t>ループ</a:t>
-            </a:r>
-            <a:r>
-              <a:rPr lang="en-US" altLang="ja-JP" sz="1400" dirty="0" smtClean="0"/>
-              <a:t>…  </a:t>
-            </a:r>
-            <a:br>
-              <a:rPr lang="en-US" altLang="ja-JP" sz="1400" dirty="0" smtClean="0"/>
-            </a:br>
-            <a:r>
-              <a:rPr lang="en-US" altLang="ja-JP" sz="1400" dirty="0" smtClean="0"/>
-              <a:t>phi</a:t>
-            </a:r>
-            <a:r>
-              <a:rPr lang="ja-JP" altLang="en-US" sz="1400" dirty="0" smtClean="0"/>
-              <a:t>の初期値設定に問題がある</a:t>
-            </a:r>
-            <a:r>
-              <a:rPr lang="en-US" altLang="ja-JP" sz="1400" dirty="0" smtClean="0"/>
-              <a:t>, </a:t>
-            </a:r>
-            <a:r>
-              <a:rPr lang="ja-JP" altLang="en-US" sz="1400" dirty="0" smtClean="0"/>
-              <a:t>もしくは </a:t>
-            </a:r>
-            <a:r>
-              <a:rPr lang="en-US" altLang="ja-JP" sz="1400" dirty="0" smtClean="0"/>
-              <a:t>overflow</a:t>
-            </a:r>
-            <a:r>
-              <a:rPr lang="ja-JP" altLang="en-US" sz="1400" dirty="0" smtClean="0"/>
-              <a:t>問題が原因になっていると推測</a:t>
-            </a:r>
-            <a:r>
-              <a:rPr lang="en-US" altLang="ja-JP" sz="1400" smtClean="0"/>
-              <a:t>.</a:t>
-            </a:r>
-            <a:endParaRPr kumimoji="1" lang="ja-JP" altLang="en-US" sz="1400" dirty="0"/>
+            <a:r>
+              <a:rPr kumimoji="1" lang="en-US" altLang="ja-JP" dirty="0" smtClean="0"/>
+              <a:t>[7]</a:t>
+            </a:r>
+            <a:r>
+              <a:rPr kumimoji="1" lang="ja-JP" altLang="en-US" dirty="0" smtClean="0"/>
+              <a:t>を読むと分かりそう</a:t>
+            </a:r>
+            <a:endParaRPr kumimoji="1" lang="en-US" altLang="ja-JP" dirty="0" smtClean="0"/>
           </a:p>
         </p:txBody>
       </p:sp>
     </p:spTree>
     <p:extLst>
       <p:ext uri="{BB962C8B-B14F-4D97-AF65-F5344CB8AC3E}">
-        <p14:creationId xmlns:p14="http://schemas.microsoft.com/office/powerpoint/2010/main" val="1128036309"/>
+        <p14:creationId xmlns:p14="http://schemas.microsoft.com/office/powerpoint/2010/main" val="2498150906"/>
       </p:ext>
     </p:extLst>
   </p:cSld>
   <p:clrMapOvr>
     <a:masterClrMapping/>
   </p:clrMapOvr>
-  <mc:AlternateContent xmlns:mc="http://schemas.openxmlformats.org/markup-compatibility/2006">
-    <mc:Choice xmlns:p14="http://schemas.microsoft.com/office/powerpoint/2010/main" Requires="p14">
-      <p:transition spd="slow" p14:dur="2000"/>
-    </mc:Choice>
-    <mc:Fallback>
-      <p:transition spd="slow"/>
-    </mc:Fallback>
-  </mc:AlternateContent>
 </p:sld>
 </file>
 
@@ -12351,7 +12262,7 @@
           <p:cNvPr id="4" name="テキスト ボックス 3">
             <a:extLst>
               <a:ext uri="{FF2B5EF4-FFF2-40B4-BE49-F238E27FC236}">
-                <a16:creationId xmlns:a16="http://schemas.microsoft.com/office/drawing/2014/main" xmlns="" id="{4ED92A3C-739C-7643-AB14-7BFA5282AA95}"/>
+                <a16:creationId xmlns="" xmlns:a16="http://schemas.microsoft.com/office/drawing/2014/main" id="{4ED92A3C-739C-7643-AB14-7BFA5282AA95}"/>
               </a:ext>
             </a:extLst>
           </p:cNvPr>
@@ -12376,23 +12287,27 @@
           <a:p>
             <a:pPr algn="ctr"/>
             <a:r>
-              <a:rPr lang="ja-JP" altLang="en-US" sz="2800" b="1" u="sng"/>
-              <a:t>課題</a:t>
-            </a:r>
-            <a:r>
-              <a:rPr kumimoji="1" lang="ja-JP" altLang="en-US" sz="2800" b="1" u="sng"/>
-              <a:t>・懸念</a:t>
-            </a:r>
-            <a:endParaRPr kumimoji="1" lang="en-US" altLang="ja-JP" sz="2800" b="1" u="sng"/>
+              <a:rPr kumimoji="1" lang="en-US" altLang="ja-JP" sz="2800" b="1" u="sng" dirty="0" smtClean="0"/>
+              <a:t>Issue(</a:t>
+            </a:r>
+            <a:r>
+              <a:rPr kumimoji="1" lang="en-US" altLang="ja-JP" sz="2800" b="1" u="sng" dirty="0" err="1" smtClean="0"/>
+              <a:t>Py</a:t>
+            </a:r>
+            <a:r>
+              <a:rPr kumimoji="1" lang="en-US" altLang="ja-JP" sz="2800" b="1" u="sng" dirty="0" smtClean="0"/>
+              <a:t>)</a:t>
+            </a:r>
+            <a:endParaRPr kumimoji="1" lang="en-US" altLang="ja-JP" sz="2800" b="1" u="sng" dirty="0"/>
           </a:p>
         </p:txBody>
       </p:sp>
       <p:sp>
         <p:nvSpPr>
-          <p:cNvPr id="5" name="テキスト ボックス 4">
+          <p:cNvPr id="2" name="テキスト ボックス 1">
             <a:extLst>
               <a:ext uri="{FF2B5EF4-FFF2-40B4-BE49-F238E27FC236}">
-                <a16:creationId xmlns:a16="http://schemas.microsoft.com/office/drawing/2014/main" xmlns="" id="{2A0E59D8-1404-1F45-93F8-D91A65FFE781}"/>
+                <a16:creationId xmlns="" xmlns:a16="http://schemas.microsoft.com/office/drawing/2014/main" id="{B8A9D090-0D1A-5641-90A8-161F1761A6AB}"/>
               </a:ext>
             </a:extLst>
           </p:cNvPr>
@@ -12401,8 +12316,8 @@
         </p:nvSpPr>
         <p:spPr>
           <a:xfrm>
-            <a:off x="2315184" y="1031131"/>
-            <a:ext cx="979755" cy="369332"/>
+            <a:off x="396573" y="947809"/>
+            <a:ext cx="11327665" cy="5047536"/>
           </a:xfrm>
           <a:prstGeom prst="rect">
             <a:avLst/>
@@ -12410,623 +12325,527 @@
           <a:noFill/>
         </p:spPr>
         <p:txBody>
-          <a:bodyPr wrap="none" rtlCol="0">
+          <a:bodyPr wrap="square" rtlCol="0">
             <a:spAutoFit/>
           </a:bodyPr>
           <a:lstStyle/>
           <a:p>
             <a:r>
-              <a:rPr kumimoji="1" lang="en-US" altLang="ja-JP"/>
-              <a:t>&lt;</a:t>
-            </a:r>
-            <a:r>
-              <a:rPr kumimoji="1" lang="ja-JP" altLang="en-US"/>
-              <a:t>理論</a:t>
-            </a:r>
-            <a:r>
-              <a:rPr kumimoji="1" lang="en-US" altLang="ja-JP"/>
-              <a:t>&gt;</a:t>
-            </a:r>
-            <a:endParaRPr kumimoji="1" lang="ja-JP" altLang="en-US"/>
-          </a:p>
-        </p:txBody>
-      </p:sp>
-      <p:sp>
-        <p:nvSpPr>
-          <p:cNvPr id="6" name="テキスト ボックス 5">
-            <a:extLst>
-              <a:ext uri="{FF2B5EF4-FFF2-40B4-BE49-F238E27FC236}">
-                <a16:creationId xmlns:a16="http://schemas.microsoft.com/office/drawing/2014/main" xmlns="" id="{C7C94CFA-D747-124F-9948-6DB8511B1DF2}"/>
-              </a:ext>
-            </a:extLst>
-          </p:cNvPr>
-          <p:cNvSpPr txBox="1"/>
-          <p:nvPr/>
-        </p:nvSpPr>
-        <p:spPr>
-          <a:xfrm>
-            <a:off x="8156646" y="1031131"/>
-            <a:ext cx="979755" cy="369332"/>
-          </a:xfrm>
-          <a:prstGeom prst="rect">
-            <a:avLst/>
-          </a:prstGeom>
-          <a:noFill/>
-        </p:spPr>
-        <p:txBody>
-          <a:bodyPr wrap="none" rtlCol="0">
-            <a:spAutoFit/>
-          </a:bodyPr>
-          <a:lstStyle/>
-          <a:p>
-            <a:r>
-              <a:rPr kumimoji="1" lang="en-US" altLang="ja-JP"/>
-              <a:t>&lt;</a:t>
-            </a:r>
-            <a:r>
-              <a:rPr lang="ja-JP" altLang="en-US"/>
-              <a:t>実装</a:t>
-            </a:r>
-            <a:r>
-              <a:rPr kumimoji="1" lang="en-US" altLang="ja-JP"/>
-              <a:t>&gt;</a:t>
-            </a:r>
-            <a:endParaRPr kumimoji="1" lang="ja-JP" altLang="en-US"/>
-          </a:p>
-        </p:txBody>
-      </p:sp>
-      <p:sp>
-        <p:nvSpPr>
-          <p:cNvPr id="8" name="テキスト ボックス 7">
-            <a:extLst>
-              <a:ext uri="{FF2B5EF4-FFF2-40B4-BE49-F238E27FC236}">
-                <a16:creationId xmlns:a16="http://schemas.microsoft.com/office/drawing/2014/main" xmlns="" id="{F6CAB4E9-B36F-9845-B0CE-C41BE6E32B04}"/>
-              </a:ext>
-            </a:extLst>
-          </p:cNvPr>
-          <p:cNvSpPr txBox="1"/>
-          <p:nvPr/>
-        </p:nvSpPr>
-        <p:spPr>
-          <a:xfrm>
-            <a:off x="194547" y="1529498"/>
-            <a:ext cx="6024406" cy="2031325"/>
-          </a:xfrm>
-          <a:prstGeom prst="rect">
-            <a:avLst/>
-          </a:prstGeom>
-          <a:noFill/>
-        </p:spPr>
-        <p:txBody>
-          <a:bodyPr wrap="none" rtlCol="0">
-            <a:spAutoFit/>
-          </a:bodyPr>
-          <a:lstStyle/>
-          <a:p>
-            <a:pPr marL="285750" indent="-285750">
-              <a:buFont typeface="Wingdings" pitchFamily="2" charset="2"/>
-              <a:buChar char="ü"/>
-            </a:pPr>
-            <a:r>
-              <a:rPr kumimoji="1" lang="en-US" altLang="ja-JP"/>
-              <a:t>GLM</a:t>
-            </a:r>
-            <a:r>
-              <a:rPr kumimoji="1" lang="ja-JP" altLang="en-US"/>
-              <a:t>についての理解が足りていない</a:t>
-            </a:r>
-            <a:r>
-              <a:rPr kumimoji="1" lang="en-US" altLang="ja-JP"/>
+              <a:rPr kumimoji="1" lang="en-US" altLang="ja-JP" sz="1400" b="1" dirty="0" smtClean="0"/>
+              <a:t>1.1 phi^2</a:t>
+            </a:r>
+            <a:r>
+              <a:rPr kumimoji="1" lang="ja-JP" altLang="en-US" sz="1400" b="1" dirty="0" err="1" smtClean="0"/>
+              <a:t>での</a:t>
+            </a:r>
+            <a:r>
+              <a:rPr kumimoji="1" lang="en-US" altLang="ja-JP" sz="1400" b="1" dirty="0" smtClean="0"/>
+              <a:t>overflow.</a:t>
+            </a:r>
+            <a:r>
+              <a:rPr lang="en-US" altLang="ja-JP" sz="1400" dirty="0" smtClean="0"/>
+              <a:t>(</a:t>
+            </a:r>
+            <a:r>
+              <a:rPr lang="en-US" altLang="ja-JP" sz="1400" dirty="0"/>
+              <a:t>phi</a:t>
+            </a:r>
+            <a:r>
+              <a:rPr lang="ja-JP" altLang="en-US" sz="1400" dirty="0"/>
+              <a:t>＝</a:t>
+            </a:r>
+            <a:r>
+              <a:rPr lang="en-US" altLang="ja-JP" sz="1400" dirty="0" err="1"/>
+              <a:t>exp</a:t>
+            </a:r>
+            <a:r>
+              <a:rPr lang="en-US" altLang="ja-JP" sz="1400" dirty="0"/>
+              <a:t>(</a:t>
+            </a:r>
+            <a:r>
+              <a:rPr lang="en-US" altLang="ja-JP" sz="1400" dirty="0" err="1"/>
+              <a:t>Zγ</a:t>
+            </a:r>
+            <a:r>
+              <a:rPr lang="en-US" altLang="ja-JP" sz="1400" dirty="0"/>
+              <a:t>)</a:t>
+            </a:r>
+            <a:r>
+              <a:rPr lang="ja-JP" altLang="en-US" sz="1400" dirty="0"/>
+              <a:t>で限界まで大きくなっているため</a:t>
+            </a:r>
+            <a:r>
+              <a:rPr lang="en-US" altLang="ja-JP" sz="1400" dirty="0"/>
+              <a:t>)</a:t>
+            </a:r>
+          </a:p>
+          <a:p>
+            <a:pPr lvl="1"/>
+            <a:r>
+              <a:rPr lang="en-US" altLang="ja-JP" sz="1400" dirty="0" smtClean="0"/>
+              <a:t>	A. </a:t>
+            </a:r>
+            <a:r>
+              <a:rPr lang="en-US" altLang="ja-JP" sz="1400" dirty="0" err="1" smtClean="0"/>
+              <a:t>logPhi</a:t>
+            </a:r>
+            <a:r>
+              <a:rPr lang="ja-JP" altLang="en-US" sz="1400" dirty="0"/>
+              <a:t>を計算</a:t>
+            </a:r>
+            <a:r>
+              <a:rPr lang="ja-JP" altLang="en-US" sz="1400" dirty="0" smtClean="0"/>
+              <a:t>する</a:t>
+            </a:r>
+            <a:r>
+              <a:rPr lang="en-US" altLang="ja-JP" sz="1400" dirty="0" smtClean="0"/>
+              <a:t/>
+            </a:r>
+            <a:br>
+              <a:rPr lang="en-US" altLang="ja-JP" sz="1400" dirty="0" smtClean="0"/>
+            </a:br>
+            <a:r>
+              <a:rPr lang="en-US" altLang="ja-JP" sz="1400" dirty="0" smtClean="0"/>
+              <a:t>	=&gt; </a:t>
+            </a:r>
+            <a:r>
+              <a:rPr lang="ja-JP" altLang="en-US" sz="1400" dirty="0" smtClean="0"/>
+              <a:t>解決</a:t>
+            </a:r>
+            <a:r>
+              <a:rPr lang="en-US" altLang="ja-JP" sz="1400" dirty="0" smtClean="0"/>
+              <a:t>(?)</a:t>
+            </a:r>
+            <a:br>
+              <a:rPr lang="en-US" altLang="ja-JP" sz="1400" dirty="0" smtClean="0"/>
+            </a:br>
+            <a:r>
+              <a:rPr lang="en-US" altLang="ja-JP" sz="1400" dirty="0" smtClean="0"/>
+              <a:t>	=&gt; Feature(</a:t>
+            </a:r>
+            <a:r>
+              <a:rPr lang="en-US" altLang="ja-JP" sz="1400" dirty="0" err="1" smtClean="0"/>
+              <a:t>x,z</a:t>
+            </a:r>
+            <a:r>
+              <a:rPr lang="en-US" altLang="ja-JP" sz="1400" dirty="0" smtClean="0"/>
+              <a:t>)</a:t>
+            </a:r>
+            <a:r>
+              <a:rPr lang="ja-JP" altLang="en-US" sz="1400" dirty="0" smtClean="0"/>
+              <a:t>の値が大きい場合またしても</a:t>
+            </a:r>
+            <a:r>
+              <a:rPr lang="en-US" altLang="ja-JP" sz="1400" dirty="0" smtClean="0"/>
+              <a:t>overflow.</a:t>
+            </a:r>
+            <a:br>
+              <a:rPr lang="en-US" altLang="ja-JP" sz="1400" dirty="0" smtClean="0"/>
+            </a:br>
+            <a:r>
+              <a:rPr lang="en-US" altLang="ja-JP" sz="1400" dirty="0"/>
+              <a:t>	</a:t>
+            </a:r>
+            <a:r>
+              <a:rPr lang="en-US" altLang="ja-JP" sz="1400" dirty="0" smtClean="0"/>
+              <a:t>	A. </a:t>
+            </a:r>
+            <a:r>
+              <a:rPr lang="en-US" altLang="ja-JP" sz="1400" dirty="0" err="1" smtClean="0"/>
+              <a:t>x,z</a:t>
+            </a:r>
+            <a:r>
+              <a:rPr lang="ja-JP" altLang="en-US" sz="1400" dirty="0" smtClean="0"/>
+              <a:t>の値は標準化すべき</a:t>
+            </a:r>
+            <a:r>
+              <a:rPr lang="en-US" altLang="ja-JP" sz="1400" dirty="0" smtClean="0"/>
               <a:t>.</a:t>
             </a:r>
-          </a:p>
-          <a:p>
-            <a:pPr lvl="1"/>
-            <a:r>
-              <a:rPr lang="en-US" altLang="ja-JP" sz="1200"/>
-              <a:t>1. unit deviance</a:t>
-            </a:r>
-            <a:r>
-              <a:rPr lang="ja-JP" altLang="en-US" sz="1200"/>
-              <a:t>とは何か</a:t>
-            </a:r>
-            <a:r>
-              <a:rPr lang="en-US" altLang="ja-JP" sz="1200"/>
-              <a:t>(=</a:t>
-            </a:r>
-            <a:r>
-              <a:rPr lang="ja-JP" altLang="en-US" sz="1200"/>
-              <a:t>なぜあの表式なのか</a:t>
-            </a:r>
-            <a:r>
-              <a:rPr lang="en-US" altLang="ja-JP" sz="1200"/>
+            <a:br>
+              <a:rPr lang="en-US" altLang="ja-JP" sz="1400" dirty="0" smtClean="0"/>
+            </a:br>
+            <a:endParaRPr kumimoji="1" lang="en-US" altLang="ja-JP" sz="1400" dirty="0" smtClean="0"/>
+          </a:p>
+          <a:p>
+            <a:r>
+              <a:rPr kumimoji="1" lang="en-US" altLang="ja-JP" sz="1400" b="1" dirty="0" smtClean="0"/>
+              <a:t>1.2 mu</a:t>
+            </a:r>
+            <a:r>
+              <a:rPr kumimoji="1" lang="ja-JP" altLang="en-US" sz="1400" b="1" dirty="0" smtClean="0"/>
+              <a:t>に関する</a:t>
+            </a:r>
+            <a:r>
+              <a:rPr kumimoji="1" lang="en-US" altLang="ja-JP" sz="1400" b="1" dirty="0" smtClean="0"/>
+              <a:t>overflow</a:t>
+            </a:r>
+          </a:p>
+          <a:p>
+            <a:r>
+              <a:rPr kumimoji="1" lang="en-US" altLang="ja-JP" sz="1400" dirty="0" smtClean="0"/>
+              <a:t>	A. </a:t>
+            </a:r>
+            <a:r>
+              <a:rPr kumimoji="1" lang="ja-JP" altLang="en-US" sz="1400" dirty="0" smtClean="0"/>
+              <a:t>これも</a:t>
+            </a:r>
+            <a:r>
+              <a:rPr kumimoji="1" lang="en-US" altLang="ja-JP" sz="1400" dirty="0" err="1" smtClean="0"/>
+              <a:t>logMu</a:t>
+            </a:r>
+            <a:r>
+              <a:rPr kumimoji="1" lang="ja-JP" altLang="en-US" sz="1400" dirty="0" smtClean="0"/>
+              <a:t>にする</a:t>
+            </a:r>
+            <a:r>
+              <a:rPr lang="en-US" altLang="ja-JP" sz="1400" dirty="0"/>
+              <a:t/>
+            </a:r>
+            <a:br>
+              <a:rPr lang="en-US" altLang="ja-JP" sz="1400" dirty="0"/>
+            </a:br>
+            <a:endParaRPr kumimoji="1" lang="en-US" altLang="ja-JP" sz="1400" dirty="0" smtClean="0"/>
+          </a:p>
+          <a:p>
+            <a:endParaRPr kumimoji="1" lang="en-US" altLang="ja-JP" sz="1400" dirty="0"/>
+          </a:p>
+          <a:p>
+            <a:r>
+              <a:rPr lang="en-US" altLang="ja-JP" sz="1400" b="1" dirty="0"/>
+              <a:t>2. </a:t>
+            </a:r>
+            <a:r>
+              <a:rPr lang="en-US" altLang="ja-JP" sz="1400" b="1" dirty="0" err="1" smtClean="0"/>
+              <a:t>Nsample</a:t>
+            </a:r>
+            <a:r>
+              <a:rPr lang="en-US" altLang="ja-JP" sz="1400" b="1" dirty="0" smtClean="0"/>
+              <a:t> &gt; </a:t>
+            </a:r>
+            <a:r>
+              <a:rPr lang="ja-JP" altLang="en-US" sz="1400" b="1" dirty="0" smtClean="0"/>
+              <a:t>数万 程度</a:t>
+            </a:r>
+            <a:r>
+              <a:rPr lang="ja-JP" altLang="en-US" sz="1400" b="1" dirty="0"/>
+              <a:t>で</a:t>
+            </a:r>
+            <a:r>
+              <a:rPr lang="en-US" altLang="ja-JP" sz="1400" b="1" dirty="0" err="1"/>
+              <a:t>MemoryError</a:t>
+            </a:r>
+            <a:r>
+              <a:rPr lang="en-US" altLang="ja-JP" sz="1400" b="1" dirty="0"/>
+              <a:t>.</a:t>
+            </a:r>
+          </a:p>
+          <a:p>
+            <a:r>
+              <a:rPr kumimoji="1" lang="en-US" altLang="ja-JP" sz="1400" dirty="0" smtClean="0"/>
+              <a:t>(N x N</a:t>
+            </a:r>
+            <a:r>
+              <a:rPr kumimoji="1" lang="ja-JP" altLang="en-US" sz="1400" dirty="0" smtClean="0"/>
+              <a:t>の</a:t>
+            </a:r>
+            <a:r>
+              <a:rPr kumimoji="1" lang="en-US" altLang="ja-JP" sz="1400" dirty="0" err="1" smtClean="0"/>
+              <a:t>hatMatrix</a:t>
+            </a:r>
+            <a:r>
+              <a:rPr kumimoji="1" lang="ja-JP" altLang="en-US" sz="1400" dirty="0"/>
+              <a:t>の計算時</a:t>
+            </a:r>
+            <a:r>
+              <a:rPr kumimoji="1" lang="en-US" altLang="ja-JP" sz="1400" dirty="0"/>
               <a:t>)</a:t>
             </a:r>
           </a:p>
           <a:p>
-            <a:pPr lvl="1"/>
-            <a:r>
-              <a:rPr kumimoji="1" lang="en-US" altLang="ja-JP" sz="1200"/>
-              <a:t>2. original model</a:t>
-            </a:r>
-            <a:r>
-              <a:rPr kumimoji="1" lang="ja-JP" altLang="en-US" sz="1200"/>
-              <a:t>で仮定されている分布は何か</a:t>
-            </a:r>
-            <a:r>
-              <a:rPr kumimoji="1" lang="en-US" altLang="ja-JP" sz="1200"/>
-              <a:t>(GLM(1&lt;θ&lt;2)</a:t>
-            </a:r>
-            <a:r>
-              <a:rPr kumimoji="1" lang="ja-JP" altLang="en-US" sz="1200"/>
-              <a:t>であってる</a:t>
-            </a:r>
-            <a:r>
-              <a:rPr kumimoji="1" lang="en-US" altLang="ja-JP" sz="1200"/>
-              <a:t>?)</a:t>
-            </a:r>
-            <a:r>
-              <a:rPr lang="en-US" altLang="ja-JP" sz="1200"/>
+            <a:r>
+              <a:rPr lang="ja-JP" altLang="en-US" sz="1400" dirty="0"/>
+              <a:t>流石に使え無さすぎる</a:t>
+            </a:r>
+            <a:r>
+              <a:rPr lang="ja-JP" altLang="en-US" sz="1400" dirty="0" smtClean="0"/>
+              <a:t>ので</a:t>
+            </a:r>
+            <a:r>
+              <a:rPr lang="en-US" altLang="ja-JP" sz="1400" dirty="0"/>
+              <a:t>10</a:t>
+            </a:r>
+            <a:r>
+              <a:rPr lang="ja-JP" altLang="en-US" sz="1400" dirty="0" smtClean="0"/>
+              <a:t>万以上のエントリ</a:t>
+            </a:r>
+            <a:r>
+              <a:rPr lang="ja-JP" altLang="en-US" sz="1400" dirty="0"/>
+              <a:t>に対して</a:t>
+            </a:r>
+            <a:endParaRPr lang="en-US" altLang="ja-JP" sz="1400" dirty="0"/>
+          </a:p>
+          <a:p>
+            <a:r>
+              <a:rPr kumimoji="1" lang="ja-JP" altLang="en-US" sz="1400" dirty="0"/>
+              <a:t>計算</a:t>
+            </a:r>
+            <a:r>
+              <a:rPr kumimoji="1" lang="ja-JP" altLang="en-US" sz="1400" dirty="0" smtClean="0"/>
+              <a:t>でき</a:t>
+            </a:r>
+            <a:r>
+              <a:rPr lang="ja-JP" altLang="en-US" sz="1400" dirty="0"/>
+              <a:t>て欲しい</a:t>
+            </a:r>
+            <a:r>
+              <a:rPr kumimoji="1" lang="en-US" altLang="ja-JP" sz="1400" dirty="0" smtClean="0"/>
+              <a:t>.</a:t>
+            </a:r>
+            <a:endParaRPr kumimoji="1" lang="en-US" altLang="ja-JP" sz="1400" dirty="0"/>
+          </a:p>
+          <a:p>
+            <a:r>
+              <a:rPr kumimoji="1" lang="en-US" altLang="ja-JP" sz="1400" dirty="0" err="1"/>
+              <a:t>diagMat</a:t>
+            </a:r>
+            <a:r>
+              <a:rPr kumimoji="1" lang="ja-JP" altLang="en-US" sz="1400" dirty="0"/>
+              <a:t>が多い</a:t>
+            </a:r>
+            <a:r>
+              <a:rPr kumimoji="1" lang="ja-JP" altLang="en-US" sz="1400" dirty="0" smtClean="0"/>
+              <a:t>ので</a:t>
+            </a:r>
+            <a:r>
+              <a:rPr kumimoji="1" lang="en-US" altLang="ja-JP" sz="1400" dirty="0" smtClean="0"/>
+              <a:t>sparse</a:t>
+            </a:r>
+            <a:r>
+              <a:rPr kumimoji="1" lang="ja-JP" altLang="en-US" sz="1400" dirty="0"/>
+              <a:t>な</a:t>
+            </a:r>
+            <a:r>
+              <a:rPr lang="ja-JP" altLang="en-US" sz="1400" dirty="0"/>
+              <a:t>領域を</a:t>
+            </a:r>
+            <a:r>
+              <a:rPr kumimoji="1" lang="ja-JP" altLang="en-US" sz="1400" dirty="0"/>
+              <a:t>うまく節約できないか</a:t>
+            </a:r>
+            <a:r>
+              <a:rPr kumimoji="1" lang="en-US" altLang="ja-JP" sz="1400" dirty="0" smtClean="0"/>
+              <a:t>?</a:t>
+            </a:r>
+          </a:p>
+          <a:p>
+            <a:endParaRPr lang="en-US" altLang="ja-JP" sz="1400" dirty="0" smtClean="0"/>
+          </a:p>
+          <a:p>
+            <a:endParaRPr lang="en-US" altLang="ja-JP" sz="1400" dirty="0"/>
+          </a:p>
+          <a:p>
+            <a:r>
+              <a:rPr lang="en-US" altLang="ja-JP" sz="1400" b="1" dirty="0" smtClean="0"/>
+              <a:t>3. Gamma</a:t>
+            </a:r>
+            <a:r>
+              <a:rPr lang="ja-JP" altLang="en-US" sz="1400" b="1" dirty="0" smtClean="0"/>
+              <a:t>の発散</a:t>
+            </a:r>
+            <a:r>
+              <a:rPr lang="en-US" altLang="ja-JP" sz="1400" b="1" dirty="0" smtClean="0"/>
+              <a:t>.</a:t>
+            </a:r>
+            <a:br>
+              <a:rPr lang="en-US" altLang="ja-JP" sz="1400" b="1" dirty="0" smtClean="0"/>
+            </a:br>
+            <a:r>
+              <a:rPr lang="en-US" altLang="ja-JP" sz="1400" dirty="0" smtClean="0"/>
+              <a:t>gamma</a:t>
+            </a:r>
+            <a:r>
+              <a:rPr lang="ja-JP" altLang="en-US" sz="1400" dirty="0" smtClean="0"/>
+              <a:t>の</a:t>
+            </a:r>
+            <a:r>
+              <a:rPr lang="en-US" altLang="ja-JP" sz="1400" dirty="0" smtClean="0"/>
+              <a:t>update iteration(2</a:t>
+            </a:r>
+            <a:r>
+              <a:rPr lang="ja-JP" altLang="en-US" sz="1400" dirty="0" smtClean="0"/>
+              <a:t>回目</a:t>
+            </a:r>
+            <a:r>
+              <a:rPr lang="en-US" altLang="ja-JP" sz="1400" dirty="0" smtClean="0"/>
+              <a:t>)</a:t>
+            </a:r>
+            <a:r>
+              <a:rPr lang="ja-JP" altLang="en-US" sz="1400" dirty="0" err="1" smtClean="0"/>
+              <a:t>にて</a:t>
+            </a:r>
+            <a:r>
+              <a:rPr lang="en-US" altLang="ja-JP" sz="1400" dirty="0" smtClean="0"/>
+              <a:t>gamma</a:t>
+            </a:r>
+            <a:r>
+              <a:rPr lang="ja-JP" altLang="en-US" sz="1400" dirty="0" smtClean="0"/>
+              <a:t>は発散する</a:t>
+            </a:r>
+            <a:r>
+              <a:rPr lang="en-US" altLang="ja-JP" sz="1400" dirty="0" smtClean="0"/>
+              <a:t>.</a:t>
+            </a:r>
+            <a:br>
+              <a:rPr lang="en-US" altLang="ja-JP" sz="1400" dirty="0" smtClean="0"/>
+            </a:br>
+            <a:r>
+              <a:rPr lang="en-US" altLang="ja-JP" sz="1400" dirty="0" smtClean="0"/>
+              <a:t>=&gt; phi</a:t>
+            </a:r>
+            <a:r>
+              <a:rPr lang="ja-JP" altLang="en-US" sz="1400" dirty="0" smtClean="0"/>
+              <a:t>が発散している</a:t>
+            </a:r>
+            <a:r>
+              <a:rPr lang="ja-JP" altLang="en-US" sz="1400" dirty="0"/>
+              <a:t>の</a:t>
+            </a:r>
+            <a:r>
+              <a:rPr lang="ja-JP" altLang="en-US" sz="1400" dirty="0" smtClean="0"/>
+              <a:t>が原因</a:t>
+            </a:r>
+            <a:r>
+              <a:rPr lang="en-US" altLang="ja-JP" sz="1400" dirty="0" smtClean="0"/>
+              <a:t>.</a:t>
+            </a:r>
+          </a:p>
+          <a:p>
+            <a:r>
+              <a:rPr lang="en-US" altLang="ja-JP" sz="1400" b="1" dirty="0" smtClean="0"/>
+              <a:t>=&gt; </a:t>
+            </a:r>
+            <a:r>
+              <a:rPr lang="en-US" altLang="ja-JP" sz="1400" dirty="0" smtClean="0"/>
+              <a:t>Phi = </a:t>
+            </a:r>
+            <a:r>
+              <a:rPr lang="en-US" altLang="ja-JP" sz="1400" dirty="0" err="1" smtClean="0"/>
+              <a:t>Zγ</a:t>
+            </a:r>
+            <a:r>
+              <a:rPr lang="ja-JP" altLang="en-US" sz="1400" dirty="0" err="1" smtClean="0"/>
+              <a:t>なの</a:t>
+            </a:r>
+            <a:r>
+              <a:rPr lang="ja-JP" altLang="en-US" sz="1400" dirty="0" smtClean="0"/>
+              <a:t>で</a:t>
+            </a:r>
+            <a:r>
+              <a:rPr lang="en-US" altLang="ja-JP" sz="1400" dirty="0" smtClean="0"/>
+              <a:t>phi</a:t>
+            </a:r>
+            <a:r>
+              <a:rPr lang="ja-JP" altLang="en-US" sz="1400" dirty="0" smtClean="0"/>
+              <a:t>の発散は</a:t>
+            </a:r>
+            <a:r>
+              <a:rPr lang="en-US" altLang="ja-JP" sz="1400" dirty="0" smtClean="0"/>
+              <a:t>gamma</a:t>
+            </a:r>
+            <a:r>
+              <a:rPr lang="ja-JP" altLang="en-US" sz="1400" dirty="0" smtClean="0"/>
+              <a:t>が原因</a:t>
+            </a:r>
+            <a:r>
+              <a:rPr lang="en-US" altLang="ja-JP" sz="1400" dirty="0" smtClean="0"/>
+              <a:t>.</a:t>
+            </a:r>
+            <a:r>
+              <a:rPr lang="en-US" altLang="ja-JP" sz="1400" b="1" dirty="0" smtClean="0"/>
               <a:t/>
             </a:r>
             <a:br>
-              <a:rPr lang="en-US" altLang="ja-JP" sz="1200"/>
+              <a:rPr lang="en-US" altLang="ja-JP" sz="1400" b="1" dirty="0" smtClean="0"/>
             </a:br>
             <a:r>
-              <a:rPr lang="en-US" altLang="ja-JP" sz="1200"/>
-              <a:t>3. </a:t>
-            </a:r>
-            <a:r>
-              <a:rPr lang="ja-JP" altLang="en-US" sz="1200"/>
-              <a:t>とすると</a:t>
-            </a:r>
-            <a:r>
-              <a:rPr lang="en-US" altLang="ja-JP" sz="1200"/>
-              <a:t>Fisher scoring iteration</a:t>
-            </a:r>
-            <a:r>
-              <a:rPr lang="ja-JP" altLang="en-US" sz="1200"/>
-              <a:t>の式</a:t>
-            </a:r>
-            <a:r>
-              <a:rPr lang="en-US" altLang="ja-JP" sz="1200"/>
-              <a:t>(3)</a:t>
-            </a:r>
-            <a:r>
-              <a:rPr lang="ja-JP" altLang="en-US" sz="1200"/>
-              <a:t>が導かれる過程がわからない</a:t>
-            </a:r>
-            <a:r>
-              <a:rPr lang="en-US" altLang="ja-JP" sz="1200"/>
-              <a:t/>
+              <a:rPr lang="en-US" altLang="ja-JP" sz="1400" b="1" dirty="0" smtClean="0"/>
+              <a:t>=&gt; </a:t>
+            </a:r>
+            <a:r>
+              <a:rPr lang="en-US" altLang="ja-JP" sz="1400" dirty="0" smtClean="0"/>
+              <a:t>…</a:t>
+            </a:r>
+            <a:r>
+              <a:rPr lang="ja-JP" altLang="en-US" sz="1400" dirty="0"/>
+              <a:t>以上を</a:t>
+            </a:r>
+            <a:r>
+              <a:rPr lang="ja-JP" altLang="en-US" sz="1400" dirty="0" smtClean="0"/>
+              <a:t>ループ</a:t>
+            </a:r>
+            <a:r>
+              <a:rPr lang="en-US" altLang="ja-JP" sz="1400" dirty="0" smtClean="0"/>
+              <a:t>…  </a:t>
             </a:r>
             <a:br>
-              <a:rPr lang="en-US" altLang="ja-JP" sz="1200"/>
+              <a:rPr lang="en-US" altLang="ja-JP" sz="1400" dirty="0" smtClean="0"/>
             </a:br>
             <a:r>
-              <a:rPr lang="en-US" altLang="ja-JP" sz="1200"/>
-              <a:t>(beta</a:t>
-            </a:r>
-            <a:r>
-              <a:rPr lang="ja-JP" altLang="en-US" sz="1200"/>
-              <a:t>と</a:t>
-            </a:r>
-            <a:r>
-              <a:rPr lang="en-US" altLang="ja-JP" sz="1200"/>
-              <a:t>gamma</a:t>
-            </a:r>
-            <a:r>
-              <a:rPr lang="ja-JP" altLang="en-US" sz="1200"/>
-              <a:t>についてほぼ同じ式の形に見える</a:t>
-            </a:r>
-            <a:r>
-              <a:rPr lang="en-US" altLang="ja-JP" sz="1200"/>
-              <a:t>.GLM</a:t>
-            </a:r>
-            <a:r>
-              <a:rPr lang="ja-JP" altLang="en-US" sz="1200"/>
-              <a:t>に一般の式の形なの</a:t>
-            </a:r>
-            <a:r>
-              <a:rPr lang="en-US" altLang="ja-JP" sz="1200"/>
-              <a:t>?</a:t>
-            </a:r>
-          </a:p>
-          <a:p>
-            <a:pPr lvl="1"/>
-            <a:r>
-              <a:rPr lang="ja-JP" altLang="en-US" sz="1200"/>
-              <a:t>最尤推定とは書いてあるが</a:t>
-            </a:r>
-            <a:r>
-              <a:rPr lang="en-US" altLang="ja-JP" sz="1200"/>
-              <a:t>, </a:t>
-            </a:r>
-            <a:r>
-              <a:rPr lang="ja-JP" altLang="en-US" sz="1200"/>
-              <a:t>導出は個人的に？のまま</a:t>
-            </a:r>
-            <a:r>
-              <a:rPr lang="en-US" altLang="ja-JP" sz="1200"/>
-              <a:t>)</a:t>
-            </a:r>
-            <a:br>
-              <a:rPr lang="en-US" altLang="ja-JP" sz="1200"/>
-            </a:br>
-            <a:r>
-              <a:rPr lang="en-US" altLang="ja-JP" sz="1200"/>
-              <a:t>4. Poisson-Gamma</a:t>
-            </a:r>
-            <a:r>
-              <a:rPr lang="ja-JP" altLang="en-US" sz="1200"/>
-              <a:t>と</a:t>
-            </a:r>
-            <a:r>
-              <a:rPr lang="en-US" altLang="ja-JP" sz="1200"/>
-              <a:t>GLM</a:t>
-            </a:r>
-            <a:r>
-              <a:rPr lang="ja-JP" altLang="en-US" sz="1200"/>
-              <a:t>の関係性がピンときていない</a:t>
-            </a:r>
-            <a:r>
-              <a:rPr lang="en-US" altLang="ja-JP" sz="1200"/>
+              <a:rPr lang="en-US" altLang="ja-JP" sz="1400" dirty="0" smtClean="0"/>
+              <a:t>phi</a:t>
+            </a:r>
+            <a:r>
+              <a:rPr lang="ja-JP" altLang="en-US" sz="1400" dirty="0" smtClean="0"/>
+              <a:t>の初期値設定に問題がある</a:t>
+            </a:r>
+            <a:r>
+              <a:rPr lang="en-US" altLang="ja-JP" sz="1400" dirty="0" smtClean="0"/>
+              <a:t>(</a:t>
+            </a:r>
+            <a:r>
+              <a:rPr lang="ja-JP" altLang="en-US" sz="1400" dirty="0" smtClean="0"/>
+              <a:t>論文通りだが</a:t>
+            </a:r>
+            <a:r>
+              <a:rPr lang="en-US" altLang="ja-JP" sz="1400" dirty="0" smtClean="0"/>
+              <a:t>?), </a:t>
+            </a:r>
+            <a:r>
+              <a:rPr lang="ja-JP" altLang="en-US" sz="1400" dirty="0" smtClean="0"/>
+              <a:t>もしくは </a:t>
+            </a:r>
+            <a:r>
+              <a:rPr lang="en-US" altLang="ja-JP" sz="1400" dirty="0" smtClean="0"/>
+              <a:t>overflow</a:t>
+            </a:r>
+            <a:r>
+              <a:rPr lang="ja-JP" altLang="en-US" sz="1400" dirty="0" smtClean="0"/>
+              <a:t>問題が原因になっていると推測</a:t>
+            </a:r>
+            <a:r>
+              <a:rPr lang="en-US" altLang="ja-JP" sz="1400" dirty="0" smtClean="0"/>
               <a:t>.</a:t>
             </a:r>
-            <a:br>
-              <a:rPr lang="en-US" altLang="ja-JP" sz="1200"/>
-            </a:br>
-            <a:r>
-              <a:rPr lang="ja-JP" altLang="en-US" sz="1200"/>
-              <a:t>明らかに</a:t>
-            </a:r>
-            <a:r>
-              <a:rPr lang="en-US" altLang="ja-JP" sz="1200"/>
-              <a:t>GLM</a:t>
-            </a:r>
-            <a:r>
-              <a:rPr lang="ja-JP" altLang="en-US" sz="1200"/>
-              <a:t>の</a:t>
-            </a:r>
-            <a:r>
-              <a:rPr lang="en-US" altLang="ja-JP" sz="1200"/>
-              <a:t>exp-family</a:t>
-            </a:r>
-            <a:r>
-              <a:rPr lang="ja-JP" altLang="en-US" sz="1200"/>
-              <a:t>では</a:t>
-            </a:r>
-            <a:r>
-              <a:rPr lang="en-US" altLang="ja-JP" sz="1200"/>
-              <a:t>Poison-Gamma</a:t>
-            </a:r>
-            <a:r>
-              <a:rPr lang="ja-JP" altLang="en-US" sz="1200"/>
-              <a:t>の多峰性を再現できない</a:t>
-            </a:r>
-            <a:r>
-              <a:rPr lang="en-US" altLang="ja-JP" sz="1200"/>
-              <a:t>.</a:t>
-            </a:r>
-            <a:br>
-              <a:rPr lang="en-US" altLang="ja-JP" sz="1200"/>
-            </a:br>
-            <a:r>
-              <a:rPr lang="ja-JP" altLang="en-US" sz="1200"/>
-              <a:t>峰の</a:t>
-            </a:r>
-            <a:r>
-              <a:rPr lang="en-US" altLang="ja-JP" sz="1200"/>
-              <a:t>1</a:t>
-            </a:r>
-            <a:r>
-              <a:rPr lang="ja-JP" altLang="en-US" sz="1200"/>
-              <a:t>つを再現するイメージなのか足し上げた後の分布を表しているのか</a:t>
-            </a:r>
-            <a:r>
-              <a:rPr lang="en-US" altLang="ja-JP" sz="1200"/>
-              <a:t>.</a:t>
-            </a:r>
-            <a:br>
-              <a:rPr lang="en-US" altLang="ja-JP" sz="1200"/>
-            </a:br>
-            <a:r>
-              <a:rPr lang="en-US" altLang="ja-JP" sz="1200"/>
-              <a:t>cumulant</a:t>
-            </a:r>
-            <a:r>
-              <a:rPr lang="ja-JP" altLang="en-US" sz="1200"/>
-              <a:t>一致</a:t>
-            </a:r>
-            <a:r>
-              <a:rPr lang="en-US" altLang="ja-JP" sz="1200"/>
-              <a:t> </a:t>
-            </a:r>
-            <a:r>
-              <a:rPr lang="en-US" altLang="ja-JP" sz="1200">
-                <a:sym typeface="Wingdings" pitchFamily="2" charset="2"/>
-              </a:rPr>
-              <a:t>= </a:t>
-            </a:r>
-            <a:r>
-              <a:rPr lang="ja-JP" altLang="en-US" sz="1200"/>
-              <a:t>分布一致</a:t>
-            </a:r>
-            <a:r>
-              <a:rPr lang="en-US" altLang="ja-JP" sz="1200"/>
-              <a:t> </a:t>
-            </a:r>
-            <a:r>
-              <a:rPr lang="ja-JP" altLang="en-US" sz="1200"/>
-              <a:t>なはず</a:t>
-            </a:r>
-            <a:r>
-              <a:rPr lang="en-US" altLang="ja-JP" sz="1200"/>
-              <a:t>. N</a:t>
-            </a:r>
-            <a:r>
-              <a:rPr lang="ja-JP" altLang="en-US" sz="1200"/>
-              <a:t>で</a:t>
-            </a:r>
-            <a:r>
-              <a:rPr lang="en-US" altLang="ja-JP" sz="1200"/>
-              <a:t>conditional</a:t>
-            </a:r>
-            <a:r>
-              <a:rPr lang="ja-JP" altLang="en-US" sz="1200"/>
-              <a:t>だからか</a:t>
-            </a:r>
-            <a:r>
-              <a:rPr lang="en-US" altLang="ja-JP" sz="1200"/>
-              <a:t>?</a:t>
-            </a:r>
-          </a:p>
-        </p:txBody>
-      </p:sp>
-      <p:sp>
-        <p:nvSpPr>
-          <p:cNvPr id="10" name="テキスト ボックス 9">
-            <a:extLst>
-              <a:ext uri="{FF2B5EF4-FFF2-40B4-BE49-F238E27FC236}">
-                <a16:creationId xmlns:a16="http://schemas.microsoft.com/office/drawing/2014/main" xmlns="" id="{364D17A6-864C-154A-9E1B-2D8A8224F8C7}"/>
-              </a:ext>
-            </a:extLst>
-          </p:cNvPr>
-          <p:cNvSpPr txBox="1"/>
-          <p:nvPr/>
-        </p:nvSpPr>
-        <p:spPr>
-          <a:xfrm>
-            <a:off x="6422472" y="1529498"/>
-            <a:ext cx="5153975" cy="2123658"/>
-          </a:xfrm>
-          <a:prstGeom prst="rect">
-            <a:avLst/>
-          </a:prstGeom>
-          <a:noFill/>
-        </p:spPr>
-        <p:txBody>
-          <a:bodyPr wrap="none" rtlCol="0">
-            <a:spAutoFit/>
-          </a:bodyPr>
-          <a:lstStyle/>
-          <a:p>
-            <a:pPr marL="285750" indent="-285750">
-              <a:buFont typeface="Wingdings" pitchFamily="2" charset="2"/>
-              <a:buChar char="ü"/>
-            </a:pPr>
-            <a:r>
-              <a:rPr lang="en-US" altLang="ja-JP" sz="1200" dirty="0"/>
-              <a:t>0</a:t>
-            </a:r>
-            <a:r>
-              <a:rPr lang="ja-JP" altLang="en-US" sz="1200" dirty="0"/>
-              <a:t>割</a:t>
-            </a:r>
-            <a:r>
-              <a:rPr lang="en-US" altLang="ja-JP" sz="1200" dirty="0"/>
-              <a:t>, log0</a:t>
-            </a:r>
-            <a:r>
-              <a:rPr lang="ja-JP" altLang="en-US" sz="1200" dirty="0"/>
-              <a:t>による</a:t>
-            </a:r>
-            <a:r>
-              <a:rPr lang="en-US" altLang="ja-JP" sz="1200" dirty="0" err="1"/>
-              <a:t>inf,nan</a:t>
-            </a:r>
-            <a:r>
-              <a:rPr lang="ja-JP" altLang="en-US" sz="1200" dirty="0"/>
-              <a:t>の発生</a:t>
-            </a:r>
-            <a:endParaRPr lang="en-US" altLang="ja-JP" sz="1200" dirty="0"/>
-          </a:p>
-          <a:p>
-            <a:pPr marL="285750" indent="-285750">
-              <a:buFont typeface="Wingdings" pitchFamily="2" charset="2"/>
-              <a:buChar char="ü"/>
-            </a:pPr>
-            <a:r>
-              <a:rPr lang="en-US" altLang="ja-JP" sz="1200" dirty="0"/>
-              <a:t>Convergence</a:t>
-            </a:r>
-            <a:r>
-              <a:rPr lang="ja-JP" altLang="en-US" sz="1200" dirty="0"/>
-              <a:t>の目安</a:t>
-            </a:r>
-            <a:endParaRPr lang="en-US" altLang="ja-JP" sz="1200" dirty="0"/>
-          </a:p>
-          <a:p>
-            <a:pPr marL="285750" indent="-285750">
-              <a:buFont typeface="Wingdings" pitchFamily="2" charset="2"/>
-              <a:buChar char="ü"/>
-            </a:pPr>
-            <a:r>
-              <a:rPr lang="ja-JP" altLang="en-US" sz="1200" dirty="0"/>
-              <a:t>逆行列計算がつつがなく終わるか心配</a:t>
-            </a:r>
-            <a:r>
-              <a:rPr lang="en-US" altLang="ja-JP" sz="1200" dirty="0"/>
-              <a:t>(rank</a:t>
-            </a:r>
-            <a:r>
-              <a:rPr lang="ja-JP" altLang="en-US" sz="1200" dirty="0"/>
-              <a:t>落ちしない</a:t>
-            </a:r>
-            <a:r>
-              <a:rPr lang="en-US" altLang="ja-JP" sz="1200" dirty="0"/>
-              <a:t>?)</a:t>
-            </a:r>
-          </a:p>
-          <a:p>
-            <a:pPr marL="285750" indent="-285750">
-              <a:buFont typeface="Wingdings" pitchFamily="2" charset="2"/>
-              <a:buChar char="ü"/>
-            </a:pPr>
-            <a:r>
-              <a:rPr lang="ja-JP" altLang="en-US" sz="1200" dirty="0"/>
-              <a:t>計算時間</a:t>
-            </a:r>
-            <a:endParaRPr lang="en-US" altLang="ja-JP" sz="1200" dirty="0"/>
-          </a:p>
-          <a:p>
-            <a:pPr marL="285750" indent="-285750">
-              <a:buFont typeface="Wingdings" pitchFamily="2" charset="2"/>
-              <a:buChar char="ü"/>
-            </a:pPr>
-            <a:r>
-              <a:rPr lang="ja-JP" altLang="en-US" sz="1200" dirty="0"/>
-              <a:t>メモリ</a:t>
-            </a:r>
-            <a:endParaRPr lang="en-US" altLang="ja-JP" sz="1200" dirty="0"/>
-          </a:p>
-          <a:p>
-            <a:pPr marL="285750" indent="-285750">
-              <a:buFont typeface="Wingdings" pitchFamily="2" charset="2"/>
-              <a:buChar char="ü"/>
-            </a:pPr>
-            <a:r>
-              <a:rPr lang="ja-JP" altLang="en-US" sz="1200" dirty="0"/>
-              <a:t>バグチェック方法</a:t>
-            </a:r>
-            <a:r>
-              <a:rPr lang="en-US" altLang="ja-JP" sz="1200" dirty="0"/>
-              <a:t/>
-            </a:r>
-            <a:br>
-              <a:rPr lang="en-US" altLang="ja-JP" sz="1200" dirty="0"/>
-            </a:br>
-            <a:r>
-              <a:rPr lang="en-US" altLang="ja-JP" sz="1200" dirty="0"/>
-              <a:t>- </a:t>
-            </a:r>
-            <a:r>
-              <a:rPr lang="ja-JP" altLang="en-US" sz="1200" dirty="0"/>
-              <a:t>論文中データを入手し結果を再現するのが最良</a:t>
-            </a:r>
-            <a:r>
-              <a:rPr lang="en-US" altLang="ja-JP" sz="1200" dirty="0"/>
-              <a:t/>
-            </a:r>
-            <a:br>
-              <a:rPr lang="en-US" altLang="ja-JP" sz="1200" dirty="0"/>
-            </a:br>
-            <a:r>
-              <a:rPr lang="en-US" altLang="ja-JP" sz="1200" dirty="0"/>
-              <a:t>- </a:t>
-            </a:r>
-            <a:r>
-              <a:rPr lang="ja-JP" altLang="en-US" sz="1200" dirty="0"/>
-              <a:t>その他の方法ある</a:t>
-            </a:r>
-            <a:r>
-              <a:rPr lang="en-US" altLang="ja-JP" sz="1200" dirty="0"/>
-              <a:t>? =&gt; </a:t>
-            </a:r>
-            <a:r>
-              <a:rPr lang="ja-JP" altLang="en-US" sz="1200" dirty="0"/>
-              <a:t>数値を</a:t>
-            </a:r>
-            <a:r>
-              <a:rPr lang="en-US" altLang="ja-JP" sz="1200" dirty="0" smtClean="0"/>
-              <a:t>generate</a:t>
-            </a:r>
-            <a:r>
-              <a:rPr lang="ja-JP" altLang="en-US" sz="1200" dirty="0"/>
-              <a:t>して推定</a:t>
-            </a:r>
-            <a:endParaRPr lang="en-US" altLang="ja-JP" sz="1200" dirty="0"/>
-          </a:p>
-          <a:p>
-            <a:pPr marL="285750" indent="-285750">
-              <a:buFont typeface="Wingdings" pitchFamily="2" charset="2"/>
-              <a:buChar char="ü"/>
-            </a:pPr>
-            <a:r>
-              <a:rPr lang="ja-JP" altLang="en-US" sz="1200" dirty="0"/>
-              <a:t>論文中の数式が誤植の場合困る</a:t>
-            </a:r>
-            <a:r>
-              <a:rPr lang="en-US" altLang="ja-JP" sz="1200" dirty="0"/>
-              <a:t>.</a:t>
-            </a:r>
-            <a:r>
-              <a:rPr lang="ja-JP" altLang="en-US" sz="1200" dirty="0"/>
-              <a:t>理論的</a:t>
-            </a:r>
-            <a:r>
-              <a:rPr lang="ja-JP" altLang="en-US" sz="1200" dirty="0" smtClean="0"/>
-              <a:t>理解</a:t>
-            </a:r>
-            <a:r>
-              <a:rPr lang="ja-JP" altLang="en-US" sz="1200" dirty="0"/>
-              <a:t>の不足</a:t>
-            </a:r>
-            <a:r>
-              <a:rPr lang="en-US" altLang="ja-JP" sz="1200" dirty="0" smtClean="0"/>
-              <a:t>.</a:t>
-            </a:r>
-            <a:r>
-              <a:rPr lang="ja-JP" altLang="en-US" sz="1200" dirty="0"/>
-              <a:t>特に</a:t>
-            </a:r>
-            <a:r>
-              <a:rPr lang="en-US" altLang="ja-JP" sz="1200" dirty="0"/>
-              <a:t>Iteration</a:t>
-            </a:r>
-            <a:r>
-              <a:rPr lang="ja-JP" altLang="en-US" sz="1200" dirty="0" smtClean="0"/>
-              <a:t>部分</a:t>
-            </a:r>
-            <a:endParaRPr lang="en-US" altLang="ja-JP" sz="1200" dirty="0"/>
-          </a:p>
-          <a:p>
-            <a:endParaRPr lang="en-US" altLang="ja-JP" sz="1200" dirty="0"/>
-          </a:p>
-          <a:p>
-            <a:pPr marL="285750" indent="-285750">
-              <a:buFont typeface="Wingdings" pitchFamily="2" charset="2"/>
-              <a:buChar char="ü"/>
-            </a:pPr>
-            <a:endParaRPr lang="en-US" altLang="ja-JP" sz="1200" dirty="0"/>
+            <a:endParaRPr kumimoji="1" lang="ja-JP" altLang="en-US" sz="1400" dirty="0"/>
           </a:p>
         </p:txBody>
       </p:sp>
     </p:spTree>
     <p:extLst>
       <p:ext uri="{BB962C8B-B14F-4D97-AF65-F5344CB8AC3E}">
-        <p14:creationId xmlns:p14="http://schemas.microsoft.com/office/powerpoint/2010/main" val="1693940834"/>
+        <p14:creationId xmlns:p14="http://schemas.microsoft.com/office/powerpoint/2010/main" val="1128036309"/>
       </p:ext>
     </p:extLst>
   </p:cSld>
   <p:clrMapOvr>
     <a:masterClrMapping/>
   </p:clrMapOvr>
-  <mc:AlternateContent xmlns:mc="http://schemas.openxmlformats.org/markup-compatibility/2006">
-    <mc:Choice xmlns:p14="http://schemas.microsoft.com/office/powerpoint/2010/main" Requires="p14">
+  <mc:AlternateContent xmlns:mc="http://schemas.openxmlformats.org/markup-compatibility/2006" xmlns:p14="http://schemas.microsoft.com/office/powerpoint/2010/main">
+    <mc:Choice Requires="p14">
       <p:transition spd="slow" p14:dur="2000"/>
     </mc:Choice>
-    <mc:Fallback>
+    <mc:Fallback xmlns="">
       <p:transition spd="slow"/>
     </mc:Fallback>
   </mc:AlternateContent>
@@ -13322,7 +13141,7 @@
   <a:extraClrSchemeLst/>
   <a:extLst>
     <a:ext uri="{05A4C25C-085E-4340-85A3-A5531E510DB2}">
-      <thm15:themeFamily xmlns:thm15="http://schemas.microsoft.com/office/thememl/2012/main" xmlns="" name="Office Theme" id="{62F939B6-93AF-4DB8-9C6B-D6C7DFDC589F}" vid="{4A3C46E8-61CC-4603-A589-7422A47A8E4A}"/>
+      <thm15:themeFamily xmlns="" xmlns:thm15="http://schemas.microsoft.com/office/thememl/2012/main" name="Office Theme" id="{62F939B6-93AF-4DB8-9C6B-D6C7DFDC589F}" vid="{4A3C46E8-61CC-4603-A589-7422A47A8E4A}"/>
     </a:ext>
   </a:extLst>
 </a:theme>
@@ -13617,7 +13436,7 @@
   <a:extraClrSchemeLst/>
   <a:extLst>
     <a:ext uri="{05A4C25C-085E-4340-85A3-A5531E510DB2}">
-      <thm15:themeFamily xmlns:thm15="http://schemas.microsoft.com/office/thememl/2012/main" xmlns="" name="Office Theme" id="{62F939B6-93AF-4DB8-9C6B-D6C7DFDC589F}" vid="{4A3C46E8-61CC-4603-A589-7422A47A8E4A}"/>
+      <thm15:themeFamily xmlns="" xmlns:thm15="http://schemas.microsoft.com/office/thememl/2012/main" name="Office Theme" id="{62F939B6-93AF-4DB8-9C6B-D6C7DFDC589F}" vid="{4A3C46E8-61CC-4603-A589-7422A47A8E4A}"/>
     </a:ext>
   </a:extLst>
 </a:theme>
